--- a/slides/GPU_Intro.pptx
+++ b/slides/GPU_Intro.pptx
@@ -1,30 +1,31 @@
 
 <file path=ppt/presentation.xml><?xml version="1.0" encoding="utf-8"?>
-<p:presentation xmlns:a="http://schemas.openxmlformats.org/drawingml/2006/main" xmlns:r="http://schemas.openxmlformats.org/officeDocument/2006/relationships" xmlns:p="http://schemas.openxmlformats.org/presentationml/2006/main" xmlns:m="http://schemas.openxmlformats.org/officeDocument/2006/math" xmlns:w="http://schemas.openxmlformats.org/wordprocessingml/2006/main" saveSubsetFonts="1">
+<p:presentation xmlns:a="http://schemas.openxmlformats.org/drawingml/2006/main" xmlns:r="http://schemas.openxmlformats.org/officeDocument/2006/relationships" xmlns:p="http://schemas.openxmlformats.org/presentationml/2006/main" saveSubsetFonts="1">
   <p:sldMasterIdLst>
     <p:sldMasterId id="2147483648" r:id="rId1"/>
   </p:sldMasterIdLst>
   <p:notesMasterIdLst>
-    <p:notesMasterId r:id="rId21"/>
+    <p:notesMasterId r:id="rId20"/>
   </p:notesMasterIdLst>
   <p:sldIdLst>
-    <p:sldId id="256" r:id="rId4"/>
-    <p:sldId id="257" r:id="rId5"/>
-    <p:sldId id="258" r:id="rId6"/>
-    <p:sldId id="259" r:id="rId7"/>
-    <p:sldId id="260" r:id="rId8"/>
-    <p:sldId id="261" r:id="rId9"/>
-    <p:sldId id="262" r:id="rId10"/>
-    <p:sldId id="263" r:id="rId11"/>
-    <p:sldId id="264" r:id="rId12"/>
-    <p:sldId id="265" r:id="rId13"/>
-    <p:sldId id="266" r:id="rId14"/>
-    <p:sldId id="267" r:id="rId15"/>
-    <p:sldId id="268" r:id="rId16"/>
-    <p:sldId id="269" r:id="rId17"/>
-    <p:sldId id="270" r:id="rId18"/>
-    <p:sldId id="271" r:id="rId19"/>
-    <p:sldId id="272" r:id="rId20"/>
+    <p:sldId id="256" r:id="rId2"/>
+    <p:sldId id="273" r:id="rId3"/>
+    <p:sldId id="257" r:id="rId4"/>
+    <p:sldId id="258" r:id="rId5"/>
+    <p:sldId id="259" r:id="rId6"/>
+    <p:sldId id="260" r:id="rId7"/>
+    <p:sldId id="261" r:id="rId8"/>
+    <p:sldId id="262" r:id="rId9"/>
+    <p:sldId id="263" r:id="rId10"/>
+    <p:sldId id="264" r:id="rId11"/>
+    <p:sldId id="265" r:id="rId12"/>
+    <p:sldId id="266" r:id="rId13"/>
+    <p:sldId id="267" r:id="rId14"/>
+    <p:sldId id="268" r:id="rId15"/>
+    <p:sldId id="269" r:id="rId16"/>
+    <p:sldId id="270" r:id="rId17"/>
+    <p:sldId id="271" r:id="rId18"/>
+    <p:sldId id="272" r:id="rId19"/>
   </p:sldIdLst>
   <p:sldSz cx="12192000" cy="6858000"/>
   <p:notesSz cx="6858000" cy="12192000"/>
@@ -123,6 +124,22 @@
       </a:defRPr>
     </a:lvl9pPr>
   </p:defaultTextStyle>
+  <p:extLst>
+    <p:ext uri="{EFAFB233-063F-42B5-8137-9DF3F51BA10A}">
+      <p15:sldGuideLst xmlns:p15="http://schemas.microsoft.com/office/powerpoint/2012/main">
+        <p15:guide id="1" orient="horz" pos="2160">
+          <p15:clr>
+            <a:srgbClr val="A4A3A4"/>
+          </p15:clr>
+        </p15:guide>
+        <p15:guide id="2" pos="2880">
+          <p15:clr>
+            <a:srgbClr val="A4A3A4"/>
+          </p15:clr>
+        </p15:guide>
+      </p15:sldGuideLst>
+    </p:ext>
+  </p:extLst>
 </p:presentation>
 </file>
 
@@ -130,12 +147,19 @@
 <p:cmAuthorLst xmlns:a="http://schemas.openxmlformats.org/drawingml/2006/main" xmlns:r="http://schemas.openxmlformats.org/officeDocument/2006/relationships" xmlns:p="http://schemas.openxmlformats.org/presentationml/2006/main">
   <p:cmAuthor id="1" name="Wandrille Duchemin (unibas.ch)" initials="WD(" lastIdx="17" clrIdx="0"/>
   <p:cmAuthor id="2" name="Sébastien Boyer (unibas.ch)" initials="SB(" lastIdx="13" clrIdx="1"/>
+  <p:cmAuthor id="3" name="Rubén Martín" initials="RM" lastIdx="3" clrIdx="2">
+    <p:extLst>
+      <p:ext uri="{19B8F6BF-5375-455C-9EA6-DF929625EA0E}">
+        <p15:presenceInfo xmlns:p15="http://schemas.microsoft.com/office/powerpoint/2012/main" userId="7cfa1867aa0efb19" providerId="Windows Live"/>
+      </p:ext>
+    </p:extLst>
+  </p:cmAuthor>
 </p:cmAuthorLst>
 </file>
 
 <file path=ppt/comments/comment1.xml><?xml version="1.0" encoding="utf-8"?>
-<p:cmLst xmlns:a="http://schemas.openxmlformats.org/drawingml/2006/main" xmlns:r="http://schemas.openxmlformats.org/officeDocument/2006/relationships" xmlns:p="http://schemas.openxmlformats.org/presentationml/2006/main" xmlns:m="http://schemas.openxmlformats.org/officeDocument/2006/math" xmlns:w="http://schemas.openxmlformats.org/wordprocessingml/2006/main">
-  <p:cm authorId="1" dt="2020-06-11T14:07:53Z" idx="1">
+<p:cmLst xmlns:a="http://schemas.openxmlformats.org/drawingml/2006/main" xmlns:r="http://schemas.openxmlformats.org/officeDocument/2006/relationships" xmlns:p="http://schemas.openxmlformats.org/presentationml/2006/main">
+  <p:cm authorId="1" dt="2020-06-11T14:07:53" idx="1">
     <p:pos x="0" y="0"/>
     <p:text>Overall very nice. Good to directly focus on performance : gets people motivated on the end-goal.
 Is target audience expected to already know (at least passingly) about cache/memory management in (C)PU?
@@ -146,11 +170,11 @@
         <p15:threadingInfo xmlns:p15="http://schemas.microsoft.com/office/powerpoint/2012/main" timeZoneBias="-120"/>
       </p:ext>
       <p:ext uri="{19B8F6BF-5375-455C-9EA6-DF929625EA0E}">
-        <p15:presenceInfo xmlns:p15="http://schemas.microsoft.com/office/powerpoint/2012/main" userId="teamlab_data:0;41;oc641cdd42e0_wandrille.duchemin@unibas.ch;1;30;Wandrille Duchemin (unibas.ch);2;1;0;3;20;2020-06-11T12:07:53Z;4;38;{8CB34A1C-E573-55CE-F19C-0D71B56E988A};" providerId="AD"/>
+        <p15:presenceInfo xmlns:p15="http://schemas.microsoft.com/office/powerpoint/2012/main" xmlns:w="http://schemas.openxmlformats.org/wordprocessingml/2006/main" xmlns:m="http://schemas.openxmlformats.org/officeDocument/2006/math" xmlns="" userId="teamlab_data:0;41;oc641cdd42e0_wandrille.duchemin@unibas.ch;1;30;Wandrille Duchemin (unibas.ch);2;1;0;3;20;2020-06-11T12:07:53Z;4;38;{8CB34A1C-E573-55CE-F19C-0D71B56E988A};" providerId="AD"/>
       </p:ext>
     </p:extLst>
   </p:cm>
-  <p:cm authorId="2" dt="2020-06-12T11:56:18Z" idx="1">
+  <p:cm authorId="2" dt="2020-06-12T11:56:18" idx="1">
     <p:pos x="0" y="3081"/>
     <p:text>Si on veut parler de gestion de memoire, je crains ne pas voir le niveau meme pour un slide d'intro. Donc si tu veux le rajouter ca m'aiderais si tu pouvais t'en occuper</p:text>
     <p:extLst>
@@ -160,7 +184,7 @@
         </p15:threadingInfo>
       </p:ext>
       <p:ext uri="{19B8F6BF-5375-455C-9EA6-DF929625EA0E}">
-        <p15:presenceInfo xmlns:p15="http://schemas.microsoft.com/office/powerpoint/2012/main" userId="teamlab_data:0;38;oc641cdd42e0_sebastien.boyer@unibas.ch;1;27;Sébastien Boyer (unibas.ch);2;1;0;3;20;2020-06-12T09:56:18Z;4;38;{A52811F1-705A-04EC-B01A-75CBF9465847};" providerId="AD"/>
+        <p15:presenceInfo xmlns:p15="http://schemas.microsoft.com/office/powerpoint/2012/main" xmlns:w="http://schemas.openxmlformats.org/wordprocessingml/2006/main" xmlns:m="http://schemas.openxmlformats.org/officeDocument/2006/math" xmlns="" userId="teamlab_data:0;38;oc641cdd42e0_sebastien.boyer@unibas.ch;1;27;Sébastien Boyer (unibas.ch);2;1;0;3;20;2020-06-12T09:56:18Z;4;38;{A52811F1-705A-04EC-B01A-75CBF9465847};" providerId="AD"/>
       </p:ext>
     </p:extLst>
   </p:cm>
@@ -168,8 +192,129 @@
 </file>
 
 <file path=ppt/comments/comment10.xml><?xml version="1.0" encoding="utf-8"?>
-<p:cmLst xmlns:a="http://schemas.openxmlformats.org/drawingml/2006/main" xmlns:r="http://schemas.openxmlformats.org/officeDocument/2006/relationships" xmlns:p="http://schemas.openxmlformats.org/presentationml/2006/main" xmlns:m="http://schemas.openxmlformats.org/officeDocument/2006/math" xmlns:w="http://schemas.openxmlformats.org/wordprocessingml/2006/main">
-  <p:cm authorId="1" dt="2020-06-12T17:47:52Z" idx="14">
+<p:cmLst xmlns:a="http://schemas.openxmlformats.org/drawingml/2006/main" xmlns:r="http://schemas.openxmlformats.org/officeDocument/2006/relationships" xmlns:p="http://schemas.openxmlformats.org/presentationml/2006/main">
+  <p:cm authorId="1" dt="2020-06-11T13:40:05" idx="11">
+    <p:pos x="0" y="-5"/>
+    <p:text>Qu'est ce que tu veux faire passer avec cette slide ?</p:text>
+    <p:extLst>
+      <p:ext uri="{C676402C-5697-4E1C-873F-D02D1690AC5C}">
+        <p15:threadingInfo xmlns:p15="http://schemas.microsoft.com/office/powerpoint/2012/main" timeZoneBias="-120"/>
+      </p:ext>
+      <p:ext uri="{19B8F6BF-5375-455C-9EA6-DF929625EA0E}">
+        <p15:presenceInfo xmlns:p15="http://schemas.microsoft.com/office/powerpoint/2012/main" xmlns:w="http://schemas.openxmlformats.org/wordprocessingml/2006/main" xmlns:m="http://schemas.openxmlformats.org/officeDocument/2006/math" xmlns="" userId="teamlab_data:0;41;oc641cdd42e0_wandrille.duchemin@unibas.ch;1;30;Wandrille Duchemin (unibas.ch);2;1;0;3;20;2020-06-11T11:40:05Z;4;38;{AD2E0978-E9D7-37F2-B02B-16F35DA86451};" providerId="AD"/>
+      </p:ext>
+    </p:extLst>
+  </p:cm>
+  <p:cm authorId="2" dt="2020-06-12T10:47:48" idx="9">
+    <p:pos x="0" y="3076"/>
+    <p:text>Je voulais presenter un truc plus reel moins schematique qui pourrais rendre plus interpretable le mapping que je presente ensuite. Ce que je propose c'est d'enlever le CPU. OU carrement la slide, comme tu le sens</p:text>
+    <p:extLst>
+      <p:ext uri="{C676402C-5697-4E1C-873F-D02D1690AC5C}">
+        <p15:threadingInfo xmlns:p15="http://schemas.microsoft.com/office/powerpoint/2012/main" timeZoneBias="-120">
+          <p15:parentCm authorId="1" idx="11"/>
+        </p15:threadingInfo>
+      </p:ext>
+      <p:ext uri="{19B8F6BF-5375-455C-9EA6-DF929625EA0E}">
+        <p15:presenceInfo xmlns:p15="http://schemas.microsoft.com/office/powerpoint/2012/main" xmlns:w="http://schemas.openxmlformats.org/wordprocessingml/2006/main" xmlns:m="http://schemas.openxmlformats.org/officeDocument/2006/math" xmlns="" userId="teamlab_data:0;38;oc641cdd42e0_sebastien.boyer@unibas.ch;1;27;Sébastien Boyer (unibas.ch);2;1;0;3;20;2020-06-12T08:47:48Z;4;38;{DB39CDBD-901A-3F57-871D-6F804781A3EA};" providerId="AD"/>
+      </p:ext>
+    </p:extLst>
+  </p:cm>
+  <p:cm authorId="2" dt="2020-06-12T11:33:52" idx="10">
+    <p:pos x="0" y="6158"/>
+    <p:text>Voila ce que je propose en remplacement</p:text>
+    <p:extLst>
+      <p:ext uri="{C676402C-5697-4E1C-873F-D02D1690AC5C}">
+        <p15:threadingInfo xmlns:p15="http://schemas.microsoft.com/office/powerpoint/2012/main" timeZoneBias="-120">
+          <p15:parentCm authorId="1" idx="11"/>
+        </p15:threadingInfo>
+      </p:ext>
+      <p:ext uri="{19B8F6BF-5375-455C-9EA6-DF929625EA0E}">
+        <p15:presenceInfo xmlns:p15="http://schemas.microsoft.com/office/powerpoint/2012/main" xmlns:w="http://schemas.openxmlformats.org/wordprocessingml/2006/main" xmlns:m="http://schemas.openxmlformats.org/officeDocument/2006/math" xmlns="" userId="teamlab_data:0;38;oc641cdd42e0_sebastien.boyer@unibas.ch;1;27;Sébastien Boyer (unibas.ch);2;1;0;3;20;2020-06-12T09:33:52Z;4;38;{472C0ECC-539F-CC27-0F4D-B5D49D8F335A};" providerId="AD"/>
+      </p:ext>
+    </p:extLst>
+  </p:cm>
+</p:cmLst>
+</file>
+
+<file path=ppt/comments/comment11.xml><?xml version="1.0" encoding="utf-8"?>
+<p:cmLst xmlns:a="http://schemas.openxmlformats.org/drawingml/2006/main" xmlns:r="http://schemas.openxmlformats.org/officeDocument/2006/relationships" xmlns:p="http://schemas.openxmlformats.org/presentationml/2006/main">
+  <p:cm authorId="1" dt="2020-06-11T13:40:05" idx="12">
+    <p:pos x="0" y="-5"/>
+    <p:text>Qu'est ce que tu veux faire passer avec cette slide ?</p:text>
+    <p:extLst>
+      <p:ext uri="{C676402C-5697-4E1C-873F-D02D1690AC5C}">
+        <p15:threadingInfo xmlns:p15="http://schemas.microsoft.com/office/powerpoint/2012/main" timeZoneBias="-120"/>
+      </p:ext>
+      <p:ext uri="{19B8F6BF-5375-455C-9EA6-DF929625EA0E}">
+        <p15:presenceInfo xmlns:p15="http://schemas.microsoft.com/office/powerpoint/2012/main" xmlns:w="http://schemas.openxmlformats.org/wordprocessingml/2006/main" xmlns:m="http://schemas.openxmlformats.org/officeDocument/2006/math" xmlns="" userId="teamlab_data:0;41;oc641cdd42e0_wandrille.duchemin@unibas.ch;1;30;Wandrille Duchemin (unibas.ch);2;1;0;3;20;2020-06-11T11:40:05Z;4;38;{AD2E0978-E9D7-37F2-B02B-16F35DA86451};" providerId="AD"/>
+      </p:ext>
+    </p:extLst>
+  </p:cm>
+  <p:cm authorId="2" dt="2020-06-12T10:47:48" idx="11">
+    <p:pos x="0" y="3076"/>
+    <p:text>Je voulais presenter un truc plus reel moins schematique qui pourrais rendre plus interpretable le mapping que je presente ensuite. Ce que je propose c'est d'enlever le CPU. OU carrement la slide, comme tu le sens</p:text>
+    <p:extLst>
+      <p:ext uri="{C676402C-5697-4E1C-873F-D02D1690AC5C}">
+        <p15:threadingInfo xmlns:p15="http://schemas.microsoft.com/office/powerpoint/2012/main" timeZoneBias="-120">
+          <p15:parentCm authorId="1" idx="12"/>
+        </p15:threadingInfo>
+      </p:ext>
+      <p:ext uri="{19B8F6BF-5375-455C-9EA6-DF929625EA0E}">
+        <p15:presenceInfo xmlns:p15="http://schemas.microsoft.com/office/powerpoint/2012/main" xmlns:w="http://schemas.openxmlformats.org/wordprocessingml/2006/main" xmlns:m="http://schemas.openxmlformats.org/officeDocument/2006/math" xmlns="" userId="teamlab_data:0;38;oc641cdd42e0_sebastien.boyer@unibas.ch;1;27;Sébastien Boyer (unibas.ch);2;1;0;3;20;2020-06-12T08:47:48Z;4;38;{DB39CDBD-901A-3F57-871D-6F804781A3EA};" providerId="AD"/>
+      </p:ext>
+    </p:extLst>
+  </p:cm>
+  <p:cm authorId="2" dt="2020-06-12T11:33:52" idx="12">
+    <p:pos x="0" y="6158"/>
+    <p:text>Voila ce que je propose en remplacement</p:text>
+    <p:extLst>
+      <p:ext uri="{C676402C-5697-4E1C-873F-D02D1690AC5C}">
+        <p15:threadingInfo xmlns:p15="http://schemas.microsoft.com/office/powerpoint/2012/main" timeZoneBias="-120">
+          <p15:parentCm authorId="1" idx="12"/>
+        </p15:threadingInfo>
+      </p:ext>
+      <p:ext uri="{19B8F6BF-5375-455C-9EA6-DF929625EA0E}">
+        <p15:presenceInfo xmlns:p15="http://schemas.microsoft.com/office/powerpoint/2012/main" xmlns:w="http://schemas.openxmlformats.org/wordprocessingml/2006/main" xmlns:m="http://schemas.openxmlformats.org/officeDocument/2006/math" xmlns="" userId="teamlab_data:0;38;oc641cdd42e0_sebastien.boyer@unibas.ch;1;27;Sébastien Boyer (unibas.ch);2;1;0;3;20;2020-06-12T09:33:52Z;4;38;{472C0ECC-539F-CC27-0F4D-B5D49D8F335A};" providerId="AD"/>
+      </p:ext>
+    </p:extLst>
+  </p:cm>
+</p:cmLst>
+</file>
+
+<file path=ppt/comments/comment12.xml><?xml version="1.0" encoding="utf-8"?>
+<p:cmLst xmlns:a="http://schemas.openxmlformats.org/drawingml/2006/main" xmlns:r="http://schemas.openxmlformats.org/officeDocument/2006/relationships" xmlns:p="http://schemas.openxmlformats.org/presentationml/2006/main">
+  <p:cm authorId="1" dt="2020-06-11T13:56:46" idx="13">
+    <p:pos x="0" y="0"/>
+    <p:text>partie 2 de la slide precedente ?</p:text>
+    <p:extLst>
+      <p:ext uri="{C676402C-5697-4E1C-873F-D02D1690AC5C}">
+        <p15:threadingInfo xmlns:p15="http://schemas.microsoft.com/office/powerpoint/2012/main" timeZoneBias="-120"/>
+      </p:ext>
+      <p:ext uri="{19B8F6BF-5375-455C-9EA6-DF929625EA0E}">
+        <p15:presenceInfo xmlns:p15="http://schemas.microsoft.com/office/powerpoint/2012/main" xmlns:w="http://schemas.openxmlformats.org/wordprocessingml/2006/main" xmlns:m="http://schemas.openxmlformats.org/officeDocument/2006/math" xmlns="" userId="teamlab_data:0;41;oc641cdd42e0_wandrille.duchemin@unibas.ch;1;30;Wandrille Duchemin (unibas.ch);2;1;0;3;20;2020-06-11T11:56:46Z;4;38;{A4C8EC89-1585-E2EB-2B1C-F8350C5E512A};" providerId="AD"/>
+      </p:ext>
+    </p:extLst>
+  </p:cm>
+  <p:cm authorId="2" dt="2020-06-12T10:51:42" idx="13">
+    <p:pos x="0" y="3081"/>
+    <p:text>Oui et aussi d'introduire la slide que tu m'as demande de rajouter sur les differentes API. Le but etait de poser le voicabulaire et de voire que ce qu 'on allait faire (i.e le mapping hardware software) etait un etape au milieu du code. Encore une fois peut etre trouver un meilleur titre pour que la transisiton soit obvious?Je propose ce nouveau titre</p:text>
+    <p:extLst>
+      <p:ext uri="{C676402C-5697-4E1C-873F-D02D1690AC5C}">
+        <p15:threadingInfo xmlns:p15="http://schemas.microsoft.com/office/powerpoint/2012/main" timeZoneBias="-120">
+          <p15:parentCm authorId="1" idx="13"/>
+        </p15:threadingInfo>
+      </p:ext>
+      <p:ext uri="{19B8F6BF-5375-455C-9EA6-DF929625EA0E}">
+        <p15:presenceInfo xmlns:p15="http://schemas.microsoft.com/office/powerpoint/2012/main" xmlns:w="http://schemas.openxmlformats.org/wordprocessingml/2006/main" xmlns:m="http://schemas.openxmlformats.org/officeDocument/2006/math" xmlns="" userId="teamlab_data:0;38;oc641cdd42e0_sebastien.boyer@unibas.ch;1;27;Sébastien Boyer (unibas.ch);2;1;0;3;20;2020-06-12T08:51:42Z;4;38;{D7B46082-635B-8F73-D6F0-35B9AC69C453};" providerId="AD"/>
+      </p:ext>
+    </p:extLst>
+  </p:cm>
+</p:cmLst>
+</file>
+
+<file path=ppt/comments/comment13.xml><?xml version="1.0" encoding="utf-8"?>
+<p:cmLst xmlns:a="http://schemas.openxmlformats.org/drawingml/2006/main" xmlns:r="http://schemas.openxmlformats.org/officeDocument/2006/relationships" xmlns:p="http://schemas.openxmlformats.org/presentationml/2006/main">
+  <p:cm authorId="1" dt="2020-06-12T17:47:52" idx="14">
     <p:pos x="2217" y="3504"/>
     <p:text>My idea was only really to show names and logos, just to get the student acquainted with the names of existing technologies</p:text>
     <p:extLst>
@@ -177,11 +322,11 @@
         <p15:threadingInfo xmlns:p15="http://schemas.microsoft.com/office/powerpoint/2012/main" timeZoneBias="-120"/>
       </p:ext>
       <p:ext uri="{19B8F6BF-5375-455C-9EA6-DF929625EA0E}">
-        <p15:presenceInfo xmlns:p15="http://schemas.microsoft.com/office/powerpoint/2012/main" userId="teamlab_data:0;41;oc641cdd42e0_wandrille.duchemin@unibas.ch;1;30;Wandrille Duchemin (unibas.ch);2;1;0;3;20;2020-06-12T15:47:52Z;4;38;{570DEB97-F3E1-E9A2-B755-D894C4F4CC80};" providerId="AD"/>
+        <p15:presenceInfo xmlns:p15="http://schemas.microsoft.com/office/powerpoint/2012/main" xmlns:w="http://schemas.openxmlformats.org/wordprocessingml/2006/main" xmlns:m="http://schemas.openxmlformats.org/officeDocument/2006/math" xmlns="" userId="teamlab_data:0;41;oc641cdd42e0_wandrille.duchemin@unibas.ch;1;30;Wandrille Duchemin (unibas.ch);2;1;0;3;20;2020-06-12T15:47:52Z;4;38;{570DEB97-F3E1-E9A2-B755-D894C4F4CC80};" providerId="AD"/>
       </p:ext>
     </p:extLst>
   </p:cm>
-  <p:cm authorId="1" dt="2020-06-12T18:19:26Z" idx="15">
+  <p:cm authorId="1" dt="2020-06-12T18:19:26" idx="15">
     <p:pos x="2390" y="3663"/>
     <p:text>C'est un peu ce que j'avais en tete...
 Par contre les connecteurs/lignes/fleches me gonflent.</p:text>
@@ -190,16 +335,16 @@
         <p15:threadingInfo xmlns:p15="http://schemas.microsoft.com/office/powerpoint/2012/main" timeZoneBias="-120"/>
       </p:ext>
       <p:ext uri="{19B8F6BF-5375-455C-9EA6-DF929625EA0E}">
-        <p15:presenceInfo xmlns:p15="http://schemas.microsoft.com/office/powerpoint/2012/main" userId="teamlab_data:0;41;oc641cdd42e0_wandrille.duchemin@unibas.ch;1;30;Wandrille Duchemin (unibas.ch);2;1;0;3;20;2020-06-12T16:19:26Z;4;38;{E98C875E-3737-B468-7DEB-9A69C5A8CCA2};" providerId="AD"/>
+        <p15:presenceInfo xmlns:p15="http://schemas.microsoft.com/office/powerpoint/2012/main" xmlns:w="http://schemas.openxmlformats.org/wordprocessingml/2006/main" xmlns:m="http://schemas.openxmlformats.org/officeDocument/2006/math" xmlns="" userId="teamlab_data:0;41;oc641cdd42e0_wandrille.duchemin@unibas.ch;1;30;Wandrille Duchemin (unibas.ch);2;1;0;3;20;2020-06-12T16:19:26Z;4;38;{E98C875E-3737-B468-7DEB-9A69C5A8CCA2};" providerId="AD"/>
       </p:ext>
     </p:extLst>
   </p:cm>
 </p:cmLst>
 </file>
 
-<file path=ppt/comments/comment11.xml><?xml version="1.0" encoding="utf-8"?>
-<p:cmLst xmlns:a="http://schemas.openxmlformats.org/drawingml/2006/main" xmlns:r="http://schemas.openxmlformats.org/officeDocument/2006/relationships" xmlns:p="http://schemas.openxmlformats.org/presentationml/2006/main" xmlns:m="http://schemas.openxmlformats.org/officeDocument/2006/math" xmlns:w="http://schemas.openxmlformats.org/wordprocessingml/2006/main">
-  <p:cm authorId="1" dt="2020-06-12T17:47:52Z" idx="16">
+<file path=ppt/comments/comment14.xml><?xml version="1.0" encoding="utf-8"?>
+<p:cmLst xmlns:a="http://schemas.openxmlformats.org/drawingml/2006/main" xmlns:r="http://schemas.openxmlformats.org/officeDocument/2006/relationships" xmlns:p="http://schemas.openxmlformats.org/presentationml/2006/main">
+  <p:cm authorId="1" dt="2020-06-12T17:47:52" idx="16">
     <p:pos x="2217" y="3504"/>
     <p:text>My idea was only really to show names and logos, just to get the student acquainted with the names of existing technologies</p:text>
     <p:extLst>
@@ -207,11 +352,11 @@
         <p15:threadingInfo xmlns:p15="http://schemas.microsoft.com/office/powerpoint/2012/main" timeZoneBias="-120"/>
       </p:ext>
       <p:ext uri="{19B8F6BF-5375-455C-9EA6-DF929625EA0E}">
-        <p15:presenceInfo xmlns:p15="http://schemas.microsoft.com/office/powerpoint/2012/main" userId="teamlab_data:0;41;oc641cdd42e0_wandrille.duchemin@unibas.ch;1;30;Wandrille Duchemin (unibas.ch);2;1;0;3;20;2020-06-12T15:47:52Z;4;38;{570DEB97-F3E1-E9A2-B755-D894C4F4CC80};" providerId="AD"/>
+        <p15:presenceInfo xmlns:p15="http://schemas.microsoft.com/office/powerpoint/2012/main" xmlns:w="http://schemas.openxmlformats.org/wordprocessingml/2006/main" xmlns:m="http://schemas.openxmlformats.org/officeDocument/2006/math" xmlns="" userId="teamlab_data:0;41;oc641cdd42e0_wandrille.duchemin@unibas.ch;1;30;Wandrille Duchemin (unibas.ch);2;1;0;3;20;2020-06-12T15:47:52Z;4;38;{570DEB97-F3E1-E9A2-B755-D894C4F4CC80};" providerId="AD"/>
       </p:ext>
     </p:extLst>
   </p:cm>
-  <p:cm authorId="1" dt="2020-06-12T18:19:26Z" idx="17">
+  <p:cm authorId="1" dt="2020-06-12T18:19:26" idx="17">
     <p:pos x="2390" y="3663"/>
     <p:text>C'est un peu ce que j'avais en tete...
 Par contre les connecteurs/lignes/fleches me gonflent.</p:text>
@@ -220,7 +365,16 @@
         <p15:threadingInfo xmlns:p15="http://schemas.microsoft.com/office/powerpoint/2012/main" timeZoneBias="-120"/>
       </p:ext>
       <p:ext uri="{19B8F6BF-5375-455C-9EA6-DF929625EA0E}">
-        <p15:presenceInfo xmlns:p15="http://schemas.microsoft.com/office/powerpoint/2012/main" userId="teamlab_data:0;41;oc641cdd42e0_wandrille.duchemin@unibas.ch;1;30;Wandrille Duchemin (unibas.ch);2;1;0;3;20;2020-06-12T16:19:26Z;4;38;{E98C875E-3737-B468-7DEB-9A69C5A8CCA2};" providerId="AD"/>
+        <p15:presenceInfo xmlns:p15="http://schemas.microsoft.com/office/powerpoint/2012/main" xmlns:w="http://schemas.openxmlformats.org/wordprocessingml/2006/main" xmlns:m="http://schemas.openxmlformats.org/officeDocument/2006/math" xmlns="" userId="teamlab_data:0;41;oc641cdd42e0_wandrille.duchemin@unibas.ch;1;30;Wandrille Duchemin (unibas.ch);2;1;0;3;20;2020-06-12T16:19:26Z;4;38;{E98C875E-3737-B468-7DEB-9A69C5A8CCA2};" providerId="AD"/>
+      </p:ext>
+    </p:extLst>
+  </p:cm>
+  <p:cm authorId="3" dt="2020-09-24T13:42:29.116" idx="3">
+    <p:pos x="3591" y="3157"/>
+    <p:text>Is not pycuda used in the python examples?</p:text>
+    <p:extLst>
+      <p:ext uri="{C676402C-5697-4E1C-873F-D02D1690AC5C}">
+        <p15:threadingInfo xmlns:p15="http://schemas.microsoft.com/office/powerpoint/2012/main" timeZoneBias="-120"/>
       </p:ext>
     </p:extLst>
   </p:cm>
@@ -228,8 +382,70 @@
 </file>
 
 <file path=ppt/comments/comment2.xml><?xml version="1.0" encoding="utf-8"?>
-<p:cmLst xmlns:a="http://schemas.openxmlformats.org/drawingml/2006/main" xmlns:r="http://schemas.openxmlformats.org/officeDocument/2006/relationships" xmlns:p="http://schemas.openxmlformats.org/presentationml/2006/main" xmlns:m="http://schemas.openxmlformats.org/officeDocument/2006/math" xmlns:w="http://schemas.openxmlformats.org/wordprocessingml/2006/main">
-  <p:cm authorId="1" dt="2020-06-11T13:35:05Z" idx="2">
+<p:cmLst xmlns:a="http://schemas.openxmlformats.org/drawingml/2006/main" xmlns:r="http://schemas.openxmlformats.org/officeDocument/2006/relationships" xmlns:p="http://schemas.openxmlformats.org/presentationml/2006/main">
+  <p:cm authorId="1" dt="2020-06-11T14:07:53" idx="1">
+    <p:pos x="0" y="0"/>
+    <p:text>Overall very nice. Good to directly focus on performance : gets people motivated on the end-goal.
+Is target audience expected to already know (at least passingly) about cache/memory management in (C)PU?
+-&gt; If not, we should have something explaining that : if people have a better mental model of how computations work in a computer, they can understand/memorize better how and when a parralelization paradigm works.
+To add : GPU programmation technologies (cuda,roc,openMP,openACC,...) ?</p:text>
+    <p:extLst>
+      <p:ext uri="{C676402C-5697-4E1C-873F-D02D1690AC5C}">
+        <p15:threadingInfo xmlns:p15="http://schemas.microsoft.com/office/powerpoint/2012/main" timeZoneBias="-120"/>
+      </p:ext>
+      <p:ext uri="{19B8F6BF-5375-455C-9EA6-DF929625EA0E}">
+        <p15:presenceInfo xmlns:p15="http://schemas.microsoft.com/office/powerpoint/2012/main" xmlns:w="http://schemas.openxmlformats.org/wordprocessingml/2006/main" xmlns:m="http://schemas.openxmlformats.org/officeDocument/2006/math" xmlns="" userId="teamlab_data:0;41;oc641cdd42e0_wandrille.duchemin@unibas.ch;1;30;Wandrille Duchemin (unibas.ch);2;1;0;3;20;2020-06-11T12:07:53Z;4;38;{8CB34A1C-E573-55CE-F19C-0D71B56E988A};" providerId="AD"/>
+      </p:ext>
+    </p:extLst>
+  </p:cm>
+  <p:cm authorId="2" dt="2020-06-12T11:56:18" idx="1">
+    <p:pos x="0" y="3081"/>
+    <p:text>Si on veut parler de gestion de memoire, je crains ne pas voir le niveau meme pour un slide d'intro. Donc si tu veux le rajouter ca m'aiderais si tu pouvais t'en occuper</p:text>
+    <p:extLst>
+      <p:ext uri="{C676402C-5697-4E1C-873F-D02D1690AC5C}">
+        <p15:threadingInfo xmlns:p15="http://schemas.microsoft.com/office/powerpoint/2012/main" timeZoneBias="-120">
+          <p15:parentCm authorId="1" idx="1"/>
+        </p15:threadingInfo>
+      </p:ext>
+      <p:ext uri="{19B8F6BF-5375-455C-9EA6-DF929625EA0E}">
+        <p15:presenceInfo xmlns:p15="http://schemas.microsoft.com/office/powerpoint/2012/main" xmlns:w="http://schemas.openxmlformats.org/wordprocessingml/2006/main" xmlns:m="http://schemas.openxmlformats.org/officeDocument/2006/math" xmlns="" userId="teamlab_data:0;38;oc641cdd42e0_sebastien.boyer@unibas.ch;1;27;Sébastien Boyer (unibas.ch);2;1;0;3;20;2020-06-12T09:56:18Z;4;38;{A52811F1-705A-04EC-B01A-75CBF9465847};" providerId="AD"/>
+      </p:ext>
+    </p:extLst>
+  </p:cm>
+</p:cmLst>
+</file>
+
+<file path=ppt/comments/comment3.xml><?xml version="1.0" encoding="utf-8"?>
+<p:cmLst xmlns:a="http://schemas.openxmlformats.org/drawingml/2006/main" xmlns:r="http://schemas.openxmlformats.org/officeDocument/2006/relationships" xmlns:p="http://schemas.openxmlformats.org/presentationml/2006/main">
+  <p:cm authorId="3" dt="2020-09-24T13:39:38.075" idx="1">
+    <p:pos x="3674" y="913"/>
+    <p:text>[Do they know what’s a GFLOP?]</p:text>
+    <p:extLst>
+      <p:ext uri="{C676402C-5697-4E1C-873F-D02D1690AC5C}">
+        <p15:threadingInfo xmlns:p15="http://schemas.microsoft.com/office/powerpoint/2012/main" timeZoneBias="-120"/>
+      </p:ext>
+    </p:extLst>
+  </p:cm>
+</p:cmLst>
+</file>
+
+<file path=ppt/comments/comment4.xml><?xml version="1.0" encoding="utf-8"?>
+<p:cmLst xmlns:a="http://schemas.openxmlformats.org/drawingml/2006/main" xmlns:r="http://schemas.openxmlformats.org/officeDocument/2006/relationships" xmlns:p="http://schemas.openxmlformats.org/presentationml/2006/main">
+  <p:cm authorId="3" dt="2020-09-24T13:40:06.071" idx="2">
+    <p:pos x="3698" y="230"/>
+    <p:text>[This comparisons can be a bit misleading: How many cores where used in the CPU version. Cores are different in CPU and GPUs. Direct comparison is nice but people need to understand the limits]</p:text>
+    <p:extLst>
+      <p:ext uri="{C676402C-5697-4E1C-873F-D02D1690AC5C}">
+        <p15:threadingInfo xmlns:p15="http://schemas.microsoft.com/office/powerpoint/2012/main" timeZoneBias="-120"/>
+      </p:ext>
+    </p:extLst>
+  </p:cm>
+</p:cmLst>
+</file>
+
+<file path=ppt/comments/comment5.xml><?xml version="1.0" encoding="utf-8"?>
+<p:cmLst xmlns:a="http://schemas.openxmlformats.org/drawingml/2006/main" xmlns:r="http://schemas.openxmlformats.org/officeDocument/2006/relationships" xmlns:p="http://schemas.openxmlformats.org/presentationml/2006/main">
+  <p:cm authorId="1" dt="2020-06-11T13:35:05" idx="2">
     <p:pos x="351" y="2669"/>
     <p:text>define ALU (Arithmetic logic unit) as the brick component of Processing Units ?</p:text>
     <p:extLst>
@@ -237,16 +453,16 @@
         <p15:threadingInfo xmlns:p15="http://schemas.microsoft.com/office/powerpoint/2012/main" timeZoneBias="-120"/>
       </p:ext>
       <p:ext uri="{19B8F6BF-5375-455C-9EA6-DF929625EA0E}">
-        <p15:presenceInfo xmlns:p15="http://schemas.microsoft.com/office/powerpoint/2012/main" userId="teamlab_data:0;41;oc641cdd42e0_wandrille.duchemin@unibas.ch;1;30;Wandrille Duchemin (unibas.ch);2;1;1;3;20;2020-06-11T11:35:05Z;4;38;{6878EFA0-72CD-1751-459C-D34F19FFB038};" providerId="AD"/>
+        <p15:presenceInfo xmlns:p15="http://schemas.microsoft.com/office/powerpoint/2012/main" xmlns:w="http://schemas.openxmlformats.org/wordprocessingml/2006/main" xmlns:m="http://schemas.openxmlformats.org/officeDocument/2006/math" xmlns="" userId="teamlab_data:0;41;oc641cdd42e0_wandrille.duchemin@unibas.ch;1;30;Wandrille Duchemin (unibas.ch);2;1;1;3;20;2020-06-11T11:35:05Z;4;38;{6878EFA0-72CD-1751-459C-D34F19FFB038};" providerId="AD"/>
       </p:ext>
     </p:extLst>
   </p:cm>
 </p:cmLst>
 </file>
 
-<file path=ppt/comments/comment3.xml><?xml version="1.0" encoding="utf-8"?>
-<p:cmLst xmlns:a="http://schemas.openxmlformats.org/drawingml/2006/main" xmlns:r="http://schemas.openxmlformats.org/officeDocument/2006/relationships" xmlns:p="http://schemas.openxmlformats.org/presentationml/2006/main" xmlns:m="http://schemas.openxmlformats.org/officeDocument/2006/math" xmlns:w="http://schemas.openxmlformats.org/wordprocessingml/2006/main">
-  <p:cm authorId="1" dt="2020-06-11T13:59:49Z" idx="3">
+<file path=ppt/comments/comment6.xml><?xml version="1.0" encoding="utf-8"?>
+<p:cmLst xmlns:a="http://schemas.openxmlformats.org/drawingml/2006/main" xmlns:r="http://schemas.openxmlformats.org/officeDocument/2006/relationships" xmlns:p="http://schemas.openxmlformats.org/presentationml/2006/main">
+  <p:cm authorId="1" dt="2020-06-11T13:59:49" idx="3">
     <p:pos x="103" y="54"/>
     <p:text>Peut etre ajouter une deuxieme slide pour montrer les operations / modeles ou le GPU est plus lent.</p:text>
     <p:extLst>
@@ -254,11 +470,11 @@
         <p15:threadingInfo xmlns:p15="http://schemas.microsoft.com/office/powerpoint/2012/main" timeZoneBias="-120"/>
       </p:ext>
       <p:ext uri="{19B8F6BF-5375-455C-9EA6-DF929625EA0E}">
-        <p15:presenceInfo xmlns:p15="http://schemas.microsoft.com/office/powerpoint/2012/main" userId="teamlab_data:0;41;oc641cdd42e0_wandrille.duchemin@unibas.ch;1;30;Wandrille Duchemin (unibas.ch);2;1;1;3;20;2020-06-11T11:59:49Z;4;38;{185805AF-3DFA-C4D1-78FA-4B49B599F2DB};" providerId="AD"/>
+        <p15:presenceInfo xmlns:p15="http://schemas.microsoft.com/office/powerpoint/2012/main" xmlns:w="http://schemas.openxmlformats.org/wordprocessingml/2006/main" xmlns:m="http://schemas.openxmlformats.org/officeDocument/2006/math" xmlns="" userId="teamlab_data:0;41;oc641cdd42e0_wandrille.duchemin@unibas.ch;1;30;Wandrille Duchemin (unibas.ch);2;1;1;3;20;2020-06-11T11:59:49Z;4;38;{185805AF-3DFA-C4D1-78FA-4B49B599F2DB};" providerId="AD"/>
       </p:ext>
     </p:extLst>
   </p:cm>
-  <p:cm authorId="2" dt="2020-06-12T10:38:30Z" idx="2">
+  <p:cm authorId="2" dt="2020-06-12T10:38:30" idx="2">
     <p:pos x="103" y="3135"/>
     <p:text>Je pense que ces operations la sont pas adapte mais je suis pas 100 %</p:text>
     <p:extLst>
@@ -268,11 +484,11 @@
         </p15:threadingInfo>
       </p:ext>
       <p:ext uri="{19B8F6BF-5375-455C-9EA6-DF929625EA0E}">
-        <p15:presenceInfo xmlns:p15="http://schemas.microsoft.com/office/powerpoint/2012/main" userId="teamlab_data:0;38;oc641cdd42e0_sebastien.boyer@unibas.ch;1;27;Sébastien Boyer (unibas.ch);2;1;0;3;20;2020-06-12T08:38:30Z;4;38;{051AAA9C-4746-59B8-E9CA-B5CA3B046299};" providerId="AD"/>
+        <p15:presenceInfo xmlns:p15="http://schemas.microsoft.com/office/powerpoint/2012/main" xmlns:w="http://schemas.openxmlformats.org/wordprocessingml/2006/main" xmlns:m="http://schemas.openxmlformats.org/officeDocument/2006/math" xmlns="" userId="teamlab_data:0;38;oc641cdd42e0_sebastien.boyer@unibas.ch;1;27;Sébastien Boyer (unibas.ch);2;1;0;3;20;2020-06-12T08:38:30Z;4;38;{051AAA9C-4746-59B8-E9CA-B5CA3B046299};" providerId="AD"/>
       </p:ext>
     </p:extLst>
   </p:cm>
-  <p:cm authorId="1" dt="2020-06-12T13:40:28Z" idx="4">
+  <p:cm authorId="1" dt="2020-06-12T13:40:28" idx="4">
     <p:pos x="103" y="6217"/>
     <p:text>A partir du moment ou c'est different ca passe.</p:text>
     <p:extLst>
@@ -282,16 +498,16 @@
         </p15:threadingInfo>
       </p:ext>
       <p:ext uri="{19B8F6BF-5375-455C-9EA6-DF929625EA0E}">
-        <p15:presenceInfo xmlns:p15="http://schemas.microsoft.com/office/powerpoint/2012/main" userId="teamlab_data:0;41;oc641cdd42e0_wandrille.duchemin@unibas.ch;1;30;Wandrille Duchemin (unibas.ch);2;1;0;3;20;2020-06-12T11:40:28Z;4;38;{2BD08324-63B8-EFFD-9C76-ECF5512DA4DA};" providerId="AD"/>
+        <p15:presenceInfo xmlns:p15="http://schemas.microsoft.com/office/powerpoint/2012/main" xmlns:w="http://schemas.openxmlformats.org/wordprocessingml/2006/main" xmlns:m="http://schemas.openxmlformats.org/officeDocument/2006/math" xmlns="" userId="teamlab_data:0;41;oc641cdd42e0_wandrille.duchemin@unibas.ch;1;30;Wandrille Duchemin (unibas.ch);2;1;0;3;20;2020-06-12T11:40:28Z;4;38;{2BD08324-63B8-EFFD-9C76-ECF5512DA4DA};" providerId="AD"/>
       </p:ext>
     </p:extLst>
   </p:cm>
 </p:cmLst>
 </file>
 
-<file path=ppt/comments/comment4.xml><?xml version="1.0" encoding="utf-8"?>
-<p:cmLst xmlns:a="http://schemas.openxmlformats.org/drawingml/2006/main" xmlns:r="http://schemas.openxmlformats.org/officeDocument/2006/relationships" xmlns:p="http://schemas.openxmlformats.org/presentationml/2006/main" xmlns:m="http://schemas.openxmlformats.org/officeDocument/2006/math" xmlns:w="http://schemas.openxmlformats.org/wordprocessingml/2006/main">
-  <p:cm authorId="1" dt="2020-06-11T13:52:55Z" idx="5">
+<file path=ppt/comments/comment7.xml><?xml version="1.0" encoding="utf-8"?>
+<p:cmLst xmlns:a="http://schemas.openxmlformats.org/drawingml/2006/main" xmlns:r="http://schemas.openxmlformats.org/officeDocument/2006/relationships" xmlns:p="http://schemas.openxmlformats.org/presentationml/2006/main">
+  <p:cm authorId="1" dt="2020-06-11T13:52:55" idx="5">
     <p:pos x="18" y="53"/>
     <p:text>Sauf si je comprend mal la figure de gauche, les 2 images representent l'architecture du programme. 
 Ca serait interessant de mettre en regard une image de l'architecture hardware, non?</p:text>
@@ -300,11 +516,11 @@
         <p15:threadingInfo xmlns:p15="http://schemas.microsoft.com/office/powerpoint/2012/main" timeZoneBias="-120"/>
       </p:ext>
       <p:ext uri="{19B8F6BF-5375-455C-9EA6-DF929625EA0E}">
-        <p15:presenceInfo xmlns:p15="http://schemas.microsoft.com/office/powerpoint/2012/main" userId="teamlab_data:0;41;oc641cdd42e0_wandrille.duchemin@unibas.ch;1;30;Wandrille Duchemin (unibas.ch);2;1;0;3;20;2020-06-11T11:52:55Z;4;38;{4800787B-D208-3BAE-09C3-FAE5464928C7};" providerId="AD"/>
+        <p15:presenceInfo xmlns:p15="http://schemas.microsoft.com/office/powerpoint/2012/main" xmlns:w="http://schemas.openxmlformats.org/wordprocessingml/2006/main" xmlns:m="http://schemas.openxmlformats.org/officeDocument/2006/math" xmlns="" userId="teamlab_data:0;41;oc641cdd42e0_wandrille.duchemin@unibas.ch;1;30;Wandrille Duchemin (unibas.ch);2;1;0;3;20;2020-06-11T11:52:55Z;4;38;{4800787B-D208-3BAE-09C3-FAE5464928C7};" providerId="AD"/>
       </p:ext>
     </p:extLst>
   </p:cm>
-  <p:cm authorId="2" dt="2020-06-12T10:49:04Z" idx="3">
+  <p:cm authorId="2" dt="2020-06-12T10:49:04" idx="3">
     <p:pos x="18" y="3134"/>
     <p:text>Exactement c'est ce que j'ai essaye de faire maladroitement avec la slide d'avant. Si tu as une idee de comment faire ca proprement je suis tout ouie</p:text>
     <p:extLst>
@@ -314,11 +530,11 @@
         </p15:threadingInfo>
       </p:ext>
       <p:ext uri="{19B8F6BF-5375-455C-9EA6-DF929625EA0E}">
-        <p15:presenceInfo xmlns:p15="http://schemas.microsoft.com/office/powerpoint/2012/main" userId="teamlab_data:0;38;oc641cdd42e0_sebastien.boyer@unibas.ch;1;27;Sébastien Boyer (unibas.ch);2;1;0;3;20;2020-06-12T08:49:04Z;4;38;{F6B5DB3F-437B-0681-3D97-B6749AA50F14};" providerId="AD"/>
+        <p15:presenceInfo xmlns:p15="http://schemas.microsoft.com/office/powerpoint/2012/main" xmlns:w="http://schemas.openxmlformats.org/wordprocessingml/2006/main" xmlns:m="http://schemas.openxmlformats.org/officeDocument/2006/math" xmlns="" userId="teamlab_data:0;38;oc641cdd42e0_sebastien.boyer@unibas.ch;1;27;Sébastien Boyer (unibas.ch);2;1;0;3;20;2020-06-12T08:49:04Z;4;38;{F6B5DB3F-437B-0681-3D97-B6749AA50F14};" providerId="AD"/>
       </p:ext>
     </p:extLst>
   </p:cm>
-  <p:cm authorId="1" dt="2020-06-11T13:55:29Z" idx="6">
+  <p:cm authorId="1" dt="2020-06-11T13:55:29" idx="6">
     <p:pos x="112" y="98"/>
     <p:text>j'ai essaye de reorganiser la slide... peut etre avec une image montrant de bas en haut : thread&gt;block&gt;grid ?</p:text>
     <p:extLst>
@@ -326,11 +542,11 @@
         <p15:threadingInfo xmlns:p15="http://schemas.microsoft.com/office/powerpoint/2012/main" timeZoneBias="-120"/>
       </p:ext>
       <p:ext uri="{19B8F6BF-5375-455C-9EA6-DF929625EA0E}">
-        <p15:presenceInfo xmlns:p15="http://schemas.microsoft.com/office/powerpoint/2012/main" userId="teamlab_data:0;41;oc641cdd42e0_wandrille.duchemin@unibas.ch;1;30;Wandrille Duchemin (unibas.ch);2;1;1;3;20;2020-06-11T11:55:29Z;4;38;{5232ED33-D178-11E0-DB17-D14D0F7209A4};" providerId="AD"/>
+        <p15:presenceInfo xmlns:p15="http://schemas.microsoft.com/office/powerpoint/2012/main" xmlns:w="http://schemas.openxmlformats.org/wordprocessingml/2006/main" xmlns:m="http://schemas.openxmlformats.org/officeDocument/2006/math" xmlns="" userId="teamlab_data:0;41;oc641cdd42e0_wandrille.duchemin@unibas.ch;1;30;Wandrille Duchemin (unibas.ch);2;1;1;3;20;2020-06-11T11:55:29Z;4;38;{5232ED33-D178-11E0-DB17-D14D0F7209A4};" providerId="AD"/>
       </p:ext>
     </p:extLst>
   </p:cm>
-  <p:cm authorId="2" dt="2020-06-12T10:48:15Z" idx="4">
+  <p:cm authorId="2" dt="2020-06-12T10:48:15" idx="4">
     <p:pos x="112" y="3179"/>
     <p:text>J'approuve very much</p:text>
     <p:extLst>
@@ -340,11 +556,11 @@
         </p15:threadingInfo>
       </p:ext>
       <p:ext uri="{19B8F6BF-5375-455C-9EA6-DF929625EA0E}">
-        <p15:presenceInfo xmlns:p15="http://schemas.microsoft.com/office/powerpoint/2012/main" userId="teamlab_data:0;38;oc641cdd42e0_sebastien.boyer@unibas.ch;1;27;Sébastien Boyer (unibas.ch);2;1;0;3;20;2020-06-12T08:48:15Z;4;38;{363CB8D0-D1EA-7569-D12C-DF6EBFC72F26};" providerId="AD"/>
+        <p15:presenceInfo xmlns:p15="http://schemas.microsoft.com/office/powerpoint/2012/main" xmlns:w="http://schemas.openxmlformats.org/wordprocessingml/2006/main" xmlns:m="http://schemas.openxmlformats.org/officeDocument/2006/math" xmlns="" userId="teamlab_data:0;38;oc641cdd42e0_sebastien.boyer@unibas.ch;1;27;Sébastien Boyer (unibas.ch);2;1;0;3;20;2020-06-12T08:48:15Z;4;38;{363CB8D0-D1EA-7569-D12C-DF6EBFC72F26};" providerId="AD"/>
       </p:ext>
     </p:extLst>
   </p:cm>
-  <p:cm authorId="1" dt="2020-06-12T17:39:08Z" idx="7">
+  <p:cm authorId="1" dt="2020-06-12T17:39:08" idx="7">
     <p:pos x="112" y="6261"/>
     <p:text>refait l'image en top-down.</p:text>
     <p:extLst>
@@ -354,16 +570,16 @@
         </p15:threadingInfo>
       </p:ext>
       <p:ext uri="{19B8F6BF-5375-455C-9EA6-DF929625EA0E}">
-        <p15:presenceInfo xmlns:p15="http://schemas.microsoft.com/office/powerpoint/2012/main" userId="teamlab_data:0;41;oc641cdd42e0_wandrille.duchemin@unibas.ch;1;30;Wandrille Duchemin (unibas.ch);2;1;0;3;20;2020-06-12T15:39:08Z;4;38;{99155341-CF40-145D-E983-F3F6F42BD310};" providerId="AD"/>
+        <p15:presenceInfo xmlns:p15="http://schemas.microsoft.com/office/powerpoint/2012/main" xmlns:w="http://schemas.openxmlformats.org/wordprocessingml/2006/main" xmlns:m="http://schemas.openxmlformats.org/officeDocument/2006/math" xmlns="" userId="teamlab_data:0;41;oc641cdd42e0_wandrille.duchemin@unibas.ch;1;30;Wandrille Duchemin (unibas.ch);2;1;0;3;20;2020-06-12T15:39:08Z;4;38;{99155341-CF40-145D-E983-F3F6F42BD310};" providerId="AD"/>
       </p:ext>
     </p:extLst>
   </p:cm>
 </p:cmLst>
 </file>
 
-<file path=ppt/comments/comment5.xml><?xml version="1.0" encoding="utf-8"?>
-<p:cmLst xmlns:a="http://schemas.openxmlformats.org/drawingml/2006/main" xmlns:r="http://schemas.openxmlformats.org/officeDocument/2006/relationships" xmlns:p="http://schemas.openxmlformats.org/presentationml/2006/main" xmlns:m="http://schemas.openxmlformats.org/officeDocument/2006/math" xmlns:w="http://schemas.openxmlformats.org/wordprocessingml/2006/main">
-  <p:cm authorId="1" dt="2020-06-11T13:40:05Z" idx="8">
+<file path=ppt/comments/comment8.xml><?xml version="1.0" encoding="utf-8"?>
+<p:cmLst xmlns:a="http://schemas.openxmlformats.org/drawingml/2006/main" xmlns:r="http://schemas.openxmlformats.org/officeDocument/2006/relationships" xmlns:p="http://schemas.openxmlformats.org/presentationml/2006/main">
+  <p:cm authorId="1" dt="2020-06-11T13:40:05" idx="8">
     <p:pos x="0" y="-5"/>
     <p:text>Qu'est ce que tu veux faire passer avec cette slide ?</p:text>
     <p:extLst>
@@ -371,11 +587,11 @@
         <p15:threadingInfo xmlns:p15="http://schemas.microsoft.com/office/powerpoint/2012/main" timeZoneBias="-120"/>
       </p:ext>
       <p:ext uri="{19B8F6BF-5375-455C-9EA6-DF929625EA0E}">
-        <p15:presenceInfo xmlns:p15="http://schemas.microsoft.com/office/powerpoint/2012/main" userId="teamlab_data:0;41;oc641cdd42e0_wandrille.duchemin@unibas.ch;1;30;Wandrille Duchemin (unibas.ch);2;1;0;3;20;2020-06-11T11:40:05Z;4;38;{AD2E0978-E9D7-37F2-B02B-16F35DA86451};" providerId="AD"/>
+        <p15:presenceInfo xmlns:p15="http://schemas.microsoft.com/office/powerpoint/2012/main" xmlns:w="http://schemas.openxmlformats.org/wordprocessingml/2006/main" xmlns:m="http://schemas.openxmlformats.org/officeDocument/2006/math" xmlns="" userId="teamlab_data:0;41;oc641cdd42e0_wandrille.duchemin@unibas.ch;1;30;Wandrille Duchemin (unibas.ch);2;1;0;3;20;2020-06-11T11:40:05Z;4;38;{AD2E0978-E9D7-37F2-B02B-16F35DA86451};" providerId="AD"/>
       </p:ext>
     </p:extLst>
   </p:cm>
-  <p:cm authorId="2" dt="2020-06-12T10:47:48Z" idx="5">
+  <p:cm authorId="2" dt="2020-06-12T10:47:48" idx="5">
     <p:pos x="0" y="3076"/>
     <p:text>Je voulais presenter un truc plus reel moins schematique qui pourrais rendre plus interpretable le mapping que je presente ensuite. Ce que je propose c'est d'enlever le CPU. OU carrement la slide, comme tu le sens</p:text>
     <p:extLst>
@@ -385,11 +601,11 @@
         </p15:threadingInfo>
       </p:ext>
       <p:ext uri="{19B8F6BF-5375-455C-9EA6-DF929625EA0E}">
-        <p15:presenceInfo xmlns:p15="http://schemas.microsoft.com/office/powerpoint/2012/main" userId="teamlab_data:0;38;oc641cdd42e0_sebastien.boyer@unibas.ch;1;27;Sébastien Boyer (unibas.ch);2;1;0;3;20;2020-06-12T08:47:48Z;4;38;{A76596C7-0B8F-C0BE-DAC3-74CB836524E6};" providerId="AD"/>
+        <p15:presenceInfo xmlns:p15="http://schemas.microsoft.com/office/powerpoint/2012/main" xmlns:w="http://schemas.openxmlformats.org/wordprocessingml/2006/main" xmlns:m="http://schemas.openxmlformats.org/officeDocument/2006/math" xmlns="" userId="teamlab_data:0;38;oc641cdd42e0_sebastien.boyer@unibas.ch;1;27;Sébastien Boyer (unibas.ch);2;1;0;3;20;2020-06-12T08:47:48Z;4;38;{A76596C7-0B8F-C0BE-DAC3-74CB836524E6};" providerId="AD"/>
       </p:ext>
     </p:extLst>
   </p:cm>
-  <p:cm authorId="2" dt="2020-06-12T11:33:52Z" idx="6">
+  <p:cm authorId="2" dt="2020-06-12T11:33:52" idx="6">
     <p:pos x="0" y="6158"/>
     <p:text>Voila ce que je propose en remplacement</p:text>
     <p:extLst>
@@ -399,11 +615,11 @@
         </p15:threadingInfo>
       </p:ext>
       <p:ext uri="{19B8F6BF-5375-455C-9EA6-DF929625EA0E}">
-        <p15:presenceInfo xmlns:p15="http://schemas.microsoft.com/office/powerpoint/2012/main" userId="teamlab_data:0;38;oc641cdd42e0_sebastien.boyer@unibas.ch;1;27;Sébastien Boyer (unibas.ch);2;1;0;3;20;2020-06-12T09:33:52Z;4;38;{6D5585FE-B44E-83E0-9708-3C9505F938C4};" providerId="AD"/>
+        <p15:presenceInfo xmlns:p15="http://schemas.microsoft.com/office/powerpoint/2012/main" xmlns:w="http://schemas.openxmlformats.org/wordprocessingml/2006/main" xmlns:m="http://schemas.openxmlformats.org/officeDocument/2006/math" xmlns="" userId="teamlab_data:0;38;oc641cdd42e0_sebastien.boyer@unibas.ch;1;27;Sébastien Boyer (unibas.ch);2;1;0;3;20;2020-06-12T09:33:52Z;4;38;{6D5585FE-B44E-83E0-9708-3C9505F938C4};" providerId="AD"/>
       </p:ext>
     </p:extLst>
   </p:cm>
-  <p:cm authorId="1" dt="2020-06-12T17:40:36Z" idx="9">
+  <p:cm authorId="1" dt="2020-06-12T17:40:36" idx="9">
     <p:pos x="0" y="9240"/>
     <p:text>c'est  cool cette suite de clides</p:text>
     <p:extLst>
@@ -413,16 +629,16 @@
         </p15:threadingInfo>
       </p:ext>
       <p:ext uri="{19B8F6BF-5375-455C-9EA6-DF929625EA0E}">
-        <p15:presenceInfo xmlns:p15="http://schemas.microsoft.com/office/powerpoint/2012/main" userId="teamlab_data:0;41;oc641cdd42e0_wandrille.duchemin@unibas.ch;1;30;Wandrille Duchemin (unibas.ch);2;1;0;3;20;2020-06-12T15:40:36Z;4;38;{AF4A5464-7ED6-CAD1-4DA1-C044C2E7AD7C};" providerId="AD"/>
+        <p15:presenceInfo xmlns:p15="http://schemas.microsoft.com/office/powerpoint/2012/main" xmlns:w="http://schemas.openxmlformats.org/wordprocessingml/2006/main" xmlns:m="http://schemas.openxmlformats.org/officeDocument/2006/math" xmlns="" userId="teamlab_data:0;41;oc641cdd42e0_wandrille.duchemin@unibas.ch;1;30;Wandrille Duchemin (unibas.ch);2;1;0;3;20;2020-06-12T15:40:36Z;4;38;{AF4A5464-7ED6-CAD1-4DA1-C044C2E7AD7C};" providerId="AD"/>
       </p:ext>
     </p:extLst>
   </p:cm>
 </p:cmLst>
 </file>
 
-<file path=ppt/comments/comment6.xml><?xml version="1.0" encoding="utf-8"?>
-<p:cmLst xmlns:a="http://schemas.openxmlformats.org/drawingml/2006/main" xmlns:r="http://schemas.openxmlformats.org/officeDocument/2006/relationships" xmlns:p="http://schemas.openxmlformats.org/presentationml/2006/main" xmlns:m="http://schemas.openxmlformats.org/officeDocument/2006/math" xmlns:w="http://schemas.openxmlformats.org/wordprocessingml/2006/main">
-  <p:cm authorId="1" dt="2020-06-11T13:40:05Z" idx="10">
+<file path=ppt/comments/comment9.xml><?xml version="1.0" encoding="utf-8"?>
+<p:cmLst xmlns:a="http://schemas.openxmlformats.org/drawingml/2006/main" xmlns:r="http://schemas.openxmlformats.org/officeDocument/2006/relationships" xmlns:p="http://schemas.openxmlformats.org/presentationml/2006/main">
+  <p:cm authorId="1" dt="2020-06-11T13:40:05" idx="10">
     <p:pos x="0" y="-5"/>
     <p:text>Qu'est ce que tu veux faire passer avec cette slide ?</p:text>
     <p:extLst>
@@ -430,11 +646,11 @@
         <p15:threadingInfo xmlns:p15="http://schemas.microsoft.com/office/powerpoint/2012/main" timeZoneBias="-120"/>
       </p:ext>
       <p:ext uri="{19B8F6BF-5375-455C-9EA6-DF929625EA0E}">
-        <p15:presenceInfo xmlns:p15="http://schemas.microsoft.com/office/powerpoint/2012/main" userId="teamlab_data:0;41;oc641cdd42e0_wandrille.duchemin@unibas.ch;1;30;Wandrille Duchemin (unibas.ch);2;1;0;3;20;2020-06-11T11:40:05Z;4;38;{AD2E0978-E9D7-37F2-B02B-16F35DA86451};" providerId="AD"/>
+        <p15:presenceInfo xmlns:p15="http://schemas.microsoft.com/office/powerpoint/2012/main" xmlns:w="http://schemas.openxmlformats.org/wordprocessingml/2006/main" xmlns:m="http://schemas.openxmlformats.org/officeDocument/2006/math" xmlns="" userId="teamlab_data:0;41;oc641cdd42e0_wandrille.duchemin@unibas.ch;1;30;Wandrille Duchemin (unibas.ch);2;1;0;3;20;2020-06-11T11:40:05Z;4;38;{AD2E0978-E9D7-37F2-B02B-16F35DA86451};" providerId="AD"/>
       </p:ext>
     </p:extLst>
   </p:cm>
-  <p:cm authorId="2" dt="2020-06-12T10:47:48Z" idx="7">
+  <p:cm authorId="2" dt="2020-06-12T10:47:48" idx="7">
     <p:pos x="0" y="3076"/>
     <p:text>Je voulais presenter un truc plus reel moins schematique qui pourrais rendre plus interpretable le mapping que je presente ensuite. Ce que je propose c'est d'enlever le CPU. OU carrement la slide, comme tu le sens</p:text>
     <p:extLst>
@@ -444,11 +660,11 @@
         </p15:threadingInfo>
       </p:ext>
       <p:ext uri="{19B8F6BF-5375-455C-9EA6-DF929625EA0E}">
-        <p15:presenceInfo xmlns:p15="http://schemas.microsoft.com/office/powerpoint/2012/main" userId="teamlab_data:0;38;oc641cdd42e0_sebastien.boyer@unibas.ch;1;27;Sébastien Boyer (unibas.ch);2;1;0;3;20;2020-06-12T08:47:48Z;4;38;{DB39CDBD-901A-3F57-871D-6F804781A3EA};" providerId="AD"/>
+        <p15:presenceInfo xmlns:p15="http://schemas.microsoft.com/office/powerpoint/2012/main" xmlns:w="http://schemas.openxmlformats.org/wordprocessingml/2006/main" xmlns:m="http://schemas.openxmlformats.org/officeDocument/2006/math" xmlns="" userId="teamlab_data:0;38;oc641cdd42e0_sebastien.boyer@unibas.ch;1;27;Sébastien Boyer (unibas.ch);2;1;0;3;20;2020-06-12T08:47:48Z;4;38;{DB39CDBD-901A-3F57-871D-6F804781A3EA};" providerId="AD"/>
       </p:ext>
     </p:extLst>
   </p:cm>
-  <p:cm authorId="2" dt="2020-06-12T11:33:52Z" idx="8">
+  <p:cm authorId="2" dt="2020-06-12T11:33:52" idx="8">
     <p:pos x="0" y="6158"/>
     <p:text>Voila ce que je propose en remplacement</p:text>
     <p:extLst>
@@ -458,128 +674,7 @@
         </p15:threadingInfo>
       </p:ext>
       <p:ext uri="{19B8F6BF-5375-455C-9EA6-DF929625EA0E}">
-        <p15:presenceInfo xmlns:p15="http://schemas.microsoft.com/office/powerpoint/2012/main" userId="teamlab_data:0;38;oc641cdd42e0_sebastien.boyer@unibas.ch;1;27;Sébastien Boyer (unibas.ch);2;1;0;3;20;2020-06-12T09:33:52Z;4;38;{472C0ECC-539F-CC27-0F4D-B5D49D8F335A};" providerId="AD"/>
-      </p:ext>
-    </p:extLst>
-  </p:cm>
-</p:cmLst>
-</file>
-
-<file path=ppt/comments/comment7.xml><?xml version="1.0" encoding="utf-8"?>
-<p:cmLst xmlns:a="http://schemas.openxmlformats.org/drawingml/2006/main" xmlns:r="http://schemas.openxmlformats.org/officeDocument/2006/relationships" xmlns:p="http://schemas.openxmlformats.org/presentationml/2006/main" xmlns:m="http://schemas.openxmlformats.org/officeDocument/2006/math" xmlns:w="http://schemas.openxmlformats.org/wordprocessingml/2006/main">
-  <p:cm authorId="1" dt="2020-06-11T13:40:05Z" idx="11">
-    <p:pos x="0" y="-5"/>
-    <p:text>Qu'est ce que tu veux faire passer avec cette slide ?</p:text>
-    <p:extLst>
-      <p:ext uri="{C676402C-5697-4E1C-873F-D02D1690AC5C}">
-        <p15:threadingInfo xmlns:p15="http://schemas.microsoft.com/office/powerpoint/2012/main" timeZoneBias="-120"/>
-      </p:ext>
-      <p:ext uri="{19B8F6BF-5375-455C-9EA6-DF929625EA0E}">
-        <p15:presenceInfo xmlns:p15="http://schemas.microsoft.com/office/powerpoint/2012/main" userId="teamlab_data:0;41;oc641cdd42e0_wandrille.duchemin@unibas.ch;1;30;Wandrille Duchemin (unibas.ch);2;1;0;3;20;2020-06-11T11:40:05Z;4;38;{AD2E0978-E9D7-37F2-B02B-16F35DA86451};" providerId="AD"/>
-      </p:ext>
-    </p:extLst>
-  </p:cm>
-  <p:cm authorId="2" dt="2020-06-12T10:47:48Z" idx="9">
-    <p:pos x="0" y="3076"/>
-    <p:text>Je voulais presenter un truc plus reel moins schematique qui pourrais rendre plus interpretable le mapping que je presente ensuite. Ce que je propose c'est d'enlever le CPU. OU carrement la slide, comme tu le sens</p:text>
-    <p:extLst>
-      <p:ext uri="{C676402C-5697-4E1C-873F-D02D1690AC5C}">
-        <p15:threadingInfo xmlns:p15="http://schemas.microsoft.com/office/powerpoint/2012/main" timeZoneBias="-120">
-          <p15:parentCm authorId="1" idx="11"/>
-        </p15:threadingInfo>
-      </p:ext>
-      <p:ext uri="{19B8F6BF-5375-455C-9EA6-DF929625EA0E}">
-        <p15:presenceInfo xmlns:p15="http://schemas.microsoft.com/office/powerpoint/2012/main" userId="teamlab_data:0;38;oc641cdd42e0_sebastien.boyer@unibas.ch;1;27;Sébastien Boyer (unibas.ch);2;1;0;3;20;2020-06-12T08:47:48Z;4;38;{DB39CDBD-901A-3F57-871D-6F804781A3EA};" providerId="AD"/>
-      </p:ext>
-    </p:extLst>
-  </p:cm>
-  <p:cm authorId="2" dt="2020-06-12T11:33:52Z" idx="10">
-    <p:pos x="0" y="6158"/>
-    <p:text>Voila ce que je propose en remplacement</p:text>
-    <p:extLst>
-      <p:ext uri="{C676402C-5697-4E1C-873F-D02D1690AC5C}">
-        <p15:threadingInfo xmlns:p15="http://schemas.microsoft.com/office/powerpoint/2012/main" timeZoneBias="-120">
-          <p15:parentCm authorId="1" idx="11"/>
-        </p15:threadingInfo>
-      </p:ext>
-      <p:ext uri="{19B8F6BF-5375-455C-9EA6-DF929625EA0E}">
-        <p15:presenceInfo xmlns:p15="http://schemas.microsoft.com/office/powerpoint/2012/main" userId="teamlab_data:0;38;oc641cdd42e0_sebastien.boyer@unibas.ch;1;27;Sébastien Boyer (unibas.ch);2;1;0;3;20;2020-06-12T09:33:52Z;4;38;{472C0ECC-539F-CC27-0F4D-B5D49D8F335A};" providerId="AD"/>
-      </p:ext>
-    </p:extLst>
-  </p:cm>
-</p:cmLst>
-</file>
-
-<file path=ppt/comments/comment8.xml><?xml version="1.0" encoding="utf-8"?>
-<p:cmLst xmlns:a="http://schemas.openxmlformats.org/drawingml/2006/main" xmlns:r="http://schemas.openxmlformats.org/officeDocument/2006/relationships" xmlns:p="http://schemas.openxmlformats.org/presentationml/2006/main" xmlns:m="http://schemas.openxmlformats.org/officeDocument/2006/math" xmlns:w="http://schemas.openxmlformats.org/wordprocessingml/2006/main">
-  <p:cm authorId="1" dt="2020-06-11T13:40:05Z" idx="12">
-    <p:pos x="0" y="-5"/>
-    <p:text>Qu'est ce que tu veux faire passer avec cette slide ?</p:text>
-    <p:extLst>
-      <p:ext uri="{C676402C-5697-4E1C-873F-D02D1690AC5C}">
-        <p15:threadingInfo xmlns:p15="http://schemas.microsoft.com/office/powerpoint/2012/main" timeZoneBias="-120"/>
-      </p:ext>
-      <p:ext uri="{19B8F6BF-5375-455C-9EA6-DF929625EA0E}">
-        <p15:presenceInfo xmlns:p15="http://schemas.microsoft.com/office/powerpoint/2012/main" userId="teamlab_data:0;41;oc641cdd42e0_wandrille.duchemin@unibas.ch;1;30;Wandrille Duchemin (unibas.ch);2;1;0;3;20;2020-06-11T11:40:05Z;4;38;{AD2E0978-E9D7-37F2-B02B-16F35DA86451};" providerId="AD"/>
-      </p:ext>
-    </p:extLst>
-  </p:cm>
-  <p:cm authorId="2" dt="2020-06-12T10:47:48Z" idx="11">
-    <p:pos x="0" y="3076"/>
-    <p:text>Je voulais presenter un truc plus reel moins schematique qui pourrais rendre plus interpretable le mapping que je presente ensuite. Ce que je propose c'est d'enlever le CPU. OU carrement la slide, comme tu le sens</p:text>
-    <p:extLst>
-      <p:ext uri="{C676402C-5697-4E1C-873F-D02D1690AC5C}">
-        <p15:threadingInfo xmlns:p15="http://schemas.microsoft.com/office/powerpoint/2012/main" timeZoneBias="-120">
-          <p15:parentCm authorId="1" idx="12"/>
-        </p15:threadingInfo>
-      </p:ext>
-      <p:ext uri="{19B8F6BF-5375-455C-9EA6-DF929625EA0E}">
-        <p15:presenceInfo xmlns:p15="http://schemas.microsoft.com/office/powerpoint/2012/main" userId="teamlab_data:0;38;oc641cdd42e0_sebastien.boyer@unibas.ch;1;27;Sébastien Boyer (unibas.ch);2;1;0;3;20;2020-06-12T08:47:48Z;4;38;{DB39CDBD-901A-3F57-871D-6F804781A3EA};" providerId="AD"/>
-      </p:ext>
-    </p:extLst>
-  </p:cm>
-  <p:cm authorId="2" dt="2020-06-12T11:33:52Z" idx="12">
-    <p:pos x="0" y="6158"/>
-    <p:text>Voila ce que je propose en remplacement</p:text>
-    <p:extLst>
-      <p:ext uri="{C676402C-5697-4E1C-873F-D02D1690AC5C}">
-        <p15:threadingInfo xmlns:p15="http://schemas.microsoft.com/office/powerpoint/2012/main" timeZoneBias="-120">
-          <p15:parentCm authorId="1" idx="12"/>
-        </p15:threadingInfo>
-      </p:ext>
-      <p:ext uri="{19B8F6BF-5375-455C-9EA6-DF929625EA0E}">
-        <p15:presenceInfo xmlns:p15="http://schemas.microsoft.com/office/powerpoint/2012/main" userId="teamlab_data:0;38;oc641cdd42e0_sebastien.boyer@unibas.ch;1;27;Sébastien Boyer (unibas.ch);2;1;0;3;20;2020-06-12T09:33:52Z;4;38;{472C0ECC-539F-CC27-0F4D-B5D49D8F335A};" providerId="AD"/>
-      </p:ext>
-    </p:extLst>
-  </p:cm>
-</p:cmLst>
-</file>
-
-<file path=ppt/comments/comment9.xml><?xml version="1.0" encoding="utf-8"?>
-<p:cmLst xmlns:a="http://schemas.openxmlformats.org/drawingml/2006/main" xmlns:r="http://schemas.openxmlformats.org/officeDocument/2006/relationships" xmlns:p="http://schemas.openxmlformats.org/presentationml/2006/main" xmlns:m="http://schemas.openxmlformats.org/officeDocument/2006/math" xmlns:w="http://schemas.openxmlformats.org/wordprocessingml/2006/main">
-  <p:cm authorId="1" dt="2020-06-11T13:56:46Z" idx="13">
-    <p:pos x="0" y="0"/>
-    <p:text>partie 2 de la slide precedente ?</p:text>
-    <p:extLst>
-      <p:ext uri="{C676402C-5697-4E1C-873F-D02D1690AC5C}">
-        <p15:threadingInfo xmlns:p15="http://schemas.microsoft.com/office/powerpoint/2012/main" timeZoneBias="-120"/>
-      </p:ext>
-      <p:ext uri="{19B8F6BF-5375-455C-9EA6-DF929625EA0E}">
-        <p15:presenceInfo xmlns:p15="http://schemas.microsoft.com/office/powerpoint/2012/main" userId="teamlab_data:0;41;oc641cdd42e0_wandrille.duchemin@unibas.ch;1;30;Wandrille Duchemin (unibas.ch);2;1;0;3;20;2020-06-11T11:56:46Z;4;38;{A4C8EC89-1585-E2EB-2B1C-F8350C5E512A};" providerId="AD"/>
-      </p:ext>
-    </p:extLst>
-  </p:cm>
-  <p:cm authorId="2" dt="2020-06-12T10:51:42Z" idx="13">
-    <p:pos x="0" y="3081"/>
-    <p:text>Oui et aussi d'introduire la slide que tu m'as demande de rajouter sur les differentes API. Le but etait de poser le voicabulaire et de voire que ce qu 'on allait faire (i.e le mapping hardware software) etait un etape au milieu du code. Encore une fois peut etre trouver un meilleur titre pour que la transisiton soit obvious?Je propose ce nouveau titre</p:text>
-    <p:extLst>
-      <p:ext uri="{C676402C-5697-4E1C-873F-D02D1690AC5C}">
-        <p15:threadingInfo xmlns:p15="http://schemas.microsoft.com/office/powerpoint/2012/main" timeZoneBias="-120">
-          <p15:parentCm authorId="1" idx="13"/>
-        </p15:threadingInfo>
-      </p:ext>
-      <p:ext uri="{19B8F6BF-5375-455C-9EA6-DF929625EA0E}">
-        <p15:presenceInfo xmlns:p15="http://schemas.microsoft.com/office/powerpoint/2012/main" userId="teamlab_data:0;38;oc641cdd42e0_sebastien.boyer@unibas.ch;1;27;Sébastien Boyer (unibas.ch);2;1;0;3;20;2020-06-12T08:51:42Z;4;38;{D7B46082-635B-8F73-D6F0-35B9AC69C453};" providerId="AD"/>
+        <p15:presenceInfo xmlns:p15="http://schemas.microsoft.com/office/powerpoint/2012/main" xmlns:w="http://schemas.openxmlformats.org/wordprocessingml/2006/main" xmlns:m="http://schemas.openxmlformats.org/officeDocument/2006/math" xmlns="" userId="teamlab_data:0;38;oc641cdd42e0_sebastien.boyer@unibas.ch;1;27;Sébastien Boyer (unibas.ch);2;1;0;3;20;2020-06-12T09:33:52Z;4;38;{472C0ECC-539F-CC27-0F4D-B5D49D8F335A};" providerId="AD"/>
       </p:ext>
     </p:extLst>
   </p:cm>
@@ -588,7 +683,7 @@
 
 <file path=ppt/notesMasters/notesMaster1.xml><?xml version="1.0" encoding="utf-8"?>
 <p:notesMaster xmlns:a="http://schemas.openxmlformats.org/drawingml/2006/main" xmlns:r="http://schemas.openxmlformats.org/officeDocument/2006/relationships" xmlns:p="http://schemas.openxmlformats.org/presentationml/2006/main">
-  <p:cSld name="">
+  <p:cSld>
     <p:bg>
       <p:bgRef idx="1001">
         <a:schemeClr val="bg1"/>
@@ -596,9 +691,9 @@
     </p:bg>
     <p:spTree>
       <p:nvGrpSpPr>
-        <p:cNvPr id="1" name="" hidden="0"/>
+        <p:cNvPr id="1" name=""/>
         <p:cNvGrpSpPr/>
-        <p:nvPr isPhoto="0" userDrawn="0"/>
+        <p:nvPr/>
       </p:nvGrpSpPr>
       <p:grpSpPr bwMode="auto">
         <a:xfrm>
@@ -610,12 +705,12 @@
       </p:grpSpPr>
       <p:sp>
         <p:nvSpPr>
-          <p:cNvPr id="4" name="Header Placeholder 1" hidden="0"/>
+          <p:cNvPr id="4" name="Header Placeholder 1"/>
           <p:cNvSpPr>
             <a:spLocks noGrp="1"/>
           </p:cNvSpPr>
-          <p:nvPr isPhoto="0" userDrawn="0">
-            <p:ph type="hdr" sz="quarter" hasCustomPrompt="0"/>
+          <p:nvPr>
+            <p:ph type="hdr" sz="quarter"/>
           </p:nvPr>
         </p:nvSpPr>
         <p:spPr bwMode="auto">
@@ -644,12 +739,12 @@
       </p:sp>
       <p:sp>
         <p:nvSpPr>
-          <p:cNvPr id="5" name="Date Placeholder 2" hidden="0"/>
+          <p:cNvPr id="5" name="Date Placeholder 2"/>
           <p:cNvSpPr>
             <a:spLocks noGrp="1"/>
           </p:cNvSpPr>
-          <p:nvPr isPhoto="0" userDrawn="0">
-            <p:ph type="dt" idx="2" hasCustomPrompt="0"/>
+          <p:nvPr>
+            <p:ph type="dt" idx="2"/>
           </p:nvPr>
         </p:nvSpPr>
         <p:spPr bwMode="auto">
@@ -678,12 +773,12 @@
       </p:sp>
       <p:sp>
         <p:nvSpPr>
-          <p:cNvPr id="6" name="Date Placeholder 2" hidden="0"/>
+          <p:cNvPr id="6" name="Date Placeholder 2"/>
           <p:cNvSpPr>
             <a:spLocks noGrp="1"/>
           </p:cNvSpPr>
-          <p:nvPr isPhoto="0" userDrawn="0">
-            <p:ph type="dt" idx="3" hasCustomPrompt="0"/>
+          <p:nvPr>
+            <p:ph type="dt" idx="3"/>
           </p:nvPr>
         </p:nvSpPr>
         <p:spPr bwMode="auto">
@@ -712,12 +807,12 @@
       </p:sp>
       <p:sp>
         <p:nvSpPr>
-          <p:cNvPr id="7" name="Notes Placeholder 4" hidden="0"/>
+          <p:cNvPr id="7" name="Notes Placeholder 4"/>
           <p:cNvSpPr>
             <a:spLocks noGrp="1"/>
           </p:cNvSpPr>
-          <p:nvPr isPhoto="0" userDrawn="0">
-            <p:ph type="body" sz="quarter" idx="1" hasCustomPrompt="0"/>
+          <p:nvPr>
+            <p:ph type="body" sz="quarter" idx="1"/>
           </p:nvPr>
         </p:nvSpPr>
         <p:spPr bwMode="auto">
@@ -742,12 +837,12 @@
       </p:sp>
       <p:sp>
         <p:nvSpPr>
-          <p:cNvPr id="8" name="Footer Placeholder 5" hidden="0"/>
+          <p:cNvPr id="8" name="Footer Placeholder 5"/>
           <p:cNvSpPr>
             <a:spLocks noGrp="1"/>
           </p:cNvSpPr>
-          <p:nvPr isPhoto="0" userDrawn="0">
-            <p:ph type="ftr" sz="quarter" idx="4" hasCustomPrompt="0"/>
+          <p:nvPr>
+            <p:ph type="ftr" sz="quarter" idx="4"/>
           </p:nvPr>
         </p:nvSpPr>
         <p:spPr bwMode="auto">
@@ -776,12 +871,12 @@
       </p:sp>
       <p:sp>
         <p:nvSpPr>
-          <p:cNvPr id="9" name="Slide Number Placeholder 6" hidden="0"/>
+          <p:cNvPr id="9" name="Slide Number Placeholder 6"/>
           <p:cNvSpPr>
             <a:spLocks noGrp="1"/>
           </p:cNvSpPr>
-          <p:nvPr isPhoto="0" userDrawn="0">
-            <p:ph type="sldNum" sz="quarter" idx="10" hasCustomPrompt="0"/>
+          <p:nvPr>
+            <p:ph type="sldNum" sz="quarter" idx="10"/>
           </p:nvPr>
         </p:nvSpPr>
         <p:spPr bwMode="auto">
@@ -810,7 +905,7 @@
       </p:sp>
     </p:spTree>
   </p:cSld>
-  <p:clrMap accent1="accent1" accent2="accent2" accent3="accent3" accent4="accent4" accent5="accent5" accent6="accent6" bg1="lt1" bg2="lt2" folHlink="folHlink" hlink="hlink" tx1="dk1" tx2="dk2"/>
+  <p:clrMap bg1="lt1" tx1="dk1" bg2="lt2" tx2="dk2" accent1="accent1" accent2="accent2" accent3="accent3" accent4="accent4" accent5="accent5" accent6="accent6" hlink="hlink" folHlink="folHlink"/>
   <p:notesStyle>
     <a:lvl1pPr marL="0" algn="l" defTabSz="914400">
       <a:defRPr sz="1200">
@@ -907,13 +1002,13 @@
 </file>
 
 <file path=ppt/notesSlides/notesSlide1.xml><?xml version="1.0" encoding="utf-8"?>
-<p:notes xmlns:a="http://schemas.openxmlformats.org/drawingml/2006/main" xmlns:r="http://schemas.openxmlformats.org/officeDocument/2006/relationships" xmlns:p="http://schemas.openxmlformats.org/presentationml/2006/main" xmlns:m="http://schemas.openxmlformats.org/officeDocument/2006/math" xmlns:w="http://schemas.openxmlformats.org/wordprocessingml/2006/main">
-  <p:cSld name="">
+<p:notes xmlns:a="http://schemas.openxmlformats.org/drawingml/2006/main" xmlns:r="http://schemas.openxmlformats.org/officeDocument/2006/relationships" xmlns:p="http://schemas.openxmlformats.org/presentationml/2006/main">
+  <p:cSld>
     <p:spTree>
       <p:nvGrpSpPr>
-        <p:cNvPr id="1" name="" hidden="0"/>
+        <p:cNvPr id="1" name=""/>
         <p:cNvGrpSpPr/>
-        <p:nvPr isPhoto="0" userDrawn="0"/>
+        <p:nvPr/>
       </p:nvGrpSpPr>
       <p:grpSpPr bwMode="auto">
         <a:xfrm>
@@ -925,24 +1020,24 @@
       </p:grpSpPr>
       <p:sp>
         <p:nvSpPr>
-          <p:cNvPr id="4" name="Slide Image Placeholder 1" hidden="0"/>
-          <p:cNvSpPr>
-            <a:spLocks noChangeAspect="1" noGrp="1" noRot="1"/>
-          </p:cNvSpPr>
-          <p:nvPr isPhoto="0" userDrawn="0">
-            <p:ph type="sldImg" hasCustomPrompt="0"/>
+          <p:cNvPr id="4" name="Slide Image Placeholder 1"/>
+          <p:cNvSpPr>
+            <a:spLocks noGrp="1" noRot="1" noChangeAspect="1"/>
+          </p:cNvSpPr>
+          <p:nvPr>
+            <p:ph type="sldImg"/>
           </p:nvPr>
         </p:nvSpPr>
         <p:spPr bwMode="auto"/>
       </p:sp>
       <p:sp>
         <p:nvSpPr>
-          <p:cNvPr id="5" name="Notes Placeholder 2" hidden="0"/>
+          <p:cNvPr id="5" name="Notes Placeholder 2"/>
           <p:cNvSpPr>
             <a:spLocks noGrp="1"/>
           </p:cNvSpPr>
-          <p:nvPr isPhoto="0" userDrawn="0">
-            <p:ph type="body" idx="1" hasCustomPrompt="0"/>
+          <p:nvPr>
+            <p:ph type="body" idx="1"/>
           </p:nvPr>
         </p:nvSpPr>
         <p:spPr bwMode="auto"/>
@@ -953,22 +1048,18 @@
             <a:pPr>
               <a:defRPr/>
             </a:pPr>
-            <a:r>
-              <a:rPr/>
-              <a:t>Performance of GPU is order of magnitude above CPU </a:t>
-            </a:r>
-            <a:endParaRPr/>
-          </a:p>
-        </p:txBody>
-      </p:sp>
-      <p:sp>
-        <p:nvSpPr>
-          <p:cNvPr id="6" name="Slide Number Placeholder 3" hidden="0"/>
+            <a:endParaRPr dirty="0"/>
+          </a:p>
+        </p:txBody>
+      </p:sp>
+      <p:sp>
+        <p:nvSpPr>
+          <p:cNvPr id="6" name="Slide Number Placeholder 3"/>
           <p:cNvSpPr>
             <a:spLocks noGrp="1"/>
           </p:cNvSpPr>
-          <p:nvPr isPhoto="0" userDrawn="0">
-            <p:ph type="sldNum" sz="quarter" idx="10" hasCustomPrompt="0"/>
+          <p:nvPr>
+            <p:ph type="sldNum" sz="quarter" idx="10"/>
           </p:nvPr>
         </p:nvSpPr>
         <p:spPr bwMode="auto"/>
@@ -985,17 +1076,20 @@
       </p:sp>
     </p:spTree>
   </p:cSld>
+  <p:clrMapOvr>
+    <a:masterClrMapping/>
+  </p:clrMapOvr>
 </p:notes>
 </file>
 
 <file path=ppt/notesSlides/notesSlide2.xml><?xml version="1.0" encoding="utf-8"?>
-<p:notes xmlns:a="http://schemas.openxmlformats.org/drawingml/2006/main" xmlns:r="http://schemas.openxmlformats.org/officeDocument/2006/relationships" xmlns:p="http://schemas.openxmlformats.org/presentationml/2006/main" xmlns:m="http://schemas.openxmlformats.org/officeDocument/2006/math" xmlns:w="http://schemas.openxmlformats.org/wordprocessingml/2006/main">
-  <p:cSld name="">
+<p:notes xmlns:a="http://schemas.openxmlformats.org/drawingml/2006/main" xmlns:r="http://schemas.openxmlformats.org/officeDocument/2006/relationships" xmlns:p="http://schemas.openxmlformats.org/presentationml/2006/main">
+  <p:cSld>
     <p:spTree>
       <p:nvGrpSpPr>
-        <p:cNvPr id="1" name="" hidden="0"/>
+        <p:cNvPr id="1" name=""/>
         <p:cNvGrpSpPr/>
-        <p:nvPr isPhoto="0" userDrawn="0"/>
+        <p:nvPr/>
       </p:nvGrpSpPr>
       <p:grpSpPr bwMode="auto">
         <a:xfrm>
@@ -1007,24 +1101,24 @@
       </p:grpSpPr>
       <p:sp>
         <p:nvSpPr>
-          <p:cNvPr id="4" name="Slide Image Placeholder 1" hidden="0"/>
-          <p:cNvSpPr>
-            <a:spLocks noChangeAspect="1" noGrp="1" noRot="1"/>
-          </p:cNvSpPr>
-          <p:nvPr isPhoto="0" userDrawn="0">
-            <p:ph type="sldImg" hasCustomPrompt="0"/>
+          <p:cNvPr id="4" name="Slide Image Placeholder 1"/>
+          <p:cNvSpPr>
+            <a:spLocks noGrp="1" noRot="1" noChangeAspect="1"/>
+          </p:cNvSpPr>
+          <p:nvPr>
+            <p:ph type="sldImg"/>
           </p:nvPr>
         </p:nvSpPr>
         <p:spPr bwMode="auto"/>
       </p:sp>
       <p:sp>
         <p:nvSpPr>
-          <p:cNvPr id="5" name="Notes Placeholder 2" hidden="0"/>
+          <p:cNvPr id="5" name="Notes Placeholder 2"/>
           <p:cNvSpPr>
             <a:spLocks noGrp="1"/>
           </p:cNvSpPr>
-          <p:nvPr isPhoto="0" userDrawn="0">
-            <p:ph type="body" idx="1" hasCustomPrompt="0"/>
+          <p:nvPr>
+            <p:ph type="body" idx="1"/>
           </p:nvPr>
         </p:nvSpPr>
         <p:spPr bwMode="auto"/>
@@ -1036,21 +1130,19 @@
               <a:defRPr/>
             </a:pPr>
             <a:r>
-              <a:rPr/>
               <a:t>Data transfer rate is also significantly higher</a:t>
             </a:r>
-            <a:endParaRPr/>
-          </a:p>
-        </p:txBody>
-      </p:sp>
-      <p:sp>
-        <p:nvSpPr>
-          <p:cNvPr id="6" name="Slide Number Placeholder 3" hidden="0"/>
+          </a:p>
+        </p:txBody>
+      </p:sp>
+      <p:sp>
+        <p:nvSpPr>
+          <p:cNvPr id="6" name="Slide Number Placeholder 3"/>
           <p:cNvSpPr>
             <a:spLocks noGrp="1"/>
           </p:cNvSpPr>
-          <p:nvPr isPhoto="0" userDrawn="0">
-            <p:ph type="sldNum" sz="quarter" idx="10" hasCustomPrompt="0"/>
+          <p:nvPr>
+            <p:ph type="sldNum" sz="quarter" idx="10"/>
           </p:nvPr>
         </p:nvSpPr>
         <p:spPr bwMode="auto"/>
@@ -1067,17 +1159,20 @@
       </p:sp>
     </p:spTree>
   </p:cSld>
+  <p:clrMapOvr>
+    <a:masterClrMapping/>
+  </p:clrMapOvr>
 </p:notes>
 </file>
 
 <file path=ppt/notesSlides/notesSlide3.xml><?xml version="1.0" encoding="utf-8"?>
-<p:notes xmlns:a="http://schemas.openxmlformats.org/drawingml/2006/main" xmlns:r="http://schemas.openxmlformats.org/officeDocument/2006/relationships" xmlns:p="http://schemas.openxmlformats.org/presentationml/2006/main" xmlns:m="http://schemas.openxmlformats.org/officeDocument/2006/math" xmlns:w="http://schemas.openxmlformats.org/wordprocessingml/2006/main">
-  <p:cSld name="">
+<p:notes xmlns:a="http://schemas.openxmlformats.org/drawingml/2006/main" xmlns:r="http://schemas.openxmlformats.org/officeDocument/2006/relationships" xmlns:p="http://schemas.openxmlformats.org/presentationml/2006/main">
+  <p:cSld>
     <p:spTree>
       <p:nvGrpSpPr>
-        <p:cNvPr id="1" name="" hidden="0"/>
+        <p:cNvPr id="1" name=""/>
         <p:cNvGrpSpPr/>
-        <p:nvPr isPhoto="0" userDrawn="0"/>
+        <p:nvPr/>
       </p:nvGrpSpPr>
       <p:grpSpPr bwMode="auto">
         <a:xfrm>
@@ -1089,24 +1184,24 @@
       </p:grpSpPr>
       <p:sp>
         <p:nvSpPr>
-          <p:cNvPr id="4" name="Slide Image Placeholder 1" hidden="0"/>
-          <p:cNvSpPr>
-            <a:spLocks noChangeAspect="1" noGrp="1" noRot="1"/>
-          </p:cNvSpPr>
-          <p:nvPr isPhoto="0" userDrawn="0">
-            <p:ph type="sldImg" hasCustomPrompt="0"/>
+          <p:cNvPr id="4" name="Slide Image Placeholder 1"/>
+          <p:cNvSpPr>
+            <a:spLocks noGrp="1" noRot="1" noChangeAspect="1"/>
+          </p:cNvSpPr>
+          <p:nvPr>
+            <p:ph type="sldImg"/>
           </p:nvPr>
         </p:nvSpPr>
         <p:spPr bwMode="auto"/>
       </p:sp>
       <p:sp>
         <p:nvSpPr>
-          <p:cNvPr id="5" name="Notes Placeholder 2" hidden="0"/>
+          <p:cNvPr id="5" name="Notes Placeholder 2"/>
           <p:cNvSpPr>
             <a:spLocks noGrp="1"/>
           </p:cNvSpPr>
-          <p:nvPr isPhoto="0" userDrawn="0">
-            <p:ph type="body" idx="1" hasCustomPrompt="0"/>
+          <p:nvPr>
+            <p:ph type="body" idx="1"/>
           </p:nvPr>
         </p:nvSpPr>
         <p:spPr bwMode="auto"/>
@@ -1114,25 +1209,42 @@
           <a:bodyPr/>
           <a:lstStyle/>
           <a:p>
-            <a:pPr>
-              <a:defRPr/>
-            </a:pPr>
-            <a:r>
-              <a:rPr/>
+            <a:pPr marL="0" marR="0" lvl="0" indent="0" algn="l" defTabSz="914400" eaLnBrk="1" fontAlgn="auto" latinLnBrk="0" hangingPunct="1">
+              <a:lnSpc>
+                <a:spcPct val="100000"/>
+              </a:lnSpc>
+              <a:spcBef>
+                <a:spcPts val="0"/>
+              </a:spcBef>
+              <a:spcAft>
+                <a:spcPts val="0"/>
+              </a:spcAft>
+              <a:buClrTx/>
+              <a:buSzTx/>
+              <a:buFontTx/>
+              <a:buNone/>
+              <a:tabLst/>
+              <a:defRPr/>
+            </a:pPr>
+            <a:r>
+              <a:rPr dirty="0"/>
               <a:t>Nicely GPU optimized libraries already exist and can already outperform state of the art CPU optimized libraries on many basic/ day to day operations.</a:t>
             </a:r>
-            <a:endParaRPr/>
-          </a:p>
-        </p:txBody>
-      </p:sp>
-      <p:sp>
-        <p:nvSpPr>
-          <p:cNvPr id="6" name="Slide Number Placeholder 3" hidden="0"/>
+            <a:br>
+              <a:rPr lang="es-ES" dirty="0"/>
+            </a:br>
+            <a:endParaRPr dirty="0"/>
+          </a:p>
+        </p:txBody>
+      </p:sp>
+      <p:sp>
+        <p:nvSpPr>
+          <p:cNvPr id="6" name="Slide Number Placeholder 3"/>
           <p:cNvSpPr>
             <a:spLocks noGrp="1"/>
           </p:cNvSpPr>
-          <p:nvPr isPhoto="0" userDrawn="0">
-            <p:ph type="sldNum" sz="quarter" idx="10" hasCustomPrompt="0"/>
+          <p:nvPr>
+            <p:ph type="sldNum" sz="quarter" idx="10"/>
           </p:nvPr>
         </p:nvSpPr>
         <p:spPr bwMode="auto"/>
@@ -1149,17 +1261,20 @@
       </p:sp>
     </p:spTree>
   </p:cSld>
+  <p:clrMapOvr>
+    <a:masterClrMapping/>
+  </p:clrMapOvr>
 </p:notes>
 </file>
 
 <file path=ppt/notesSlides/notesSlide4.xml><?xml version="1.0" encoding="utf-8"?>
-<p:notes xmlns:a="http://schemas.openxmlformats.org/drawingml/2006/main" xmlns:r="http://schemas.openxmlformats.org/officeDocument/2006/relationships" xmlns:p="http://schemas.openxmlformats.org/presentationml/2006/main" xmlns:m="http://schemas.openxmlformats.org/officeDocument/2006/math" xmlns:w="http://schemas.openxmlformats.org/wordprocessingml/2006/main">
-  <p:cSld name="">
+<p:notes xmlns:a="http://schemas.openxmlformats.org/drawingml/2006/main" xmlns:r="http://schemas.openxmlformats.org/officeDocument/2006/relationships" xmlns:p="http://schemas.openxmlformats.org/presentationml/2006/main">
+  <p:cSld>
     <p:spTree>
       <p:nvGrpSpPr>
-        <p:cNvPr id="1" name="" hidden="0"/>
+        <p:cNvPr id="1" name=""/>
         <p:cNvGrpSpPr/>
-        <p:nvPr isPhoto="0" userDrawn="0"/>
+        <p:nvPr/>
       </p:nvGrpSpPr>
       <p:grpSpPr bwMode="auto">
         <a:xfrm>
@@ -1171,24 +1286,24 @@
       </p:grpSpPr>
       <p:sp>
         <p:nvSpPr>
-          <p:cNvPr id="4" name="Slide Image Placeholder 1" hidden="0"/>
-          <p:cNvSpPr>
-            <a:spLocks noChangeAspect="1" noGrp="1" noRot="1"/>
-          </p:cNvSpPr>
-          <p:nvPr isPhoto="0" userDrawn="0">
-            <p:ph type="sldImg" hasCustomPrompt="0"/>
+          <p:cNvPr id="4" name="Slide Image Placeholder 1"/>
+          <p:cNvSpPr>
+            <a:spLocks noGrp="1" noRot="1" noChangeAspect="1"/>
+          </p:cNvSpPr>
+          <p:nvPr>
+            <p:ph type="sldImg"/>
           </p:nvPr>
         </p:nvSpPr>
         <p:spPr bwMode="auto"/>
       </p:sp>
       <p:sp>
         <p:nvSpPr>
-          <p:cNvPr id="5" name="Notes Placeholder 2" hidden="0"/>
+          <p:cNvPr id="5" name="Notes Placeholder 2"/>
           <p:cNvSpPr>
             <a:spLocks noGrp="1"/>
           </p:cNvSpPr>
-          <p:nvPr isPhoto="0" userDrawn="0">
-            <p:ph type="body" idx="1" hasCustomPrompt="0"/>
+          <p:nvPr>
+            <p:ph type="body" idx="1"/>
           </p:nvPr>
         </p:nvSpPr>
         <p:spPr bwMode="auto"/>
@@ -1200,21 +1315,19 @@
               <a:defRPr/>
             </a:pPr>
             <a:r>
-              <a:rPr/>
               <a:t>Architecture is obviously different</a:t>
             </a:r>
-            <a:endParaRPr/>
-          </a:p>
-        </p:txBody>
-      </p:sp>
-      <p:sp>
-        <p:nvSpPr>
-          <p:cNvPr id="6" name="Slide Number Placeholder 3" hidden="0"/>
+          </a:p>
+        </p:txBody>
+      </p:sp>
+      <p:sp>
+        <p:nvSpPr>
+          <p:cNvPr id="6" name="Slide Number Placeholder 3"/>
           <p:cNvSpPr>
             <a:spLocks noGrp="1"/>
           </p:cNvSpPr>
-          <p:nvPr isPhoto="0" userDrawn="0">
-            <p:ph type="sldNum" sz="quarter" idx="10" hasCustomPrompt="0"/>
+          <p:nvPr>
+            <p:ph type="sldNum" sz="quarter" idx="10"/>
           </p:nvPr>
         </p:nvSpPr>
         <p:spPr bwMode="auto"/>
@@ -1231,17 +1344,20 @@
       </p:sp>
     </p:spTree>
   </p:cSld>
+  <p:clrMapOvr>
+    <a:masterClrMapping/>
+  </p:clrMapOvr>
 </p:notes>
 </file>
 
 <file path=ppt/notesSlides/notesSlide5.xml><?xml version="1.0" encoding="utf-8"?>
-<p:notes xmlns:a="http://schemas.openxmlformats.org/drawingml/2006/main" xmlns:r="http://schemas.openxmlformats.org/officeDocument/2006/relationships" xmlns:p="http://schemas.openxmlformats.org/presentationml/2006/main" xmlns:m="http://schemas.openxmlformats.org/officeDocument/2006/math" xmlns:w="http://schemas.openxmlformats.org/wordprocessingml/2006/main">
-  <p:cSld name="">
+<p:notes xmlns:a="http://schemas.openxmlformats.org/drawingml/2006/main" xmlns:r="http://schemas.openxmlformats.org/officeDocument/2006/relationships" xmlns:p="http://schemas.openxmlformats.org/presentationml/2006/main">
+  <p:cSld>
     <p:spTree>
       <p:nvGrpSpPr>
-        <p:cNvPr id="1" name="" hidden="0"/>
+        <p:cNvPr id="1" name=""/>
         <p:cNvGrpSpPr/>
-        <p:nvPr isPhoto="0" userDrawn="0"/>
+        <p:nvPr/>
       </p:nvGrpSpPr>
       <p:grpSpPr bwMode="auto">
         <a:xfrm>
@@ -1253,24 +1369,24 @@
       </p:grpSpPr>
       <p:sp>
         <p:nvSpPr>
-          <p:cNvPr id="4" name="Slide Image Placeholder 1" hidden="0"/>
-          <p:cNvSpPr>
-            <a:spLocks noChangeAspect="1" noGrp="1" noRot="1"/>
-          </p:cNvSpPr>
-          <p:nvPr isPhoto="0" userDrawn="0">
-            <p:ph type="sldImg" hasCustomPrompt="0"/>
+          <p:cNvPr id="4" name="Slide Image Placeholder 1"/>
+          <p:cNvSpPr>
+            <a:spLocks noGrp="1" noRot="1" noChangeAspect="1"/>
+          </p:cNvSpPr>
+          <p:nvPr>
+            <p:ph type="sldImg"/>
           </p:nvPr>
         </p:nvSpPr>
         <p:spPr bwMode="auto"/>
       </p:sp>
       <p:sp>
         <p:nvSpPr>
-          <p:cNvPr id="5" name="Notes Placeholder 2" hidden="0"/>
+          <p:cNvPr id="5" name="Notes Placeholder 2"/>
           <p:cNvSpPr>
             <a:spLocks noGrp="1"/>
           </p:cNvSpPr>
-          <p:nvPr isPhoto="0" userDrawn="0">
-            <p:ph type="body" idx="1" hasCustomPrompt="0"/>
+          <p:nvPr>
+            <p:ph type="body" idx="1"/>
           </p:nvPr>
         </p:nvSpPr>
         <p:spPr bwMode="auto"/>
@@ -1282,21 +1398,19 @@
               <a:defRPr/>
             </a:pPr>
             <a:r>
-              <a:rPr/>
               <a:t>And that difference can be summarized by focus on raw computing power rather memory capacity and flow control  for GPU. This will have incidence on the type of operations and overall parallelization type that  really suit GPU rather than CPU.</a:t>
             </a:r>
-            <a:endParaRPr/>
-          </a:p>
-        </p:txBody>
-      </p:sp>
-      <p:sp>
-        <p:nvSpPr>
-          <p:cNvPr id="6" name="Slide Number Placeholder 3" hidden="0"/>
+          </a:p>
+        </p:txBody>
+      </p:sp>
+      <p:sp>
+        <p:nvSpPr>
+          <p:cNvPr id="6" name="Slide Number Placeholder 3"/>
           <p:cNvSpPr>
             <a:spLocks noGrp="1"/>
           </p:cNvSpPr>
-          <p:nvPr isPhoto="0" userDrawn="0">
-            <p:ph type="sldNum" sz="quarter" idx="10" hasCustomPrompt="0"/>
+          <p:nvPr>
+            <p:ph type="sldNum" sz="quarter" idx="10"/>
           </p:nvPr>
         </p:nvSpPr>
         <p:spPr bwMode="auto"/>
@@ -1313,17 +1427,20 @@
       </p:sp>
     </p:spTree>
   </p:cSld>
+  <p:clrMapOvr>
+    <a:masterClrMapping/>
+  </p:clrMapOvr>
 </p:notes>
 </file>
 
 <file path=ppt/notesSlides/notesSlide6.xml><?xml version="1.0" encoding="utf-8"?>
-<p:notes xmlns:a="http://schemas.openxmlformats.org/drawingml/2006/main" xmlns:r="http://schemas.openxmlformats.org/officeDocument/2006/relationships" xmlns:p="http://schemas.openxmlformats.org/presentationml/2006/main" xmlns:m="http://schemas.openxmlformats.org/officeDocument/2006/math" xmlns:w="http://schemas.openxmlformats.org/wordprocessingml/2006/main">
-  <p:cSld name="">
+<p:notes xmlns:a="http://schemas.openxmlformats.org/drawingml/2006/main" xmlns:r="http://schemas.openxmlformats.org/officeDocument/2006/relationships" xmlns:p="http://schemas.openxmlformats.org/presentationml/2006/main">
+  <p:cSld>
     <p:spTree>
       <p:nvGrpSpPr>
-        <p:cNvPr id="1" name="" hidden="0"/>
+        <p:cNvPr id="1" name=""/>
         <p:cNvGrpSpPr/>
-        <p:nvPr isPhoto="0" userDrawn="0"/>
+        <p:nvPr/>
       </p:nvGrpSpPr>
       <p:grpSpPr bwMode="auto">
         <a:xfrm>
@@ -1335,24 +1452,24 @@
       </p:grpSpPr>
       <p:sp>
         <p:nvSpPr>
-          <p:cNvPr id="4" name="Slide Image Placeholder 1" hidden="0"/>
-          <p:cNvSpPr>
-            <a:spLocks noChangeAspect="1" noGrp="1" noRot="1"/>
-          </p:cNvSpPr>
-          <p:nvPr isPhoto="0" userDrawn="0">
-            <p:ph type="sldImg" hasCustomPrompt="0"/>
+          <p:cNvPr id="4" name="Slide Image Placeholder 1"/>
+          <p:cNvSpPr>
+            <a:spLocks noGrp="1" noRot="1" noChangeAspect="1"/>
+          </p:cNvSpPr>
+          <p:nvPr>
+            <p:ph type="sldImg"/>
           </p:nvPr>
         </p:nvSpPr>
         <p:spPr bwMode="auto"/>
       </p:sp>
       <p:sp>
         <p:nvSpPr>
-          <p:cNvPr id="5" name="Notes Placeholder 2" hidden="0"/>
+          <p:cNvPr id="5" name="Notes Placeholder 2"/>
           <p:cNvSpPr>
             <a:spLocks noGrp="1"/>
           </p:cNvSpPr>
-          <p:nvPr isPhoto="0" userDrawn="0">
-            <p:ph type="body" idx="1" hasCustomPrompt="0"/>
+          <p:nvPr>
+            <p:ph type="body" idx="1"/>
           </p:nvPr>
         </p:nvSpPr>
         <p:spPr bwMode="auto"/>
@@ -1364,21 +1481,19 @@
               <a:defRPr/>
             </a:pPr>
             <a:r>
-              <a:rPr/>
               <a:t>Could you guys help making the link with what I said before? Why this architecture with smaller memory and flow control is particularly adapted to SIMD. I have the intuition that if the same instruction is parralelly executed and different instructions are then run sequentially you would have less to do concerning the flow of memory and calcul within one shared memory. But Why the smaller memory?</a:t>
             </a:r>
-            <a:endParaRPr/>
-          </a:p>
-        </p:txBody>
-      </p:sp>
-      <p:sp>
-        <p:nvSpPr>
-          <p:cNvPr id="6" name="Slide Number Placeholder 3" hidden="0"/>
+          </a:p>
+        </p:txBody>
+      </p:sp>
+      <p:sp>
+        <p:nvSpPr>
+          <p:cNvPr id="6" name="Slide Number Placeholder 3"/>
           <p:cNvSpPr>
             <a:spLocks noGrp="1"/>
           </p:cNvSpPr>
-          <p:nvPr isPhoto="0" userDrawn="0">
-            <p:ph type="sldNum" sz="quarter" idx="10" hasCustomPrompt="0"/>
+          <p:nvPr>
+            <p:ph type="sldNum" sz="quarter" idx="10"/>
           </p:nvPr>
         </p:nvSpPr>
         <p:spPr bwMode="auto"/>
@@ -1395,17 +1510,20 @@
       </p:sp>
     </p:spTree>
   </p:cSld>
+  <p:clrMapOvr>
+    <a:masterClrMapping/>
+  </p:clrMapOvr>
 </p:notes>
 </file>
 
 <file path=ppt/notesSlides/notesSlide7.xml><?xml version="1.0" encoding="utf-8"?>
-<p:notes xmlns:a="http://schemas.openxmlformats.org/drawingml/2006/main" xmlns:r="http://schemas.openxmlformats.org/officeDocument/2006/relationships" xmlns:p="http://schemas.openxmlformats.org/presentationml/2006/main" xmlns:m="http://schemas.openxmlformats.org/officeDocument/2006/math" xmlns:w="http://schemas.openxmlformats.org/wordprocessingml/2006/main">
-  <p:cSld name="">
+<p:notes xmlns:a="http://schemas.openxmlformats.org/drawingml/2006/main" xmlns:r="http://schemas.openxmlformats.org/officeDocument/2006/relationships" xmlns:p="http://schemas.openxmlformats.org/presentationml/2006/main">
+  <p:cSld>
     <p:spTree>
       <p:nvGrpSpPr>
-        <p:cNvPr id="1" name="" hidden="0"/>
+        <p:cNvPr id="1" name=""/>
         <p:cNvGrpSpPr/>
-        <p:nvPr isPhoto="0" userDrawn="0"/>
+        <p:nvPr/>
       </p:nvGrpSpPr>
       <p:grpSpPr bwMode="auto">
         <a:xfrm>
@@ -1417,24 +1535,24 @@
       </p:grpSpPr>
       <p:sp>
         <p:nvSpPr>
-          <p:cNvPr id="4" name="Slide Image Placeholder 1" hidden="0"/>
-          <p:cNvSpPr>
-            <a:spLocks noChangeAspect="1" noGrp="1" noRot="1"/>
-          </p:cNvSpPr>
-          <p:nvPr isPhoto="0" userDrawn="0">
-            <p:ph type="sldImg" hasCustomPrompt="0"/>
+          <p:cNvPr id="4" name="Slide Image Placeholder 1"/>
+          <p:cNvSpPr>
+            <a:spLocks noGrp="1" noRot="1" noChangeAspect="1"/>
+          </p:cNvSpPr>
+          <p:nvPr>
+            <p:ph type="sldImg"/>
           </p:nvPr>
         </p:nvSpPr>
         <p:spPr bwMode="auto"/>
       </p:sp>
       <p:sp>
         <p:nvSpPr>
-          <p:cNvPr id="5" name="Notes Placeholder 2" hidden="0"/>
+          <p:cNvPr id="5" name="Notes Placeholder 2"/>
           <p:cNvSpPr>
             <a:spLocks noGrp="1"/>
           </p:cNvSpPr>
-          <p:nvPr isPhoto="0" userDrawn="0">
-            <p:ph type="body" idx="1" hasCustomPrompt="0"/>
+          <p:nvPr>
+            <p:ph type="body" idx="1"/>
           </p:nvPr>
         </p:nvSpPr>
         <p:spPr bwMode="auto"/>
@@ -1446,21 +1564,19 @@
               <a:defRPr/>
             </a:pPr>
             <a:r>
-              <a:rPr/>
               <a:t>Understanding that the structure of the hardware is going to be directly translated into the way we are going to code</a:t>
             </a:r>
-            <a:endParaRPr/>
-          </a:p>
-        </p:txBody>
-      </p:sp>
-      <p:sp>
-        <p:nvSpPr>
-          <p:cNvPr id="6" name="Slide Number Placeholder 3" hidden="0"/>
+          </a:p>
+        </p:txBody>
+      </p:sp>
+      <p:sp>
+        <p:nvSpPr>
+          <p:cNvPr id="6" name="Slide Number Placeholder 3"/>
           <p:cNvSpPr>
             <a:spLocks noGrp="1"/>
           </p:cNvSpPr>
-          <p:nvPr isPhoto="0" userDrawn="0">
-            <p:ph type="sldNum" sz="quarter" idx="10" hasCustomPrompt="0"/>
+          <p:nvPr>
+            <p:ph type="sldNum" sz="quarter" idx="10"/>
           </p:nvPr>
         </p:nvSpPr>
         <p:spPr bwMode="auto"/>
@@ -1477,17 +1593,20 @@
       </p:sp>
     </p:spTree>
   </p:cSld>
+  <p:clrMapOvr>
+    <a:masterClrMapping/>
+  </p:clrMapOvr>
 </p:notes>
 </file>
 
 <file path=ppt/notesSlides/notesSlide8.xml><?xml version="1.0" encoding="utf-8"?>
-<p:notes xmlns:a="http://schemas.openxmlformats.org/drawingml/2006/main" xmlns:r="http://schemas.openxmlformats.org/officeDocument/2006/relationships" xmlns:p="http://schemas.openxmlformats.org/presentationml/2006/main" xmlns:m="http://schemas.openxmlformats.org/officeDocument/2006/math" xmlns:w="http://schemas.openxmlformats.org/wordprocessingml/2006/main">
-  <p:cSld name="">
+<p:notes xmlns:a="http://schemas.openxmlformats.org/drawingml/2006/main" xmlns:r="http://schemas.openxmlformats.org/officeDocument/2006/relationships" xmlns:p="http://schemas.openxmlformats.org/presentationml/2006/main">
+  <p:cSld>
     <p:spTree>
       <p:nvGrpSpPr>
-        <p:cNvPr id="1" name="" hidden="0"/>
+        <p:cNvPr id="1" name=""/>
         <p:cNvGrpSpPr/>
-        <p:nvPr isPhoto="0" userDrawn="0"/>
+        <p:nvPr/>
       </p:nvGrpSpPr>
       <p:grpSpPr bwMode="auto">
         <a:xfrm>
@@ -1499,24 +1618,24 @@
       </p:grpSpPr>
       <p:sp>
         <p:nvSpPr>
-          <p:cNvPr id="4" name="Slide Image Placeholder 1" hidden="0"/>
-          <p:cNvSpPr>
-            <a:spLocks noChangeAspect="1" noGrp="1" noRot="1"/>
-          </p:cNvSpPr>
-          <p:nvPr isPhoto="0" userDrawn="0">
-            <p:ph type="sldImg" hasCustomPrompt="0"/>
+          <p:cNvPr id="4" name="Slide Image Placeholder 1"/>
+          <p:cNvSpPr>
+            <a:spLocks noGrp="1" noRot="1" noChangeAspect="1"/>
+          </p:cNvSpPr>
+          <p:nvPr>
+            <p:ph type="sldImg"/>
           </p:nvPr>
         </p:nvSpPr>
         <p:spPr bwMode="auto"/>
       </p:sp>
       <p:sp>
         <p:nvSpPr>
-          <p:cNvPr id="5" name="Notes Placeholder 2" hidden="0"/>
+          <p:cNvPr id="5" name="Notes Placeholder 2"/>
           <p:cNvSpPr>
             <a:spLocks noGrp="1"/>
           </p:cNvSpPr>
-          <p:nvPr isPhoto="0" userDrawn="0">
-            <p:ph type="body" idx="1" hasCustomPrompt="0"/>
+          <p:nvPr>
+            <p:ph type="body" idx="1"/>
           </p:nvPr>
         </p:nvSpPr>
         <p:spPr bwMode="auto"/>
@@ -1528,21 +1647,19 @@
               <a:defRPr/>
             </a:pPr>
             <a:r>
-              <a:rPr/>
               <a:t>Just gonna insist on the affirmation said before about how threads, block and grid can be distributed, but this time on a "real" architecture  rather than on a scheme. Could be remove since it is a bit redundant.</a:t>
             </a:r>
-            <a:endParaRPr/>
-          </a:p>
-        </p:txBody>
-      </p:sp>
-      <p:sp>
-        <p:nvSpPr>
-          <p:cNvPr id="6" name="Slide Number Placeholder 3" hidden="0"/>
+          </a:p>
+        </p:txBody>
+      </p:sp>
+      <p:sp>
+        <p:nvSpPr>
+          <p:cNvPr id="6" name="Slide Number Placeholder 3"/>
           <p:cNvSpPr>
             <a:spLocks noGrp="1"/>
           </p:cNvSpPr>
-          <p:nvPr isPhoto="0" userDrawn="0">
-            <p:ph type="sldNum" sz="quarter" idx="10" hasCustomPrompt="0"/>
+          <p:nvPr>
+            <p:ph type="sldNum" sz="quarter" idx="10"/>
           </p:nvPr>
         </p:nvSpPr>
         <p:spPr bwMode="auto"/>
@@ -1559,17 +1676,20 @@
       </p:sp>
     </p:spTree>
   </p:cSld>
+  <p:clrMapOvr>
+    <a:masterClrMapping/>
+  </p:clrMapOvr>
 </p:notes>
 </file>
 
 <file path=ppt/notesSlides/notesSlide9.xml><?xml version="1.0" encoding="utf-8"?>
-<p:notes xmlns:a="http://schemas.openxmlformats.org/drawingml/2006/main" xmlns:r="http://schemas.openxmlformats.org/officeDocument/2006/relationships" xmlns:p="http://schemas.openxmlformats.org/presentationml/2006/main" xmlns:m="http://schemas.openxmlformats.org/officeDocument/2006/math" xmlns:w="http://schemas.openxmlformats.org/wordprocessingml/2006/main">
-  <p:cSld name="">
+<p:notes xmlns:a="http://schemas.openxmlformats.org/drawingml/2006/main" xmlns:r="http://schemas.openxmlformats.org/officeDocument/2006/relationships" xmlns:p="http://schemas.openxmlformats.org/presentationml/2006/main">
+  <p:cSld>
     <p:spTree>
       <p:nvGrpSpPr>
-        <p:cNvPr id="1" name="" hidden="0"/>
+        <p:cNvPr id="1" name=""/>
         <p:cNvGrpSpPr/>
-        <p:nvPr isPhoto="0" userDrawn="0"/>
+        <p:nvPr/>
       </p:nvGrpSpPr>
       <p:grpSpPr bwMode="auto">
         <a:xfrm>
@@ -1581,24 +1701,24 @@
       </p:grpSpPr>
       <p:sp>
         <p:nvSpPr>
-          <p:cNvPr id="4" name="Slide Image Placeholder 1" hidden="0"/>
-          <p:cNvSpPr>
-            <a:spLocks noChangeAspect="1" noGrp="1" noRot="1"/>
-          </p:cNvSpPr>
-          <p:nvPr isPhoto="0" userDrawn="0">
-            <p:ph type="sldImg" hasCustomPrompt="0"/>
+          <p:cNvPr id="4" name="Slide Image Placeholder 1"/>
+          <p:cNvSpPr>
+            <a:spLocks noGrp="1" noRot="1" noChangeAspect="1"/>
+          </p:cNvSpPr>
+          <p:nvPr>
+            <p:ph type="sldImg"/>
           </p:nvPr>
         </p:nvSpPr>
         <p:spPr bwMode="auto"/>
       </p:sp>
       <p:sp>
         <p:nvSpPr>
-          <p:cNvPr id="5" name="Notes Placeholder 2" hidden="0"/>
+          <p:cNvPr id="5" name="Notes Placeholder 2"/>
           <p:cNvSpPr>
             <a:spLocks noGrp="1"/>
           </p:cNvSpPr>
-          <p:nvPr isPhoto="0" userDrawn="0">
-            <p:ph type="body" idx="1" hasCustomPrompt="0"/>
+          <p:nvPr>
+            <p:ph type="body" idx="1"/>
           </p:nvPr>
         </p:nvSpPr>
         <p:spPr bwMode="auto"/>
@@ -1610,21 +1730,19 @@
               <a:defRPr/>
             </a:pPr>
             <a:r>
-              <a:rPr/>
               <a:t>Realize that you still need to make the interface between the CPU and the GPU, understand  where what you are going to learn in this course sit in the writing of your program, introduce some vocabulary and open to next slides where technology allowing to write kernel are going to be presented.</a:t>
             </a:r>
-            <a:endParaRPr/>
-          </a:p>
-        </p:txBody>
-      </p:sp>
-      <p:sp>
-        <p:nvSpPr>
-          <p:cNvPr id="6" name="Slide Number Placeholder 3" hidden="0"/>
+          </a:p>
+        </p:txBody>
+      </p:sp>
+      <p:sp>
+        <p:nvSpPr>
+          <p:cNvPr id="6" name="Slide Number Placeholder 3"/>
           <p:cNvSpPr>
             <a:spLocks noGrp="1"/>
           </p:cNvSpPr>
-          <p:nvPr isPhoto="0" userDrawn="0">
-            <p:ph type="sldNum" sz="quarter" idx="10" hasCustomPrompt="0"/>
+          <p:nvPr>
+            <p:ph type="sldNum" sz="quarter" idx="10"/>
           </p:nvPr>
         </p:nvSpPr>
         <p:spPr bwMode="auto"/>
@@ -1641,17 +1759,20 @@
       </p:sp>
     </p:spTree>
   </p:cSld>
+  <p:clrMapOvr>
+    <a:masterClrMapping/>
+  </p:clrMapOvr>
 </p:notes>
 </file>
 
 <file path=ppt/slideLayouts/slideLayout1.xml><?xml version="1.0" encoding="utf-8"?>
-<p:sldLayout xmlns:a="http://schemas.openxmlformats.org/drawingml/2006/main" xmlns:r="http://schemas.openxmlformats.org/officeDocument/2006/relationships" xmlns:p="http://schemas.openxmlformats.org/presentationml/2006/main" xmlns:m="http://schemas.openxmlformats.org/officeDocument/2006/math" xmlns:w="http://schemas.openxmlformats.org/wordprocessingml/2006/main" matchingName="" preserve="1" showMasterPhAnim="0" type="title" userDrawn="1">
+<p:sldLayout xmlns:a="http://schemas.openxmlformats.org/drawingml/2006/main" xmlns:r="http://schemas.openxmlformats.org/officeDocument/2006/relationships" xmlns:p="http://schemas.openxmlformats.org/presentationml/2006/main" showMasterPhAnim="0" type="title" preserve="1" userDrawn="1">
   <p:cSld name="Diapositive de titre">
     <p:spTree>
       <p:nvGrpSpPr>
-        <p:cNvPr id="1" name="" hidden="0"/>
+        <p:cNvPr id="1" name=""/>
         <p:cNvGrpSpPr/>
-        <p:nvPr isPhoto="0" userDrawn="0"/>
+        <p:nvPr/>
       </p:nvGrpSpPr>
       <p:grpSpPr bwMode="auto">
         <a:xfrm>
@@ -1663,12 +1784,12 @@
       </p:grpSpPr>
       <p:sp>
         <p:nvSpPr>
-          <p:cNvPr id="4" name="Titre 1" hidden="0"/>
+          <p:cNvPr id="4" name="Titre 1"/>
           <p:cNvSpPr>
             <a:spLocks noGrp="1"/>
           </p:cNvSpPr>
-          <p:nvPr isPhoto="0" userDrawn="0">
-            <p:ph type="ctrTitle" hasCustomPrompt="0"/>
+          <p:nvPr>
+            <p:ph type="ctrTitle"/>
           </p:nvPr>
         </p:nvSpPr>
         <p:spPr bwMode="auto">
@@ -1698,12 +1819,12 @@
       </p:sp>
       <p:sp>
         <p:nvSpPr>
-          <p:cNvPr id="5" name="Sous-titre 2" hidden="0"/>
+          <p:cNvPr id="5" name="Sous-titre 2"/>
           <p:cNvSpPr>
             <a:spLocks noGrp="1"/>
           </p:cNvSpPr>
-          <p:nvPr isPhoto="0" userDrawn="0">
-            <p:ph type="subTitle" idx="1" hasCustomPrompt="0"/>
+          <p:nvPr>
+            <p:ph type="subTitle" idx="1"/>
           </p:nvPr>
         </p:nvSpPr>
         <p:spPr bwMode="auto">
@@ -1766,12 +1887,12 @@
       </p:sp>
       <p:sp>
         <p:nvSpPr>
-          <p:cNvPr id="6" name="Espace réservé de la date 3" hidden="0"/>
+          <p:cNvPr id="6" name="Espace réservé de la date 3"/>
           <p:cNvSpPr>
             <a:spLocks noGrp="1"/>
           </p:cNvSpPr>
-          <p:nvPr isPhoto="0" userDrawn="0">
-            <p:ph type="dt" sz="half" idx="10" hasCustomPrompt="0"/>
+          <p:nvPr>
+            <p:ph type="dt" sz="half" idx="10"/>
           </p:nvPr>
         </p:nvSpPr>
         <p:spPr bwMode="auto"/>
@@ -1784,7 +1905,7 @@
             </a:pPr>
             <a:fld id="{C8124DC0-0521-4211-BEB8-05A6DAB65D73}" type="datetimeFigureOut">
               <a:rPr lang="en-US"/>
-              <a:t/>
+              <a:t>9/24/2020</a:t>
             </a:fld>
             <a:endParaRPr lang="en-US"/>
           </a:p>
@@ -1792,12 +1913,12 @@
       </p:sp>
       <p:sp>
         <p:nvSpPr>
-          <p:cNvPr id="7" name="Espace réservé du pied de page 4" hidden="0"/>
+          <p:cNvPr id="7" name="Espace réservé du pied de page 4"/>
           <p:cNvSpPr>
             <a:spLocks noGrp="1"/>
           </p:cNvSpPr>
-          <p:nvPr isPhoto="0" userDrawn="0">
-            <p:ph type="ftr" sz="quarter" idx="11" hasCustomPrompt="0"/>
+          <p:nvPr>
+            <p:ph type="ftr" sz="quarter" idx="11"/>
           </p:nvPr>
         </p:nvSpPr>
         <p:spPr bwMode="auto"/>
@@ -1814,12 +1935,12 @@
       </p:sp>
       <p:sp>
         <p:nvSpPr>
-          <p:cNvPr id="8" name="Espace réservé du numéro de diapositive 5" hidden="0"/>
+          <p:cNvPr id="8" name="Espace réservé du numéro de diapositive 5"/>
           <p:cNvSpPr>
             <a:spLocks noGrp="1"/>
           </p:cNvSpPr>
-          <p:nvPr isPhoto="0" userDrawn="0">
-            <p:ph type="sldNum" sz="quarter" idx="12" hasCustomPrompt="0"/>
+          <p:nvPr>
+            <p:ph type="sldNum" sz="quarter" idx="12"/>
           </p:nvPr>
         </p:nvSpPr>
         <p:spPr bwMode="auto"/>
@@ -1832,7 +1953,7 @@
             </a:pPr>
             <a:fld id="{DA189323-8714-416F-BA52-6FB4715ED065}" type="slidenum">
               <a:rPr lang="en-US"/>
-              <a:t/>
+              <a:t>‹Nº›</a:t>
             </a:fld>
             <a:endParaRPr lang="en-US"/>
           </a:p>
@@ -1847,13 +1968,13 @@
 </file>
 
 <file path=ppt/slideLayouts/slideLayout10.xml><?xml version="1.0" encoding="utf-8"?>
-<p:sldLayout xmlns:a="http://schemas.openxmlformats.org/drawingml/2006/main" xmlns:r="http://schemas.openxmlformats.org/officeDocument/2006/relationships" xmlns:p="http://schemas.openxmlformats.org/presentationml/2006/main" xmlns:m="http://schemas.openxmlformats.org/officeDocument/2006/math" xmlns:w="http://schemas.openxmlformats.org/wordprocessingml/2006/main" matchingName="" preserve="1" showMasterPhAnim="0" type="vertTx" userDrawn="1">
+<p:sldLayout xmlns:a="http://schemas.openxmlformats.org/drawingml/2006/main" xmlns:r="http://schemas.openxmlformats.org/officeDocument/2006/relationships" xmlns:p="http://schemas.openxmlformats.org/presentationml/2006/main" showMasterPhAnim="0" type="vertTx" preserve="1" userDrawn="1">
   <p:cSld name="Titre et texte vertical">
     <p:spTree>
       <p:nvGrpSpPr>
-        <p:cNvPr id="1" name="" hidden="0"/>
+        <p:cNvPr id="1" name=""/>
         <p:cNvGrpSpPr/>
-        <p:nvPr isPhoto="0" userDrawn="0"/>
+        <p:nvPr/>
       </p:nvGrpSpPr>
       <p:grpSpPr bwMode="auto">
         <a:xfrm>
@@ -1865,12 +1986,12 @@
       </p:grpSpPr>
       <p:sp>
         <p:nvSpPr>
-          <p:cNvPr id="4" name="Titre 1" hidden="0"/>
+          <p:cNvPr id="4" name="Titre 1"/>
           <p:cNvSpPr>
             <a:spLocks noGrp="1"/>
           </p:cNvSpPr>
-          <p:nvPr isPhoto="0" userDrawn="0">
-            <p:ph type="title" hasCustomPrompt="0"/>
+          <p:nvPr>
+            <p:ph type="title"/>
           </p:nvPr>
         </p:nvSpPr>
         <p:spPr bwMode="auto"/>
@@ -1891,12 +2012,12 @@
       </p:sp>
       <p:sp>
         <p:nvSpPr>
-          <p:cNvPr id="5" name="Espace réservé du texte vertical 2" hidden="0"/>
+          <p:cNvPr id="5" name="Espace réservé du texte vertical 2"/>
           <p:cNvSpPr>
             <a:spLocks noGrp="1"/>
           </p:cNvSpPr>
-          <p:nvPr isPhoto="0" userDrawn="0">
-            <p:ph type="body" orient="vert" idx="1" hasCustomPrompt="0"/>
+          <p:nvPr>
+            <p:ph type="body" orient="vert" idx="1"/>
           </p:nvPr>
         </p:nvSpPr>
         <p:spPr bwMode="auto"/>
@@ -1957,12 +2078,12 @@
       </p:sp>
       <p:sp>
         <p:nvSpPr>
-          <p:cNvPr id="6" name="Espace réservé de la date 3" hidden="0"/>
+          <p:cNvPr id="6" name="Espace réservé de la date 3"/>
           <p:cNvSpPr>
             <a:spLocks noGrp="1"/>
           </p:cNvSpPr>
-          <p:nvPr isPhoto="0" userDrawn="0">
-            <p:ph type="dt" sz="half" idx="10" hasCustomPrompt="0"/>
+          <p:nvPr>
+            <p:ph type="dt" sz="half" idx="10"/>
           </p:nvPr>
         </p:nvSpPr>
         <p:spPr bwMode="auto"/>
@@ -1975,7 +2096,7 @@
             </a:pPr>
             <a:fld id="{C8124DC0-0521-4211-BEB8-05A6DAB65D73}" type="datetimeFigureOut">
               <a:rPr lang="en-US"/>
-              <a:t/>
+              <a:t>9/24/2020</a:t>
             </a:fld>
             <a:endParaRPr lang="en-US"/>
           </a:p>
@@ -1983,12 +2104,12 @@
       </p:sp>
       <p:sp>
         <p:nvSpPr>
-          <p:cNvPr id="7" name="Espace réservé du pied de page 4" hidden="0"/>
+          <p:cNvPr id="7" name="Espace réservé du pied de page 4"/>
           <p:cNvSpPr>
             <a:spLocks noGrp="1"/>
           </p:cNvSpPr>
-          <p:nvPr isPhoto="0" userDrawn="0">
-            <p:ph type="ftr" sz="quarter" idx="11" hasCustomPrompt="0"/>
+          <p:nvPr>
+            <p:ph type="ftr" sz="quarter" idx="11"/>
           </p:nvPr>
         </p:nvSpPr>
         <p:spPr bwMode="auto"/>
@@ -2005,12 +2126,12 @@
       </p:sp>
       <p:sp>
         <p:nvSpPr>
-          <p:cNvPr id="8" name="Espace réservé du numéro de diapositive 5" hidden="0"/>
+          <p:cNvPr id="8" name="Espace réservé du numéro de diapositive 5"/>
           <p:cNvSpPr>
             <a:spLocks noGrp="1"/>
           </p:cNvSpPr>
-          <p:nvPr isPhoto="0" userDrawn="0">
-            <p:ph type="sldNum" sz="quarter" idx="12" hasCustomPrompt="0"/>
+          <p:nvPr>
+            <p:ph type="sldNum" sz="quarter" idx="12"/>
           </p:nvPr>
         </p:nvSpPr>
         <p:spPr bwMode="auto"/>
@@ -2023,7 +2144,7 @@
             </a:pPr>
             <a:fld id="{DA189323-8714-416F-BA52-6FB4715ED065}" type="slidenum">
               <a:rPr lang="en-US"/>
-              <a:t/>
+              <a:t>‹Nº›</a:t>
             </a:fld>
             <a:endParaRPr lang="en-US"/>
           </a:p>
@@ -2038,13 +2159,13 @@
 </file>
 
 <file path=ppt/slideLayouts/slideLayout11.xml><?xml version="1.0" encoding="utf-8"?>
-<p:sldLayout xmlns:a="http://schemas.openxmlformats.org/drawingml/2006/main" xmlns:r="http://schemas.openxmlformats.org/officeDocument/2006/relationships" xmlns:p="http://schemas.openxmlformats.org/presentationml/2006/main" xmlns:m="http://schemas.openxmlformats.org/officeDocument/2006/math" xmlns:w="http://schemas.openxmlformats.org/wordprocessingml/2006/main" matchingName="" preserve="1" showMasterPhAnim="0" type="vertTitleAndTx" userDrawn="1">
+<p:sldLayout xmlns:a="http://schemas.openxmlformats.org/drawingml/2006/main" xmlns:r="http://schemas.openxmlformats.org/officeDocument/2006/relationships" xmlns:p="http://schemas.openxmlformats.org/presentationml/2006/main" showMasterPhAnim="0" type="vertTitleAndTx" preserve="1" userDrawn="1">
   <p:cSld name="Titre vertical et texte">
     <p:spTree>
       <p:nvGrpSpPr>
-        <p:cNvPr id="1" name="" hidden="0"/>
+        <p:cNvPr id="1" name=""/>
         <p:cNvGrpSpPr/>
-        <p:nvPr isPhoto="0" userDrawn="0"/>
+        <p:nvPr/>
       </p:nvGrpSpPr>
       <p:grpSpPr bwMode="auto">
         <a:xfrm>
@@ -2056,12 +2177,12 @@
       </p:grpSpPr>
       <p:sp>
         <p:nvSpPr>
-          <p:cNvPr id="4" name="Titre vertical 1" hidden="0"/>
+          <p:cNvPr id="4" name="Titre vertical 1"/>
           <p:cNvSpPr>
             <a:spLocks noGrp="1"/>
           </p:cNvSpPr>
-          <p:nvPr isPhoto="0" userDrawn="0">
-            <p:ph type="title" orient="vert" hasCustomPrompt="0"/>
+          <p:nvPr>
+            <p:ph type="title" orient="vert"/>
           </p:nvPr>
         </p:nvSpPr>
         <p:spPr bwMode="auto">
@@ -2087,12 +2208,12 @@
       </p:sp>
       <p:sp>
         <p:nvSpPr>
-          <p:cNvPr id="5" name="Espace réservé du texte vertical 2" hidden="0"/>
+          <p:cNvPr id="5" name="Espace réservé du texte vertical 2"/>
           <p:cNvSpPr>
             <a:spLocks noGrp="1"/>
           </p:cNvSpPr>
-          <p:nvPr isPhoto="0" userDrawn="0">
-            <p:ph type="body" orient="vert" idx="1" hasCustomPrompt="0"/>
+          <p:nvPr>
+            <p:ph type="body" orient="vert" idx="1"/>
           </p:nvPr>
         </p:nvSpPr>
         <p:spPr bwMode="auto">
@@ -2158,12 +2279,12 @@
       </p:sp>
       <p:sp>
         <p:nvSpPr>
-          <p:cNvPr id="6" name="Espace réservé de la date 3" hidden="0"/>
+          <p:cNvPr id="6" name="Espace réservé de la date 3"/>
           <p:cNvSpPr>
             <a:spLocks noGrp="1"/>
           </p:cNvSpPr>
-          <p:nvPr isPhoto="0" userDrawn="0">
-            <p:ph type="dt" sz="half" idx="10" hasCustomPrompt="0"/>
+          <p:nvPr>
+            <p:ph type="dt" sz="half" idx="10"/>
           </p:nvPr>
         </p:nvSpPr>
         <p:spPr bwMode="auto"/>
@@ -2176,7 +2297,7 @@
             </a:pPr>
             <a:fld id="{C8124DC0-0521-4211-BEB8-05A6DAB65D73}" type="datetimeFigureOut">
               <a:rPr lang="en-US"/>
-              <a:t/>
+              <a:t>9/24/2020</a:t>
             </a:fld>
             <a:endParaRPr lang="en-US"/>
           </a:p>
@@ -2184,12 +2305,12 @@
       </p:sp>
       <p:sp>
         <p:nvSpPr>
-          <p:cNvPr id="7" name="Espace réservé du pied de page 4" hidden="0"/>
+          <p:cNvPr id="7" name="Espace réservé du pied de page 4"/>
           <p:cNvSpPr>
             <a:spLocks noGrp="1"/>
           </p:cNvSpPr>
-          <p:nvPr isPhoto="0" userDrawn="0">
-            <p:ph type="ftr" sz="quarter" idx="11" hasCustomPrompt="0"/>
+          <p:nvPr>
+            <p:ph type="ftr" sz="quarter" idx="11"/>
           </p:nvPr>
         </p:nvSpPr>
         <p:spPr bwMode="auto"/>
@@ -2206,12 +2327,12 @@
       </p:sp>
       <p:sp>
         <p:nvSpPr>
-          <p:cNvPr id="8" name="Espace réservé du numéro de diapositive 5" hidden="0"/>
+          <p:cNvPr id="8" name="Espace réservé du numéro de diapositive 5"/>
           <p:cNvSpPr>
             <a:spLocks noGrp="1"/>
           </p:cNvSpPr>
-          <p:nvPr isPhoto="0" userDrawn="0">
-            <p:ph type="sldNum" sz="quarter" idx="12" hasCustomPrompt="0"/>
+          <p:nvPr>
+            <p:ph type="sldNum" sz="quarter" idx="12"/>
           </p:nvPr>
         </p:nvSpPr>
         <p:spPr bwMode="auto"/>
@@ -2224,7 +2345,7 @@
             </a:pPr>
             <a:fld id="{DA189323-8714-416F-BA52-6FB4715ED065}" type="slidenum">
               <a:rPr lang="en-US"/>
-              <a:t/>
+              <a:t>‹Nº›</a:t>
             </a:fld>
             <a:endParaRPr lang="en-US"/>
           </a:p>
@@ -2239,13 +2360,13 @@
 </file>
 
 <file path=ppt/slideLayouts/slideLayout2.xml><?xml version="1.0" encoding="utf-8"?>
-<p:sldLayout xmlns:a="http://schemas.openxmlformats.org/drawingml/2006/main" xmlns:r="http://schemas.openxmlformats.org/officeDocument/2006/relationships" xmlns:p="http://schemas.openxmlformats.org/presentationml/2006/main" xmlns:m="http://schemas.openxmlformats.org/officeDocument/2006/math" xmlns:w="http://schemas.openxmlformats.org/wordprocessingml/2006/main" matchingName="" preserve="1" showMasterPhAnim="0" type="obj" userDrawn="1">
+<p:sldLayout xmlns:a="http://schemas.openxmlformats.org/drawingml/2006/main" xmlns:r="http://schemas.openxmlformats.org/officeDocument/2006/relationships" xmlns:p="http://schemas.openxmlformats.org/presentationml/2006/main" showMasterPhAnim="0" type="obj" preserve="1" userDrawn="1">
   <p:cSld name="Titre et contenu">
     <p:spTree>
       <p:nvGrpSpPr>
-        <p:cNvPr id="1" name="" hidden="0"/>
+        <p:cNvPr id="1" name=""/>
         <p:cNvGrpSpPr/>
-        <p:nvPr isPhoto="0" userDrawn="0"/>
+        <p:nvPr/>
       </p:nvGrpSpPr>
       <p:grpSpPr bwMode="auto">
         <a:xfrm>
@@ -2257,12 +2378,12 @@
       </p:grpSpPr>
       <p:sp>
         <p:nvSpPr>
-          <p:cNvPr id="4" name="Titre 1" hidden="0"/>
+          <p:cNvPr id="4" name="Titre 1"/>
           <p:cNvSpPr>
             <a:spLocks noGrp="1"/>
           </p:cNvSpPr>
-          <p:nvPr isPhoto="0" userDrawn="0">
-            <p:ph type="title" hasCustomPrompt="0"/>
+          <p:nvPr>
+            <p:ph type="title"/>
           </p:nvPr>
         </p:nvSpPr>
         <p:spPr bwMode="auto"/>
@@ -2283,12 +2404,12 @@
       </p:sp>
       <p:sp>
         <p:nvSpPr>
-          <p:cNvPr id="5" name="Espace réservé du contenu 2" hidden="0"/>
+          <p:cNvPr id="5" name="Espace réservé du contenu 2"/>
           <p:cNvSpPr>
             <a:spLocks noGrp="1"/>
           </p:cNvSpPr>
-          <p:nvPr isPhoto="0" userDrawn="0">
-            <p:ph idx="1" hasCustomPrompt="0"/>
+          <p:nvPr>
+            <p:ph idx="1"/>
           </p:nvPr>
         </p:nvSpPr>
         <p:spPr bwMode="auto"/>
@@ -2349,12 +2470,12 @@
       </p:sp>
       <p:sp>
         <p:nvSpPr>
-          <p:cNvPr id="6" name="Espace réservé de la date 3" hidden="0"/>
+          <p:cNvPr id="6" name="Espace réservé de la date 3"/>
           <p:cNvSpPr>
             <a:spLocks noGrp="1"/>
           </p:cNvSpPr>
-          <p:nvPr isPhoto="0" userDrawn="0">
-            <p:ph type="dt" sz="half" idx="10" hasCustomPrompt="0"/>
+          <p:nvPr>
+            <p:ph type="dt" sz="half" idx="10"/>
           </p:nvPr>
         </p:nvSpPr>
         <p:spPr bwMode="auto"/>
@@ -2367,7 +2488,7 @@
             </a:pPr>
             <a:fld id="{C8124DC0-0521-4211-BEB8-05A6DAB65D73}" type="datetimeFigureOut">
               <a:rPr lang="en-US"/>
-              <a:t/>
+              <a:t>9/24/2020</a:t>
             </a:fld>
             <a:endParaRPr lang="en-US"/>
           </a:p>
@@ -2375,12 +2496,12 @@
       </p:sp>
       <p:sp>
         <p:nvSpPr>
-          <p:cNvPr id="7" name="Espace réservé du pied de page 4" hidden="0"/>
+          <p:cNvPr id="7" name="Espace réservé du pied de page 4"/>
           <p:cNvSpPr>
             <a:spLocks noGrp="1"/>
           </p:cNvSpPr>
-          <p:nvPr isPhoto="0" userDrawn="0">
-            <p:ph type="ftr" sz="quarter" idx="11" hasCustomPrompt="0"/>
+          <p:nvPr>
+            <p:ph type="ftr" sz="quarter" idx="11"/>
           </p:nvPr>
         </p:nvSpPr>
         <p:spPr bwMode="auto"/>
@@ -2397,12 +2518,12 @@
       </p:sp>
       <p:sp>
         <p:nvSpPr>
-          <p:cNvPr id="8" name="Espace réservé du numéro de diapositive 5" hidden="0"/>
+          <p:cNvPr id="8" name="Espace réservé du numéro de diapositive 5"/>
           <p:cNvSpPr>
             <a:spLocks noGrp="1"/>
           </p:cNvSpPr>
-          <p:nvPr isPhoto="0" userDrawn="0">
-            <p:ph type="sldNum" sz="quarter" idx="12" hasCustomPrompt="0"/>
+          <p:nvPr>
+            <p:ph type="sldNum" sz="quarter" idx="12"/>
           </p:nvPr>
         </p:nvSpPr>
         <p:spPr bwMode="auto"/>
@@ -2415,7 +2536,7 @@
             </a:pPr>
             <a:fld id="{DA189323-8714-416F-BA52-6FB4715ED065}" type="slidenum">
               <a:rPr lang="en-US"/>
-              <a:t/>
+              <a:t>‹Nº›</a:t>
             </a:fld>
             <a:endParaRPr lang="en-US"/>
           </a:p>
@@ -2430,13 +2551,13 @@
 </file>
 
 <file path=ppt/slideLayouts/slideLayout3.xml><?xml version="1.0" encoding="utf-8"?>
-<p:sldLayout xmlns:a="http://schemas.openxmlformats.org/drawingml/2006/main" xmlns:r="http://schemas.openxmlformats.org/officeDocument/2006/relationships" xmlns:p="http://schemas.openxmlformats.org/presentationml/2006/main" xmlns:m="http://schemas.openxmlformats.org/officeDocument/2006/math" xmlns:w="http://schemas.openxmlformats.org/wordprocessingml/2006/main" matchingName="" preserve="1" showMasterPhAnim="0" type="secHead" userDrawn="1">
+<p:sldLayout xmlns:a="http://schemas.openxmlformats.org/drawingml/2006/main" xmlns:r="http://schemas.openxmlformats.org/officeDocument/2006/relationships" xmlns:p="http://schemas.openxmlformats.org/presentationml/2006/main" showMasterPhAnim="0" type="secHead" preserve="1" userDrawn="1">
   <p:cSld name="Titre de section">
     <p:spTree>
       <p:nvGrpSpPr>
-        <p:cNvPr id="1" name="" hidden="0"/>
+        <p:cNvPr id="1" name=""/>
         <p:cNvGrpSpPr/>
-        <p:nvPr isPhoto="0" userDrawn="0"/>
+        <p:nvPr/>
       </p:nvGrpSpPr>
       <p:grpSpPr bwMode="auto">
         <a:xfrm>
@@ -2448,12 +2569,12 @@
       </p:grpSpPr>
       <p:sp>
         <p:nvSpPr>
-          <p:cNvPr id="4" name="Titre 1" hidden="0"/>
+          <p:cNvPr id="4" name="Titre 1"/>
           <p:cNvSpPr>
             <a:spLocks noGrp="1"/>
           </p:cNvSpPr>
-          <p:nvPr isPhoto="0" userDrawn="0">
-            <p:ph type="title" hasCustomPrompt="0"/>
+          <p:nvPr>
+            <p:ph type="title"/>
           </p:nvPr>
         </p:nvSpPr>
         <p:spPr bwMode="auto">
@@ -2483,12 +2604,12 @@
       </p:sp>
       <p:sp>
         <p:nvSpPr>
-          <p:cNvPr id="5" name="Espace réservé du texte 2" hidden="0"/>
+          <p:cNvPr id="5" name="Espace réservé du texte 2"/>
           <p:cNvSpPr>
             <a:spLocks noGrp="1"/>
           </p:cNvSpPr>
-          <p:nvPr isPhoto="0" userDrawn="0">
-            <p:ph type="body" idx="1" hasCustomPrompt="0"/>
+          <p:nvPr>
+            <p:ph type="body" idx="1"/>
           </p:nvPr>
         </p:nvSpPr>
         <p:spPr bwMode="auto">
@@ -2605,12 +2726,12 @@
       </p:sp>
       <p:sp>
         <p:nvSpPr>
-          <p:cNvPr id="6" name="Espace réservé de la date 3" hidden="0"/>
+          <p:cNvPr id="6" name="Espace réservé de la date 3"/>
           <p:cNvSpPr>
             <a:spLocks noGrp="1"/>
           </p:cNvSpPr>
-          <p:nvPr isPhoto="0" userDrawn="0">
-            <p:ph type="dt" sz="half" idx="10" hasCustomPrompt="0"/>
+          <p:nvPr>
+            <p:ph type="dt" sz="half" idx="10"/>
           </p:nvPr>
         </p:nvSpPr>
         <p:spPr bwMode="auto"/>
@@ -2623,7 +2744,7 @@
             </a:pPr>
             <a:fld id="{C8124DC0-0521-4211-BEB8-05A6DAB65D73}" type="datetimeFigureOut">
               <a:rPr lang="en-US"/>
-              <a:t/>
+              <a:t>9/24/2020</a:t>
             </a:fld>
             <a:endParaRPr lang="en-US"/>
           </a:p>
@@ -2631,12 +2752,12 @@
       </p:sp>
       <p:sp>
         <p:nvSpPr>
-          <p:cNvPr id="7" name="Espace réservé du pied de page 4" hidden="0"/>
+          <p:cNvPr id="7" name="Espace réservé du pied de page 4"/>
           <p:cNvSpPr>
             <a:spLocks noGrp="1"/>
           </p:cNvSpPr>
-          <p:nvPr isPhoto="0" userDrawn="0">
-            <p:ph type="ftr" sz="quarter" idx="11" hasCustomPrompt="0"/>
+          <p:nvPr>
+            <p:ph type="ftr" sz="quarter" idx="11"/>
           </p:nvPr>
         </p:nvSpPr>
         <p:spPr bwMode="auto"/>
@@ -2653,12 +2774,12 @@
       </p:sp>
       <p:sp>
         <p:nvSpPr>
-          <p:cNvPr id="8" name="Espace réservé du numéro de diapositive 5" hidden="0"/>
+          <p:cNvPr id="8" name="Espace réservé du numéro de diapositive 5"/>
           <p:cNvSpPr>
             <a:spLocks noGrp="1"/>
           </p:cNvSpPr>
-          <p:nvPr isPhoto="0" userDrawn="0">
-            <p:ph type="sldNum" sz="quarter" idx="12" hasCustomPrompt="0"/>
+          <p:nvPr>
+            <p:ph type="sldNum" sz="quarter" idx="12"/>
           </p:nvPr>
         </p:nvSpPr>
         <p:spPr bwMode="auto"/>
@@ -2671,7 +2792,7 @@
             </a:pPr>
             <a:fld id="{DA189323-8714-416F-BA52-6FB4715ED065}" type="slidenum">
               <a:rPr lang="en-US"/>
-              <a:t/>
+              <a:t>‹Nº›</a:t>
             </a:fld>
             <a:endParaRPr lang="en-US"/>
           </a:p>
@@ -2686,13 +2807,13 @@
 </file>
 
 <file path=ppt/slideLayouts/slideLayout4.xml><?xml version="1.0" encoding="utf-8"?>
-<p:sldLayout xmlns:a="http://schemas.openxmlformats.org/drawingml/2006/main" xmlns:r="http://schemas.openxmlformats.org/officeDocument/2006/relationships" xmlns:p="http://schemas.openxmlformats.org/presentationml/2006/main" xmlns:m="http://schemas.openxmlformats.org/officeDocument/2006/math" xmlns:w="http://schemas.openxmlformats.org/wordprocessingml/2006/main" matchingName="" preserve="1" showMasterPhAnim="0" type="twoObj" userDrawn="1">
+<p:sldLayout xmlns:a="http://schemas.openxmlformats.org/drawingml/2006/main" xmlns:r="http://schemas.openxmlformats.org/officeDocument/2006/relationships" xmlns:p="http://schemas.openxmlformats.org/presentationml/2006/main" showMasterPhAnim="0" type="twoObj" preserve="1" userDrawn="1">
   <p:cSld name="Deux contenus">
     <p:spTree>
       <p:nvGrpSpPr>
-        <p:cNvPr id="1" name="" hidden="0"/>
+        <p:cNvPr id="1" name=""/>
         <p:cNvGrpSpPr/>
-        <p:nvPr isPhoto="0" userDrawn="0"/>
+        <p:nvPr/>
       </p:nvGrpSpPr>
       <p:grpSpPr bwMode="auto">
         <a:xfrm>
@@ -2704,12 +2825,12 @@
       </p:grpSpPr>
       <p:sp>
         <p:nvSpPr>
-          <p:cNvPr id="4" name="Titre 1" hidden="0"/>
+          <p:cNvPr id="4" name="Titre 1"/>
           <p:cNvSpPr>
             <a:spLocks noGrp="1"/>
           </p:cNvSpPr>
-          <p:nvPr isPhoto="0" userDrawn="0">
-            <p:ph type="title" hasCustomPrompt="0"/>
+          <p:nvPr>
+            <p:ph type="title"/>
           </p:nvPr>
         </p:nvSpPr>
         <p:spPr bwMode="auto"/>
@@ -2730,12 +2851,12 @@
       </p:sp>
       <p:sp>
         <p:nvSpPr>
-          <p:cNvPr id="5" name="Espace réservé du contenu 2" hidden="0"/>
+          <p:cNvPr id="5" name="Espace réservé du contenu 2"/>
           <p:cNvSpPr>
             <a:spLocks noGrp="1"/>
           </p:cNvSpPr>
-          <p:nvPr isPhoto="0" userDrawn="0">
-            <p:ph sz="half" idx="1" hasCustomPrompt="0"/>
+          <p:nvPr>
+            <p:ph sz="half" idx="1"/>
           </p:nvPr>
         </p:nvSpPr>
         <p:spPr bwMode="auto">
@@ -2801,12 +2922,12 @@
       </p:sp>
       <p:sp>
         <p:nvSpPr>
-          <p:cNvPr id="6" name="Espace réservé du contenu 3" hidden="0"/>
+          <p:cNvPr id="6" name="Espace réservé du contenu 3"/>
           <p:cNvSpPr>
             <a:spLocks noGrp="1"/>
           </p:cNvSpPr>
-          <p:nvPr isPhoto="0" userDrawn="0">
-            <p:ph sz="half" idx="2" hasCustomPrompt="0"/>
+          <p:nvPr>
+            <p:ph sz="half" idx="2"/>
           </p:nvPr>
         </p:nvSpPr>
         <p:spPr bwMode="auto">
@@ -2872,12 +2993,12 @@
       </p:sp>
       <p:sp>
         <p:nvSpPr>
-          <p:cNvPr id="7" name="Espace réservé de la date 4" hidden="0"/>
+          <p:cNvPr id="7" name="Espace réservé de la date 4"/>
           <p:cNvSpPr>
             <a:spLocks noGrp="1"/>
           </p:cNvSpPr>
-          <p:nvPr isPhoto="0" userDrawn="0">
-            <p:ph type="dt" sz="half" idx="10" hasCustomPrompt="0"/>
+          <p:nvPr>
+            <p:ph type="dt" sz="half" idx="10"/>
           </p:nvPr>
         </p:nvSpPr>
         <p:spPr bwMode="auto"/>
@@ -2890,7 +3011,7 @@
             </a:pPr>
             <a:fld id="{C8124DC0-0521-4211-BEB8-05A6DAB65D73}" type="datetimeFigureOut">
               <a:rPr lang="en-US"/>
-              <a:t/>
+              <a:t>9/24/2020</a:t>
             </a:fld>
             <a:endParaRPr lang="en-US"/>
           </a:p>
@@ -2898,12 +3019,12 @@
       </p:sp>
       <p:sp>
         <p:nvSpPr>
-          <p:cNvPr id="8" name="Espace réservé du pied de page 5" hidden="0"/>
+          <p:cNvPr id="8" name="Espace réservé du pied de page 5"/>
           <p:cNvSpPr>
             <a:spLocks noGrp="1"/>
           </p:cNvSpPr>
-          <p:nvPr isPhoto="0" userDrawn="0">
-            <p:ph type="ftr" sz="quarter" idx="11" hasCustomPrompt="0"/>
+          <p:nvPr>
+            <p:ph type="ftr" sz="quarter" idx="11"/>
           </p:nvPr>
         </p:nvSpPr>
         <p:spPr bwMode="auto"/>
@@ -2920,12 +3041,12 @@
       </p:sp>
       <p:sp>
         <p:nvSpPr>
-          <p:cNvPr id="9" name="Espace réservé du numéro de diapositive 6" hidden="0"/>
+          <p:cNvPr id="9" name="Espace réservé du numéro de diapositive 6"/>
           <p:cNvSpPr>
             <a:spLocks noGrp="1"/>
           </p:cNvSpPr>
-          <p:nvPr isPhoto="0" userDrawn="0">
-            <p:ph type="sldNum" sz="quarter" idx="12" hasCustomPrompt="0"/>
+          <p:nvPr>
+            <p:ph type="sldNum" sz="quarter" idx="12"/>
           </p:nvPr>
         </p:nvSpPr>
         <p:spPr bwMode="auto"/>
@@ -2938,7 +3059,7 @@
             </a:pPr>
             <a:fld id="{DA189323-8714-416F-BA52-6FB4715ED065}" type="slidenum">
               <a:rPr lang="en-US"/>
-              <a:t/>
+              <a:t>‹Nº›</a:t>
             </a:fld>
             <a:endParaRPr lang="en-US"/>
           </a:p>
@@ -2953,13 +3074,13 @@
 </file>
 
 <file path=ppt/slideLayouts/slideLayout5.xml><?xml version="1.0" encoding="utf-8"?>
-<p:sldLayout xmlns:a="http://schemas.openxmlformats.org/drawingml/2006/main" xmlns:r="http://schemas.openxmlformats.org/officeDocument/2006/relationships" xmlns:p="http://schemas.openxmlformats.org/presentationml/2006/main" xmlns:m="http://schemas.openxmlformats.org/officeDocument/2006/math" xmlns:w="http://schemas.openxmlformats.org/wordprocessingml/2006/main" matchingName="" preserve="1" showMasterPhAnim="0" type="twoTxTwoObj" userDrawn="1">
+<p:sldLayout xmlns:a="http://schemas.openxmlformats.org/drawingml/2006/main" xmlns:r="http://schemas.openxmlformats.org/officeDocument/2006/relationships" xmlns:p="http://schemas.openxmlformats.org/presentationml/2006/main" showMasterPhAnim="0" type="twoTxTwoObj" preserve="1" userDrawn="1">
   <p:cSld name="Comparaison">
     <p:spTree>
       <p:nvGrpSpPr>
-        <p:cNvPr id="1" name="" hidden="0"/>
+        <p:cNvPr id="1" name=""/>
         <p:cNvGrpSpPr/>
-        <p:nvPr isPhoto="0" userDrawn="0"/>
+        <p:nvPr/>
       </p:nvGrpSpPr>
       <p:grpSpPr bwMode="auto">
         <a:xfrm>
@@ -2971,12 +3092,12 @@
       </p:grpSpPr>
       <p:sp>
         <p:nvSpPr>
-          <p:cNvPr id="4" name="Titre 1" hidden="0"/>
+          <p:cNvPr id="4" name="Titre 1"/>
           <p:cNvSpPr>
             <a:spLocks noGrp="1"/>
           </p:cNvSpPr>
-          <p:nvPr isPhoto="0" userDrawn="0">
-            <p:ph type="title" hasCustomPrompt="0"/>
+          <p:nvPr>
+            <p:ph type="title"/>
           </p:nvPr>
         </p:nvSpPr>
         <p:spPr bwMode="auto">
@@ -3002,12 +3123,12 @@
       </p:sp>
       <p:sp>
         <p:nvSpPr>
-          <p:cNvPr id="5" name="Espace réservé du texte 2" hidden="0"/>
+          <p:cNvPr id="5" name="Espace réservé du texte 2"/>
           <p:cNvSpPr>
             <a:spLocks noGrp="1"/>
           </p:cNvSpPr>
-          <p:nvPr isPhoto="0" userDrawn="0">
-            <p:ph type="body" idx="1" hasCustomPrompt="0"/>
+          <p:nvPr>
+            <p:ph type="body" idx="1"/>
           </p:nvPr>
         </p:nvSpPr>
         <p:spPr bwMode="auto">
@@ -3070,12 +3191,12 @@
       </p:sp>
       <p:sp>
         <p:nvSpPr>
-          <p:cNvPr id="6" name="Espace réservé du contenu 3" hidden="0"/>
+          <p:cNvPr id="6" name="Espace réservé du contenu 3"/>
           <p:cNvSpPr>
             <a:spLocks noGrp="1"/>
           </p:cNvSpPr>
-          <p:nvPr isPhoto="0" userDrawn="0">
-            <p:ph sz="half" idx="2" hasCustomPrompt="0"/>
+          <p:nvPr>
+            <p:ph sz="half" idx="2"/>
           </p:nvPr>
         </p:nvSpPr>
         <p:spPr bwMode="auto">
@@ -3141,12 +3262,12 @@
       </p:sp>
       <p:sp>
         <p:nvSpPr>
-          <p:cNvPr id="7" name="Espace réservé du texte 4" hidden="0"/>
+          <p:cNvPr id="7" name="Espace réservé du texte 4"/>
           <p:cNvSpPr>
             <a:spLocks noGrp="1"/>
           </p:cNvSpPr>
-          <p:nvPr isPhoto="0" userDrawn="0">
-            <p:ph type="body" sz="quarter" idx="3" hasCustomPrompt="0"/>
+          <p:nvPr>
+            <p:ph type="body" sz="quarter" idx="3"/>
           </p:nvPr>
         </p:nvSpPr>
         <p:spPr bwMode="auto">
@@ -3209,12 +3330,12 @@
       </p:sp>
       <p:sp>
         <p:nvSpPr>
-          <p:cNvPr id="8" name="Espace réservé du contenu 5" hidden="0"/>
+          <p:cNvPr id="8" name="Espace réservé du contenu 5"/>
           <p:cNvSpPr>
             <a:spLocks noGrp="1"/>
           </p:cNvSpPr>
-          <p:nvPr isPhoto="0" userDrawn="0">
-            <p:ph sz="quarter" idx="4" hasCustomPrompt="0"/>
+          <p:nvPr>
+            <p:ph sz="quarter" idx="4"/>
           </p:nvPr>
         </p:nvSpPr>
         <p:spPr bwMode="auto">
@@ -3280,12 +3401,12 @@
       </p:sp>
       <p:sp>
         <p:nvSpPr>
-          <p:cNvPr id="9" name="Espace réservé de la date 6" hidden="0"/>
+          <p:cNvPr id="9" name="Espace réservé de la date 6"/>
           <p:cNvSpPr>
             <a:spLocks noGrp="1"/>
           </p:cNvSpPr>
-          <p:nvPr isPhoto="0" userDrawn="0">
-            <p:ph type="dt" sz="half" idx="10" hasCustomPrompt="0"/>
+          <p:nvPr>
+            <p:ph type="dt" sz="half" idx="10"/>
           </p:nvPr>
         </p:nvSpPr>
         <p:spPr bwMode="auto"/>
@@ -3298,7 +3419,7 @@
             </a:pPr>
             <a:fld id="{C8124DC0-0521-4211-BEB8-05A6DAB65D73}" type="datetimeFigureOut">
               <a:rPr lang="en-US"/>
-              <a:t/>
+              <a:t>9/24/2020</a:t>
             </a:fld>
             <a:endParaRPr lang="en-US"/>
           </a:p>
@@ -3306,12 +3427,12 @@
       </p:sp>
       <p:sp>
         <p:nvSpPr>
-          <p:cNvPr id="10" name="Espace réservé du pied de page 7" hidden="0"/>
+          <p:cNvPr id="10" name="Espace réservé du pied de page 7"/>
           <p:cNvSpPr>
             <a:spLocks noGrp="1"/>
           </p:cNvSpPr>
-          <p:nvPr isPhoto="0" userDrawn="0">
-            <p:ph type="ftr" sz="quarter" idx="11" hasCustomPrompt="0"/>
+          <p:nvPr>
+            <p:ph type="ftr" sz="quarter" idx="11"/>
           </p:nvPr>
         </p:nvSpPr>
         <p:spPr bwMode="auto"/>
@@ -3328,12 +3449,12 @@
       </p:sp>
       <p:sp>
         <p:nvSpPr>
-          <p:cNvPr id="11" name="Espace réservé du numéro de diapositive 8" hidden="0"/>
+          <p:cNvPr id="11" name="Espace réservé du numéro de diapositive 8"/>
           <p:cNvSpPr>
             <a:spLocks noGrp="1"/>
           </p:cNvSpPr>
-          <p:nvPr isPhoto="0" userDrawn="0">
-            <p:ph type="sldNum" sz="quarter" idx="12" hasCustomPrompt="0"/>
+          <p:nvPr>
+            <p:ph type="sldNum" sz="quarter" idx="12"/>
           </p:nvPr>
         </p:nvSpPr>
         <p:spPr bwMode="auto"/>
@@ -3346,7 +3467,7 @@
             </a:pPr>
             <a:fld id="{DA189323-8714-416F-BA52-6FB4715ED065}" type="slidenum">
               <a:rPr lang="en-US"/>
-              <a:t/>
+              <a:t>‹Nº›</a:t>
             </a:fld>
             <a:endParaRPr lang="en-US"/>
           </a:p>
@@ -3361,13 +3482,13 @@
 </file>
 
 <file path=ppt/slideLayouts/slideLayout6.xml><?xml version="1.0" encoding="utf-8"?>
-<p:sldLayout xmlns:a="http://schemas.openxmlformats.org/drawingml/2006/main" xmlns:r="http://schemas.openxmlformats.org/officeDocument/2006/relationships" xmlns:p="http://schemas.openxmlformats.org/presentationml/2006/main" xmlns:m="http://schemas.openxmlformats.org/officeDocument/2006/math" xmlns:w="http://schemas.openxmlformats.org/wordprocessingml/2006/main" matchingName="" preserve="1" showMasterPhAnim="0" type="titleOnly" userDrawn="1">
+<p:sldLayout xmlns:a="http://schemas.openxmlformats.org/drawingml/2006/main" xmlns:r="http://schemas.openxmlformats.org/officeDocument/2006/relationships" xmlns:p="http://schemas.openxmlformats.org/presentationml/2006/main" showMasterPhAnim="0" type="titleOnly" preserve="1" userDrawn="1">
   <p:cSld name="Titre seul">
     <p:spTree>
       <p:nvGrpSpPr>
-        <p:cNvPr id="1" name="" hidden="0"/>
+        <p:cNvPr id="1" name=""/>
         <p:cNvGrpSpPr/>
-        <p:nvPr isPhoto="0" userDrawn="0"/>
+        <p:nvPr/>
       </p:nvGrpSpPr>
       <p:grpSpPr bwMode="auto">
         <a:xfrm>
@@ -3379,12 +3500,12 @@
       </p:grpSpPr>
       <p:sp>
         <p:nvSpPr>
-          <p:cNvPr id="4" name="Titre 1" hidden="0"/>
+          <p:cNvPr id="4" name="Titre 1"/>
           <p:cNvSpPr>
             <a:spLocks noGrp="1"/>
           </p:cNvSpPr>
-          <p:nvPr isPhoto="0" userDrawn="0">
-            <p:ph type="title" hasCustomPrompt="0"/>
+          <p:nvPr>
+            <p:ph type="title"/>
           </p:nvPr>
         </p:nvSpPr>
         <p:spPr bwMode="auto"/>
@@ -3405,12 +3526,12 @@
       </p:sp>
       <p:sp>
         <p:nvSpPr>
-          <p:cNvPr id="5" name="Espace réservé de la date 2" hidden="0"/>
+          <p:cNvPr id="5" name="Espace réservé de la date 2"/>
           <p:cNvSpPr>
             <a:spLocks noGrp="1"/>
           </p:cNvSpPr>
-          <p:nvPr isPhoto="0" userDrawn="0">
-            <p:ph type="dt" sz="half" idx="10" hasCustomPrompt="0"/>
+          <p:nvPr>
+            <p:ph type="dt" sz="half" idx="10"/>
           </p:nvPr>
         </p:nvSpPr>
         <p:spPr bwMode="auto"/>
@@ -3423,7 +3544,7 @@
             </a:pPr>
             <a:fld id="{C8124DC0-0521-4211-BEB8-05A6DAB65D73}" type="datetimeFigureOut">
               <a:rPr lang="en-US"/>
-              <a:t/>
+              <a:t>9/24/2020</a:t>
             </a:fld>
             <a:endParaRPr lang="en-US"/>
           </a:p>
@@ -3431,12 +3552,12 @@
       </p:sp>
       <p:sp>
         <p:nvSpPr>
-          <p:cNvPr id="6" name="Espace réservé du pied de page 3" hidden="0"/>
+          <p:cNvPr id="6" name="Espace réservé du pied de page 3"/>
           <p:cNvSpPr>
             <a:spLocks noGrp="1"/>
           </p:cNvSpPr>
-          <p:nvPr isPhoto="0" userDrawn="0">
-            <p:ph type="ftr" sz="quarter" idx="11" hasCustomPrompt="0"/>
+          <p:nvPr>
+            <p:ph type="ftr" sz="quarter" idx="11"/>
           </p:nvPr>
         </p:nvSpPr>
         <p:spPr bwMode="auto"/>
@@ -3453,12 +3574,12 @@
       </p:sp>
       <p:sp>
         <p:nvSpPr>
-          <p:cNvPr id="7" name="Espace réservé du numéro de diapositive 4" hidden="0"/>
+          <p:cNvPr id="7" name="Espace réservé du numéro de diapositive 4"/>
           <p:cNvSpPr>
             <a:spLocks noGrp="1"/>
           </p:cNvSpPr>
-          <p:nvPr isPhoto="0" userDrawn="0">
-            <p:ph type="sldNum" sz="quarter" idx="12" hasCustomPrompt="0"/>
+          <p:nvPr>
+            <p:ph type="sldNum" sz="quarter" idx="12"/>
           </p:nvPr>
         </p:nvSpPr>
         <p:spPr bwMode="auto"/>
@@ -3471,7 +3592,7 @@
             </a:pPr>
             <a:fld id="{DA189323-8714-416F-BA52-6FB4715ED065}" type="slidenum">
               <a:rPr lang="en-US"/>
-              <a:t/>
+              <a:t>‹Nº›</a:t>
             </a:fld>
             <a:endParaRPr lang="en-US"/>
           </a:p>
@@ -3486,13 +3607,13 @@
 </file>
 
 <file path=ppt/slideLayouts/slideLayout7.xml><?xml version="1.0" encoding="utf-8"?>
-<p:sldLayout xmlns:a="http://schemas.openxmlformats.org/drawingml/2006/main" xmlns:r="http://schemas.openxmlformats.org/officeDocument/2006/relationships" xmlns:p="http://schemas.openxmlformats.org/presentationml/2006/main" xmlns:m="http://schemas.openxmlformats.org/officeDocument/2006/math" xmlns:w="http://schemas.openxmlformats.org/wordprocessingml/2006/main" matchingName="" preserve="1" showMasterPhAnim="0" type="blank" userDrawn="1">
+<p:sldLayout xmlns:a="http://schemas.openxmlformats.org/drawingml/2006/main" xmlns:r="http://schemas.openxmlformats.org/officeDocument/2006/relationships" xmlns:p="http://schemas.openxmlformats.org/presentationml/2006/main" showMasterPhAnim="0" type="blank" preserve="1" userDrawn="1">
   <p:cSld name="Vide">
     <p:spTree>
       <p:nvGrpSpPr>
-        <p:cNvPr id="1" name="" hidden="0"/>
+        <p:cNvPr id="1" name=""/>
         <p:cNvGrpSpPr/>
-        <p:nvPr isPhoto="0" userDrawn="0"/>
+        <p:nvPr/>
       </p:nvGrpSpPr>
       <p:grpSpPr bwMode="auto">
         <a:xfrm>
@@ -3504,12 +3625,12 @@
       </p:grpSpPr>
       <p:sp>
         <p:nvSpPr>
-          <p:cNvPr id="4" name="Espace réservé de la date 1" hidden="0"/>
+          <p:cNvPr id="4" name="Espace réservé de la date 1"/>
           <p:cNvSpPr>
             <a:spLocks noGrp="1"/>
           </p:cNvSpPr>
-          <p:nvPr isPhoto="0" userDrawn="0">
-            <p:ph type="dt" sz="half" idx="10" hasCustomPrompt="0"/>
+          <p:nvPr>
+            <p:ph type="dt" sz="half" idx="10"/>
           </p:nvPr>
         </p:nvSpPr>
         <p:spPr bwMode="auto"/>
@@ -3522,7 +3643,7 @@
             </a:pPr>
             <a:fld id="{C8124DC0-0521-4211-BEB8-05A6DAB65D73}" type="datetimeFigureOut">
               <a:rPr lang="en-US"/>
-              <a:t/>
+              <a:t>9/24/2020</a:t>
             </a:fld>
             <a:endParaRPr lang="en-US"/>
           </a:p>
@@ -3530,12 +3651,12 @@
       </p:sp>
       <p:sp>
         <p:nvSpPr>
-          <p:cNvPr id="5" name="Espace réservé du pied de page 2" hidden="0"/>
+          <p:cNvPr id="5" name="Espace réservé du pied de page 2"/>
           <p:cNvSpPr>
             <a:spLocks noGrp="1"/>
           </p:cNvSpPr>
-          <p:nvPr isPhoto="0" userDrawn="0">
-            <p:ph type="ftr" sz="quarter" idx="11" hasCustomPrompt="0"/>
+          <p:nvPr>
+            <p:ph type="ftr" sz="quarter" idx="11"/>
           </p:nvPr>
         </p:nvSpPr>
         <p:spPr bwMode="auto"/>
@@ -3552,12 +3673,12 @@
       </p:sp>
       <p:sp>
         <p:nvSpPr>
-          <p:cNvPr id="6" name="Espace réservé du numéro de diapositive 3" hidden="0"/>
+          <p:cNvPr id="6" name="Espace réservé du numéro de diapositive 3"/>
           <p:cNvSpPr>
             <a:spLocks noGrp="1"/>
           </p:cNvSpPr>
-          <p:nvPr isPhoto="0" userDrawn="0">
-            <p:ph type="sldNum" sz="quarter" idx="12" hasCustomPrompt="0"/>
+          <p:nvPr>
+            <p:ph type="sldNum" sz="quarter" idx="12"/>
           </p:nvPr>
         </p:nvSpPr>
         <p:spPr bwMode="auto"/>
@@ -3570,7 +3691,7 @@
             </a:pPr>
             <a:fld id="{DA189323-8714-416F-BA52-6FB4715ED065}" type="slidenum">
               <a:rPr lang="en-US"/>
-              <a:t/>
+              <a:t>‹Nº›</a:t>
             </a:fld>
             <a:endParaRPr lang="en-US"/>
           </a:p>
@@ -3585,13 +3706,13 @@
 </file>
 
 <file path=ppt/slideLayouts/slideLayout8.xml><?xml version="1.0" encoding="utf-8"?>
-<p:sldLayout xmlns:a="http://schemas.openxmlformats.org/drawingml/2006/main" xmlns:r="http://schemas.openxmlformats.org/officeDocument/2006/relationships" xmlns:p="http://schemas.openxmlformats.org/presentationml/2006/main" xmlns:m="http://schemas.openxmlformats.org/officeDocument/2006/math" xmlns:w="http://schemas.openxmlformats.org/wordprocessingml/2006/main" matchingName="" preserve="1" showMasterPhAnim="0" type="objTx" userDrawn="1">
+<p:sldLayout xmlns:a="http://schemas.openxmlformats.org/drawingml/2006/main" xmlns:r="http://schemas.openxmlformats.org/officeDocument/2006/relationships" xmlns:p="http://schemas.openxmlformats.org/presentationml/2006/main" showMasterPhAnim="0" type="objTx" preserve="1" userDrawn="1">
   <p:cSld name="Contenu avec légende">
     <p:spTree>
       <p:nvGrpSpPr>
-        <p:cNvPr id="1" name="" hidden="0"/>
+        <p:cNvPr id="1" name=""/>
         <p:cNvGrpSpPr/>
-        <p:nvPr isPhoto="0" userDrawn="0"/>
+        <p:nvPr/>
       </p:nvGrpSpPr>
       <p:grpSpPr bwMode="auto">
         <a:xfrm>
@@ -3603,12 +3724,12 @@
       </p:grpSpPr>
       <p:sp>
         <p:nvSpPr>
-          <p:cNvPr id="4" name="Titre 1" hidden="0"/>
+          <p:cNvPr id="4" name="Titre 1"/>
           <p:cNvSpPr>
             <a:spLocks noGrp="1"/>
           </p:cNvSpPr>
-          <p:nvPr isPhoto="0" userDrawn="0">
-            <p:ph type="title" hasCustomPrompt="0"/>
+          <p:nvPr>
+            <p:ph type="title"/>
           </p:nvPr>
         </p:nvSpPr>
         <p:spPr bwMode="auto">
@@ -3638,12 +3759,12 @@
       </p:sp>
       <p:sp>
         <p:nvSpPr>
-          <p:cNvPr id="5" name="Espace réservé du contenu 2" hidden="0"/>
+          <p:cNvPr id="5" name="Espace réservé du contenu 2"/>
           <p:cNvSpPr>
             <a:spLocks noGrp="1"/>
           </p:cNvSpPr>
-          <p:nvPr isPhoto="0" userDrawn="0">
-            <p:ph idx="1" hasCustomPrompt="0"/>
+          <p:nvPr>
+            <p:ph idx="1"/>
           </p:nvPr>
         </p:nvSpPr>
         <p:spPr bwMode="auto">
@@ -3737,12 +3858,12 @@
       </p:sp>
       <p:sp>
         <p:nvSpPr>
-          <p:cNvPr id="6" name="Espace réservé du texte 3" hidden="0"/>
+          <p:cNvPr id="6" name="Espace réservé du texte 3"/>
           <p:cNvSpPr>
             <a:spLocks noGrp="1"/>
           </p:cNvSpPr>
-          <p:nvPr isPhoto="0" userDrawn="0">
-            <p:ph type="body" sz="half" idx="2" hasCustomPrompt="0"/>
+          <p:nvPr>
+            <p:ph type="body" sz="half" idx="2"/>
           </p:nvPr>
         </p:nvSpPr>
         <p:spPr bwMode="auto">
@@ -3805,12 +3926,12 @@
       </p:sp>
       <p:sp>
         <p:nvSpPr>
-          <p:cNvPr id="7" name="Espace réservé de la date 4" hidden="0"/>
+          <p:cNvPr id="7" name="Espace réservé de la date 4"/>
           <p:cNvSpPr>
             <a:spLocks noGrp="1"/>
           </p:cNvSpPr>
-          <p:nvPr isPhoto="0" userDrawn="0">
-            <p:ph type="dt" sz="half" idx="10" hasCustomPrompt="0"/>
+          <p:nvPr>
+            <p:ph type="dt" sz="half" idx="10"/>
           </p:nvPr>
         </p:nvSpPr>
         <p:spPr bwMode="auto"/>
@@ -3823,7 +3944,7 @@
             </a:pPr>
             <a:fld id="{C8124DC0-0521-4211-BEB8-05A6DAB65D73}" type="datetimeFigureOut">
               <a:rPr lang="en-US"/>
-              <a:t/>
+              <a:t>9/24/2020</a:t>
             </a:fld>
             <a:endParaRPr lang="en-US"/>
           </a:p>
@@ -3831,12 +3952,12 @@
       </p:sp>
       <p:sp>
         <p:nvSpPr>
-          <p:cNvPr id="8" name="Espace réservé du pied de page 5" hidden="0"/>
+          <p:cNvPr id="8" name="Espace réservé du pied de page 5"/>
           <p:cNvSpPr>
             <a:spLocks noGrp="1"/>
           </p:cNvSpPr>
-          <p:nvPr isPhoto="0" userDrawn="0">
-            <p:ph type="ftr" sz="quarter" idx="11" hasCustomPrompt="0"/>
+          <p:nvPr>
+            <p:ph type="ftr" sz="quarter" idx="11"/>
           </p:nvPr>
         </p:nvSpPr>
         <p:spPr bwMode="auto"/>
@@ -3853,12 +3974,12 @@
       </p:sp>
       <p:sp>
         <p:nvSpPr>
-          <p:cNvPr id="9" name="Espace réservé du numéro de diapositive 6" hidden="0"/>
+          <p:cNvPr id="9" name="Espace réservé du numéro de diapositive 6"/>
           <p:cNvSpPr>
             <a:spLocks noGrp="1"/>
           </p:cNvSpPr>
-          <p:nvPr isPhoto="0" userDrawn="0">
-            <p:ph type="sldNum" sz="quarter" idx="12" hasCustomPrompt="0"/>
+          <p:nvPr>
+            <p:ph type="sldNum" sz="quarter" idx="12"/>
           </p:nvPr>
         </p:nvSpPr>
         <p:spPr bwMode="auto"/>
@@ -3871,7 +3992,7 @@
             </a:pPr>
             <a:fld id="{DA189323-8714-416F-BA52-6FB4715ED065}" type="slidenum">
               <a:rPr lang="en-US"/>
-              <a:t/>
+              <a:t>‹Nº›</a:t>
             </a:fld>
             <a:endParaRPr lang="en-US"/>
           </a:p>
@@ -3886,13 +4007,13 @@
 </file>
 
 <file path=ppt/slideLayouts/slideLayout9.xml><?xml version="1.0" encoding="utf-8"?>
-<p:sldLayout xmlns:a="http://schemas.openxmlformats.org/drawingml/2006/main" xmlns:r="http://schemas.openxmlformats.org/officeDocument/2006/relationships" xmlns:p="http://schemas.openxmlformats.org/presentationml/2006/main" xmlns:m="http://schemas.openxmlformats.org/officeDocument/2006/math" xmlns:w="http://schemas.openxmlformats.org/wordprocessingml/2006/main" matchingName="" preserve="1" showMasterPhAnim="0" type="picTx" userDrawn="1">
+<p:sldLayout xmlns:a="http://schemas.openxmlformats.org/drawingml/2006/main" xmlns:r="http://schemas.openxmlformats.org/officeDocument/2006/relationships" xmlns:p="http://schemas.openxmlformats.org/presentationml/2006/main" showMasterPhAnim="0" type="picTx" preserve="1" userDrawn="1">
   <p:cSld name="Image avec légende">
     <p:spTree>
       <p:nvGrpSpPr>
-        <p:cNvPr id="1" name="" hidden="0"/>
+        <p:cNvPr id="1" name=""/>
         <p:cNvGrpSpPr/>
-        <p:nvPr isPhoto="0" userDrawn="0"/>
+        <p:nvPr/>
       </p:nvGrpSpPr>
       <p:grpSpPr bwMode="auto">
         <a:xfrm>
@@ -3904,12 +4025,12 @@
       </p:grpSpPr>
       <p:sp>
         <p:nvSpPr>
-          <p:cNvPr id="4" name="Titre 1" hidden="0"/>
+          <p:cNvPr id="4" name="Titre 1"/>
           <p:cNvSpPr>
             <a:spLocks noGrp="1"/>
           </p:cNvSpPr>
-          <p:nvPr isPhoto="0" userDrawn="0">
-            <p:ph type="title" hasCustomPrompt="0"/>
+          <p:nvPr>
+            <p:ph type="title"/>
           </p:nvPr>
         </p:nvSpPr>
         <p:spPr bwMode="auto">
@@ -3939,12 +4060,12 @@
       </p:sp>
       <p:sp>
         <p:nvSpPr>
-          <p:cNvPr id="5" name="Espace réservé pour une image  2" hidden="0"/>
+          <p:cNvPr id="5" name="Espace réservé pour une image  2"/>
           <p:cNvSpPr>
             <a:spLocks noGrp="1"/>
           </p:cNvSpPr>
-          <p:nvPr isPhoto="0" userDrawn="0">
-            <p:ph type="pic" idx="1" hasCustomPrompt="0"/>
+          <p:nvPr>
+            <p:ph type="pic" idx="1"/>
           </p:nvPr>
         </p:nvSpPr>
         <p:spPr bwMode="auto">
@@ -4003,12 +4124,12 @@
       </p:sp>
       <p:sp>
         <p:nvSpPr>
-          <p:cNvPr id="6" name="Espace réservé du texte 3" hidden="0"/>
+          <p:cNvPr id="6" name="Espace réservé du texte 3"/>
           <p:cNvSpPr>
             <a:spLocks noGrp="1"/>
           </p:cNvSpPr>
-          <p:nvPr isPhoto="0" userDrawn="0">
-            <p:ph type="body" sz="half" idx="2" hasCustomPrompt="0"/>
+          <p:nvPr>
+            <p:ph type="body" sz="half" idx="2"/>
           </p:nvPr>
         </p:nvSpPr>
         <p:spPr bwMode="auto">
@@ -4071,12 +4192,12 @@
       </p:sp>
       <p:sp>
         <p:nvSpPr>
-          <p:cNvPr id="7" name="Espace réservé de la date 4" hidden="0"/>
+          <p:cNvPr id="7" name="Espace réservé de la date 4"/>
           <p:cNvSpPr>
             <a:spLocks noGrp="1"/>
           </p:cNvSpPr>
-          <p:nvPr isPhoto="0" userDrawn="0">
-            <p:ph type="dt" sz="half" idx="10" hasCustomPrompt="0"/>
+          <p:nvPr>
+            <p:ph type="dt" sz="half" idx="10"/>
           </p:nvPr>
         </p:nvSpPr>
         <p:spPr bwMode="auto"/>
@@ -4089,7 +4210,7 @@
             </a:pPr>
             <a:fld id="{C8124DC0-0521-4211-BEB8-05A6DAB65D73}" type="datetimeFigureOut">
               <a:rPr lang="en-US"/>
-              <a:t/>
+              <a:t>9/24/2020</a:t>
             </a:fld>
             <a:endParaRPr lang="en-US"/>
           </a:p>
@@ -4097,12 +4218,12 @@
       </p:sp>
       <p:sp>
         <p:nvSpPr>
-          <p:cNvPr id="8" name="Espace réservé du pied de page 5" hidden="0"/>
+          <p:cNvPr id="8" name="Espace réservé du pied de page 5"/>
           <p:cNvSpPr>
             <a:spLocks noGrp="1"/>
           </p:cNvSpPr>
-          <p:nvPr isPhoto="0" userDrawn="0">
-            <p:ph type="ftr" sz="quarter" idx="11" hasCustomPrompt="0"/>
+          <p:nvPr>
+            <p:ph type="ftr" sz="quarter" idx="11"/>
           </p:nvPr>
         </p:nvSpPr>
         <p:spPr bwMode="auto"/>
@@ -4119,12 +4240,12 @@
       </p:sp>
       <p:sp>
         <p:nvSpPr>
-          <p:cNvPr id="9" name="Espace réservé du numéro de diapositive 6" hidden="0"/>
+          <p:cNvPr id="9" name="Espace réservé du numéro de diapositive 6"/>
           <p:cNvSpPr>
             <a:spLocks noGrp="1"/>
           </p:cNvSpPr>
-          <p:nvPr isPhoto="0" userDrawn="0">
-            <p:ph type="sldNum" sz="quarter" idx="12" hasCustomPrompt="0"/>
+          <p:nvPr>
+            <p:ph type="sldNum" sz="quarter" idx="12"/>
           </p:nvPr>
         </p:nvSpPr>
         <p:spPr bwMode="auto"/>
@@ -4137,7 +4258,7 @@
             </a:pPr>
             <a:fld id="{DA189323-8714-416F-BA52-6FB4715ED065}" type="slidenum">
               <a:rPr lang="en-US"/>
-              <a:t/>
+              <a:t>‹Nº›</a:t>
             </a:fld>
             <a:endParaRPr lang="en-US"/>
           </a:p>
@@ -4152,8 +4273,8 @@
 </file>
 
 <file path=ppt/slideMasters/slideMaster1.xml><?xml version="1.0" encoding="utf-8"?>
-<p:sldMaster xmlns:a="http://schemas.openxmlformats.org/drawingml/2006/main" xmlns:r="http://schemas.openxmlformats.org/officeDocument/2006/relationships" xmlns:p="http://schemas.openxmlformats.org/presentationml/2006/main" xmlns:m="http://schemas.openxmlformats.org/officeDocument/2006/math" xmlns:w="http://schemas.openxmlformats.org/wordprocessingml/2006/main" preserve="0">
-  <p:cSld name="">
+<p:sldMaster xmlns:a="http://schemas.openxmlformats.org/drawingml/2006/main" xmlns:r="http://schemas.openxmlformats.org/officeDocument/2006/relationships" xmlns:p="http://schemas.openxmlformats.org/presentationml/2006/main">
+  <p:cSld>
     <p:bg>
       <p:bgRef idx="1001">
         <a:schemeClr val="bg1"/>
@@ -4161,9 +4282,9 @@
     </p:bg>
     <p:spTree>
       <p:nvGrpSpPr>
-        <p:cNvPr id="1" name="" hidden="0"/>
+        <p:cNvPr id="1" name=""/>
         <p:cNvGrpSpPr/>
-        <p:nvPr isPhoto="0" userDrawn="0"/>
+        <p:nvPr/>
       </p:nvGrpSpPr>
       <p:grpSpPr bwMode="auto">
         <a:xfrm>
@@ -4175,12 +4296,12 @@
       </p:grpSpPr>
       <p:sp>
         <p:nvSpPr>
-          <p:cNvPr id="4" name="Espace réservé du titre 1" hidden="0"/>
+          <p:cNvPr id="4" name="Espace réservé du titre 1"/>
           <p:cNvSpPr>
             <a:spLocks noGrp="1"/>
           </p:cNvSpPr>
-          <p:nvPr isPhoto="0" userDrawn="0">
-            <p:ph type="title" hasCustomPrompt="0"/>
+          <p:nvPr>
+            <p:ph type="title"/>
           </p:nvPr>
         </p:nvSpPr>
         <p:spPr bwMode="auto">
@@ -4211,12 +4332,12 @@
       </p:sp>
       <p:sp>
         <p:nvSpPr>
-          <p:cNvPr id="5" name="Espace réservé du texte 2" hidden="0"/>
+          <p:cNvPr id="5" name="Espace réservé du texte 2"/>
           <p:cNvSpPr>
             <a:spLocks noGrp="1"/>
           </p:cNvSpPr>
-          <p:nvPr isPhoto="0" userDrawn="0">
-            <p:ph type="body" idx="1" hasCustomPrompt="0"/>
+          <p:nvPr>
+            <p:ph type="body" idx="1"/>
           </p:nvPr>
         </p:nvSpPr>
         <p:spPr bwMode="auto">
@@ -4287,12 +4408,12 @@
       </p:sp>
       <p:sp>
         <p:nvSpPr>
-          <p:cNvPr id="6" name="Espace réservé de la date 3" hidden="0"/>
+          <p:cNvPr id="6" name="Espace réservé de la date 3"/>
           <p:cNvSpPr>
             <a:spLocks noGrp="1"/>
           </p:cNvSpPr>
-          <p:nvPr isPhoto="0" userDrawn="0">
-            <p:ph type="dt" sz="half" idx="2" hasCustomPrompt="0"/>
+          <p:nvPr>
+            <p:ph type="dt" sz="half" idx="2"/>
           </p:nvPr>
         </p:nvSpPr>
         <p:spPr bwMode="auto">
@@ -4323,7 +4444,7 @@
             </a:pPr>
             <a:fld id="{C8124DC0-0521-4211-BEB8-05A6DAB65D73}" type="datetimeFigureOut">
               <a:rPr lang="en-US"/>
-              <a:t/>
+              <a:t>9/24/2020</a:t>
             </a:fld>
             <a:endParaRPr lang="en-US"/>
           </a:p>
@@ -4331,12 +4452,12 @@
       </p:sp>
       <p:sp>
         <p:nvSpPr>
-          <p:cNvPr id="7" name="Espace réservé du pied de page 4" hidden="0"/>
+          <p:cNvPr id="7" name="Espace réservé du pied de page 4"/>
           <p:cNvSpPr>
             <a:spLocks noGrp="1"/>
           </p:cNvSpPr>
-          <p:nvPr isPhoto="0" userDrawn="0">
-            <p:ph type="ftr" sz="quarter" idx="3" hasCustomPrompt="0"/>
+          <p:nvPr>
+            <p:ph type="ftr" sz="quarter" idx="3"/>
           </p:nvPr>
         </p:nvSpPr>
         <p:spPr bwMode="auto">
@@ -4371,12 +4492,12 @@
       </p:sp>
       <p:sp>
         <p:nvSpPr>
-          <p:cNvPr id="8" name="Espace réservé du numéro de diapositive 5" hidden="0"/>
+          <p:cNvPr id="8" name="Espace réservé du numéro de diapositive 5"/>
           <p:cNvSpPr>
             <a:spLocks noGrp="1"/>
           </p:cNvSpPr>
-          <p:nvPr isPhoto="0" userDrawn="0">
-            <p:ph type="sldNum" sz="quarter" idx="4" hasCustomPrompt="0"/>
+          <p:nvPr>
+            <p:ph type="sldNum" sz="quarter" idx="4"/>
           </p:nvPr>
         </p:nvSpPr>
         <p:spPr bwMode="auto">
@@ -4407,7 +4528,7 @@
             </a:pPr>
             <a:fld id="{DA189323-8714-416F-BA52-6FB4715ED065}" type="slidenum">
               <a:rPr lang="en-US"/>
-              <a:t/>
+              <a:t>‹Nº›</a:t>
             </a:fld>
             <a:endParaRPr lang="en-US"/>
           </a:p>
@@ -4415,7 +4536,7 @@
       </p:sp>
     </p:spTree>
   </p:cSld>
-  <p:clrMap accent1="accent1" accent2="accent2" accent3="accent3" accent4="accent4" accent5="accent5" accent6="accent6" bg1="lt1" bg2="lt2" folHlink="folHlink" hlink="hlink" tx1="dk1" tx2="dk2"/>
+  <p:clrMap bg1="lt1" tx1="dk1" bg2="lt2" tx2="dk2" accent1="accent1" accent2="accent2" accent3="accent3" accent4="accent4" accent5="accent5" accent6="accent6" hlink="hlink" folHlink="folHlink"/>
   <p:sldLayoutIdLst>
     <p:sldLayoutId id="2147483649" r:id="rId1"/>
     <p:sldLayoutId id="2147483650" r:id="rId2"/>
@@ -4713,13 +4834,13 @@
 </file>
 
 <file path=ppt/slides/slide1.xml><?xml version="1.0" encoding="utf-8"?>
-<p:sld xmlns:a="http://schemas.openxmlformats.org/drawingml/2006/main" xmlns:r="http://schemas.openxmlformats.org/officeDocument/2006/relationships" xmlns:p="http://schemas.openxmlformats.org/presentationml/2006/main" xmlns:m="http://schemas.openxmlformats.org/officeDocument/2006/math" xmlns:w="http://schemas.openxmlformats.org/wordprocessingml/2006/main" showMasterPhAnim="0" show="1">
-  <p:cSld name="">
+<p:sld xmlns:a="http://schemas.openxmlformats.org/drawingml/2006/main" xmlns:r="http://schemas.openxmlformats.org/officeDocument/2006/relationships" xmlns:p="http://schemas.openxmlformats.org/presentationml/2006/main" showMasterPhAnim="0">
+  <p:cSld>
     <p:spTree>
       <p:nvGrpSpPr>
-        <p:cNvPr id="1" name="" hidden="0"/>
+        <p:cNvPr id="1" name=""/>
         <p:cNvGrpSpPr/>
-        <p:nvPr isPhoto="0" userDrawn="0"/>
+        <p:nvPr/>
       </p:nvGrpSpPr>
       <p:grpSpPr bwMode="auto">
         <a:xfrm>
@@ -4731,12 +4852,12 @@
       </p:grpSpPr>
       <p:sp>
         <p:nvSpPr>
-          <p:cNvPr id="4" name="Titre 1" hidden="0"/>
+          <p:cNvPr id="4" name="Titre 1"/>
           <p:cNvSpPr>
             <a:spLocks noGrp="1"/>
           </p:cNvSpPr>
-          <p:nvPr isPhoto="0" userDrawn="0">
-            <p:ph type="ctrTitle" hasCustomPrompt="0"/>
+          <p:nvPr>
+            <p:ph type="ctrTitle"/>
           </p:nvPr>
         </p:nvSpPr>
         <p:spPr bwMode="auto"/>
@@ -4757,12 +4878,12 @@
       </p:sp>
       <p:sp>
         <p:nvSpPr>
-          <p:cNvPr id="5" name="Sous-titre 2" hidden="0"/>
+          <p:cNvPr id="5" name="Sous-titre 2"/>
           <p:cNvSpPr>
             <a:spLocks noGrp="1"/>
           </p:cNvSpPr>
-          <p:nvPr isPhoto="0" userDrawn="0">
-            <p:ph type="subTitle" idx="1" hasCustomPrompt="0"/>
+          <p:nvPr>
+            <p:ph type="subTitle" idx="1"/>
           </p:nvPr>
         </p:nvSpPr>
         <p:spPr bwMode="auto"/>
@@ -4782,25 +4903,17 @@
   <p:clrMapOvr>
     <a:masterClrMapping/>
   </p:clrMapOvr>
-  <mc:AlternateContent xmlns:mc="http://schemas.openxmlformats.org/markup-compatibility/2006">
-    <mc:Choice xmlns:p14="http://schemas.microsoft.com/office/powerpoint/2010/main" Requires="p14">
-      <p:transition p14:dur="2000" advClick="1"/>
-    </mc:Choice>
-    <mc:Fallback>
-      <p:transition advClick="1"/>
-    </mc:Fallback>
-  </mc:AlternateContent>
 </p:sld>
 </file>
 
 <file path=ppt/slides/slide10.xml><?xml version="1.0" encoding="utf-8"?>
-<p:sld xmlns:a="http://schemas.openxmlformats.org/drawingml/2006/main" xmlns:r="http://schemas.openxmlformats.org/officeDocument/2006/relationships" xmlns:p="http://schemas.openxmlformats.org/presentationml/2006/main" xmlns:m="http://schemas.openxmlformats.org/officeDocument/2006/math" xmlns:w="http://schemas.openxmlformats.org/wordprocessingml/2006/main" showMasterPhAnim="0" show="1">
-  <p:cSld name="">
+<p:sld xmlns:a="http://schemas.openxmlformats.org/drawingml/2006/main" xmlns:r="http://schemas.openxmlformats.org/officeDocument/2006/relationships" xmlns:p="http://schemas.openxmlformats.org/presentationml/2006/main" showMasterPhAnim="0">
+  <p:cSld>
     <p:spTree>
       <p:nvGrpSpPr>
-        <p:cNvPr id="1" name="" hidden="0"/>
+        <p:cNvPr id="1" name=""/>
         <p:cNvGrpSpPr/>
-        <p:nvPr isPhoto="0" userDrawn="0"/>
+        <p:nvPr/>
       </p:nvGrpSpPr>
       <p:grpSpPr bwMode="auto">
         <a:xfrm>
@@ -4812,15 +4925,20 @@
       </p:grpSpPr>
       <p:sp>
         <p:nvSpPr>
-          <p:cNvPr id="4" name="Titre 1" hidden="0"/>
+          <p:cNvPr id="4" name="Titre 1"/>
           <p:cNvSpPr>
             <a:spLocks noGrp="1"/>
           </p:cNvSpPr>
-          <p:nvPr isPhoto="0" userDrawn="0">
-            <p:ph type="title" hasCustomPrompt="0"/>
+          <p:nvPr>
+            <p:ph type="title"/>
           </p:nvPr>
         </p:nvSpPr>
-        <p:spPr bwMode="auto"/>
+        <p:spPr bwMode="auto">
+          <a:xfrm>
+            <a:off x="211665" y="156156"/>
+            <a:ext cx="10515600" cy="1325562"/>
+          </a:xfrm>
+        </p:spPr>
         <p:txBody>
           <a:bodyPr/>
           <a:lstStyle/>
@@ -4830,42 +4948,7 @@
             </a:pPr>
             <a:r>
               <a:rPr lang="en-US"/>
-              <a:t>On a real Real architecture</a:t>
-            </a:r>
-            <a:endParaRPr/>
-          </a:p>
-        </p:txBody>
-      </p:sp>
-      <p:sp>
-        <p:nvSpPr>
-          <p:cNvPr id="5" name="ZoneTexte 9" hidden="0"/>
-          <p:cNvSpPr>
-            <a:spLocks noAdjustHandles="0" noChangeArrowheads="0"/>
-          </p:cNvSpPr>
-          <p:nvPr isPhoto="0" userDrawn="0"/>
-        </p:nvSpPr>
-        <p:spPr bwMode="auto">
-          <a:xfrm>
-            <a:off x="1384185" y="1762233"/>
-            <a:ext cx="2491193" cy="369331"/>
-          </a:xfrm>
-          <a:prstGeom prst="rect">
-            <a:avLst/>
-          </a:prstGeom>
-          <a:noFill/>
-        </p:spPr>
-        <p:txBody>
-          <a:bodyPr wrap="none" rtlCol="0">
-            <a:spAutoFit/>
-          </a:bodyPr>
-          <a:lstStyle/>
-          <a:p>
-            <a:pPr>
-              <a:defRPr/>
-            </a:pPr>
-            <a:r>
-              <a:rPr lang="en-US"/>
-              <a:t>Nvidia Fermi GPU (2011)</a:t>
+              <a:t>Mapping the hardware architecture to the programming architecture</a:t>
             </a:r>
             <a:endParaRPr/>
           </a:p>
@@ -4873,11 +4956,11 @@
       </p:sp>
       <p:pic>
         <p:nvPicPr>
-          <p:cNvPr id="6" name="Image 10" hidden="0"/>
+          <p:cNvPr id="5" name="Image 4" descr="Une image contenant capture d’écran&#10;&#10;Description générée automatiquement"/>
           <p:cNvPicPr>
             <a:picLocks noChangeAspect="1"/>
           </p:cNvPicPr>
-          <p:nvPr isPhoto="0" userDrawn="0"/>
+          <p:nvPr/>
         </p:nvPicPr>
         <p:blipFill>
           <a:blip r:embed="rId3"/>
@@ -4885,8 +4968,8 @@
         </p:blipFill>
         <p:spPr bwMode="auto">
           <a:xfrm>
-            <a:off x="416920" y="2357870"/>
-            <a:ext cx="6186102" cy="4206549"/>
+            <a:off x="1866772" y="3641775"/>
+            <a:ext cx="4070534" cy="3173315"/>
           </a:xfrm>
           <a:prstGeom prst="rect">
             <a:avLst/>
@@ -4895,16 +4978,16 @@
       </p:pic>
       <p:sp>
         <p:nvSpPr>
-          <p:cNvPr id="7" name="ZoneTexte 11" hidden="0"/>
-          <p:cNvSpPr>
-            <a:spLocks noAdjustHandles="0" noChangeArrowheads="0"/>
-          </p:cNvSpPr>
-          <p:nvPr isPhoto="0" userDrawn="0"/>
-        </p:nvSpPr>
-        <p:spPr bwMode="auto">
-          <a:xfrm>
-            <a:off x="4671185" y="1946898"/>
-            <a:ext cx="3073470" cy="914434"/>
+          <p:cNvPr id="6" name="ZoneTexte 7"/>
+          <p:cNvSpPr>
+            <a:spLocks/>
+          </p:cNvSpPr>
+          <p:nvPr/>
+        </p:nvSpPr>
+        <p:spPr bwMode="auto">
+          <a:xfrm>
+            <a:off x="338949" y="1407566"/>
+            <a:ext cx="11729432" cy="2255555"/>
           </a:xfrm>
           <a:prstGeom prst="rect">
             <a:avLst/>
@@ -4922,22 +5005,136 @@
             </a:pPr>
             <a:r>
               <a:rPr lang="en-US"/>
-              <a:t>Here it is not a core, it is a "CUDA core" so not directly comparable to the CPU core</a:t>
+              <a:t>As a GPU programmer you will :</a:t>
+            </a:r>
+          </a:p>
+          <a:p>
+            <a:pPr>
+              <a:defRPr/>
+            </a:pPr>
+            <a:r>
+              <a:rPr lang="en-US"/>
+              <a:t> * define an arithmetic instruction applied on an element of an array : </a:t>
+            </a:r>
+            <a:r>
+              <a:rPr lang="en-US" b="1"/>
+              <a:t>thread</a:t>
+            </a:r>
+            <a:r>
+              <a:rPr lang="en-US"/>
+              <a:t>.</a:t>
             </a:r>
             <a:endParaRPr/>
           </a:p>
-        </p:txBody>
-      </p:sp>
-      <p:sp>
-        <p:nvSpPr>
-          <p:cNvPr id="8" name="Rectangle 12" hidden="0"/>
+          <a:p>
+            <a:pPr>
+              <a:defRPr/>
+            </a:pPr>
+            <a:r>
+              <a:rPr lang="en-US"/>
+              <a:t> * run many threads in parallel  within a shared memory environment  : </a:t>
+            </a:r>
+            <a:r>
+              <a:rPr lang="en-US" b="1"/>
+              <a:t>block</a:t>
+            </a:r>
+            <a:r>
+              <a:rPr lang="en-US"/>
+              <a:t>s.</a:t>
+            </a:r>
+          </a:p>
+          <a:p>
+            <a:pPr>
+              <a:defRPr/>
+            </a:pPr>
+            <a:r>
+              <a:rPr lang="en-US"/>
+              <a:t>	</a:t>
+            </a:r>
+            <a:r>
+              <a:rPr lang="en-US" sz="1600"/>
+              <a:t>( block = doing the same operation in parallel on a subset of elements of your array ).</a:t>
+            </a:r>
+            <a:endParaRPr/>
+          </a:p>
+          <a:p>
+            <a:pPr>
+              <a:defRPr/>
+            </a:pPr>
+            <a:endParaRPr lang="en-US"/>
+          </a:p>
+          <a:p>
+            <a:pPr>
+              <a:defRPr/>
+            </a:pPr>
+            <a:endParaRPr lang="en-US"/>
+          </a:p>
+          <a:p>
+            <a:pPr>
+              <a:defRPr/>
+            </a:pPr>
+            <a:r>
+              <a:rPr lang="en-US"/>
+              <a:t> * manage many blocks in parallel (many blocks on the same SM, or many SM), </a:t>
+            </a:r>
+          </a:p>
+          <a:p>
+            <a:pPr>
+              <a:defRPr/>
+            </a:pPr>
+            <a:r>
+              <a:rPr lang="en-US"/>
+              <a:t>	                         or sequentially if your array exceed your GPU capacity.</a:t>
+            </a:r>
+            <a:endParaRPr/>
+          </a:p>
+        </p:txBody>
+      </p:sp>
+      <p:sp>
+        <p:nvSpPr>
+          <p:cNvPr id="7" name="ZoneTexte 8"/>
+          <p:cNvSpPr>
+            <a:spLocks/>
+          </p:cNvSpPr>
+          <p:nvPr/>
+        </p:nvSpPr>
+        <p:spPr bwMode="auto">
+          <a:xfrm rot="16199998">
+            <a:off x="2000282" y="5630333"/>
+            <a:ext cx="649537" cy="369332"/>
+          </a:xfrm>
+          <a:prstGeom prst="rect">
+            <a:avLst/>
+          </a:prstGeom>
+          <a:noFill/>
+        </p:spPr>
+        <p:txBody>
+          <a:bodyPr wrap="none" rtlCol="0">
+            <a:spAutoFit/>
+          </a:bodyPr>
+          <a:lstStyle/>
+          <a:p>
+            <a:pPr>
+              <a:defRPr/>
+            </a:pPr>
+            <a:r>
+              <a:rPr lang="en-US"/>
+              <a:t>Time</a:t>
+            </a:r>
+            <a:endParaRPr/>
+          </a:p>
+        </p:txBody>
+      </p:sp>
+      <p:sp>
+        <p:nvSpPr>
+          <p:cNvPr id="8" name="Rectangle 9"/>
           <p:cNvSpPr/>
-          <p:nvPr isPhoto="0" userDrawn="0"/>
-        </p:nvSpPr>
-        <p:spPr bwMode="auto">
-          <a:xfrm>
-            <a:off x="416920" y="6405134"/>
-            <a:ext cx="6095999" cy="461664"/>
+          <p:nvPr/>
+        </p:nvSpPr>
+        <p:spPr bwMode="auto">
+          <a:xfrm>
+            <a:off x="6203666" y="6492874"/>
+            <a:ext cx="6096000" cy="461665"/>
           </a:xfrm>
           <a:prstGeom prst="rect">
             <a:avLst/>
@@ -4953,13 +5150,53 @@
               <a:defRPr/>
             </a:pPr>
             <a:r>
-              <a:rPr lang="en-US" sz="1200" b="0" i="0">
-                <a:solidFill>
-                  <a:srgbClr val="111111"/>
-                </a:solidFill>
-                <a:latin typeface="Roboto"/>
+              <a:rPr lang="en-US" sz="1200" u="sng">
+                <a:hlinkClick r:id="rId4"/>
               </a:rPr>
-              <a:t>3D Data Denoising via Nonlocal Means Filter by Using Parallel GPU Strategies</a:t>
+              <a:t>http://developer.download.nvidia.com/compute/cuda/3_1/toolkit/docs/NVIDIA_CUDA_C_ProgrammingGuide_3.1.pdf</a:t>
+            </a:r>
+            <a:endParaRPr lang="en-US" sz="1200"/>
+          </a:p>
+        </p:txBody>
+      </p:sp>
+      <p:sp>
+        <p:nvSpPr>
+          <p:cNvPr id="9" name="ZoneTexte 7"/>
+          <p:cNvSpPr>
+            <a:spLocks/>
+          </p:cNvSpPr>
+          <p:nvPr/>
+        </p:nvSpPr>
+        <p:spPr bwMode="auto">
+          <a:xfrm>
+            <a:off x="12403949" y="156156"/>
+            <a:ext cx="11726155" cy="1463076"/>
+          </a:xfrm>
+          <a:prstGeom prst="rect">
+            <a:avLst/>
+          </a:prstGeom>
+          <a:noFill/>
+        </p:spPr>
+        <p:txBody>
+          <a:bodyPr wrap="square" rtlCol="0">
+            <a:spAutoFit/>
+          </a:bodyPr>
+          <a:lstStyle/>
+          <a:p>
+            <a:pPr>
+              <a:defRPr/>
+            </a:pPr>
+            <a:r>
+              <a:rPr lang="en-US"/>
+              <a:t>As a GPU programmer you will define an arithmetic instruction applied on an element of an array: </a:t>
+            </a:r>
+            <a:r>
+              <a:rPr lang="en-US" b="1"/>
+              <a:t>thread</a:t>
+            </a:r>
+            <a:r>
+              <a:rPr lang="en-US"/>
+              <a:t>.</a:t>
             </a:r>
             <a:endParaRPr/>
           </a:p>
@@ -4968,42 +5205,69 @@
               <a:defRPr/>
             </a:pPr>
             <a:r>
-              <a:rPr lang="en-US" sz="1200"/>
-              <a:t>DOI: 10.1155/2014/523862</a:t>
-            </a:r>
-            <a:endParaRPr lang="en-US" sz="1200" b="0" i="0">
-              <a:solidFill>
-                <a:srgbClr val="111111"/>
-              </a:solidFill>
-              <a:latin typeface="Roboto"/>
-            </a:endParaRPr>
-          </a:p>
-        </p:txBody>
-      </p:sp>
+              <a:rPr lang="en-US"/>
+              <a:t>You will run many threads in parallel  within a shared memory environment called </a:t>
+            </a:r>
+            <a:r>
+              <a:rPr lang="en-US" b="1"/>
+              <a:t>block</a:t>
+            </a:r>
+            <a:r>
+              <a:rPr lang="en-US"/>
+              <a:t>s ( A block is then you doing the same operation parallelly on a subset of elements of your array ).</a:t>
+            </a:r>
+            <a:endParaRPr/>
+          </a:p>
+          <a:p>
+            <a:pPr>
+              <a:defRPr/>
+            </a:pPr>
+            <a:r>
+              <a:rPr lang="en-US"/>
+              <a:t>You will manage many blocks parallelly (if many blocks can sit on the same SM, or if you have many SM), or sequentially if your array exceed your GPU capacity.</a:t>
+            </a:r>
+            <a:endParaRPr/>
+          </a:p>
+        </p:txBody>
+      </p:sp>
+      <p:pic>
+        <p:nvPicPr>
+          <p:cNvPr id="10" name="Imagen 9"/>
+          <p:cNvPicPr>
+            <a:picLocks noChangeAspect="1"/>
+          </p:cNvPicPr>
+          <p:nvPr/>
+        </p:nvPicPr>
+        <p:blipFill>
+          <a:blip r:embed="rId5"/>
+          <a:stretch/>
+        </p:blipFill>
+        <p:spPr bwMode="auto">
+          <a:xfrm>
+            <a:off x="8024812" y="857250"/>
+            <a:ext cx="3857625" cy="5143500"/>
+          </a:xfrm>
+          <a:prstGeom prst="rect">
+            <a:avLst/>
+          </a:prstGeom>
+        </p:spPr>
+      </p:pic>
     </p:spTree>
   </p:cSld>
   <p:clrMapOvr>
     <a:masterClrMapping/>
   </p:clrMapOvr>
-  <mc:AlternateContent xmlns:mc="http://schemas.openxmlformats.org/markup-compatibility/2006">
-    <mc:Choice xmlns:p14="http://schemas.microsoft.com/office/powerpoint/2010/main" Requires="p14">
-      <p:transition p14:dur="2000" advClick="1"/>
-    </mc:Choice>
-    <mc:Fallback>
-      <p:transition advClick="1"/>
-    </mc:Fallback>
-  </mc:AlternateContent>
 </p:sld>
 </file>
 
 <file path=ppt/slides/slide11.xml><?xml version="1.0" encoding="utf-8"?>
-<p:sld xmlns:a="http://schemas.openxmlformats.org/drawingml/2006/main" xmlns:r="http://schemas.openxmlformats.org/officeDocument/2006/relationships" xmlns:p="http://schemas.openxmlformats.org/presentationml/2006/main" xmlns:m="http://schemas.openxmlformats.org/officeDocument/2006/math" xmlns:w="http://schemas.openxmlformats.org/wordprocessingml/2006/main" showMasterPhAnim="0" show="1">
-  <p:cSld name="">
+<p:sld xmlns:a="http://schemas.openxmlformats.org/drawingml/2006/main" xmlns:r="http://schemas.openxmlformats.org/officeDocument/2006/relationships" xmlns:p="http://schemas.openxmlformats.org/presentationml/2006/main" showMasterPhAnim="0">
+  <p:cSld>
     <p:spTree>
       <p:nvGrpSpPr>
-        <p:cNvPr id="1" name="" hidden="0"/>
+        <p:cNvPr id="1" name=""/>
         <p:cNvGrpSpPr/>
-        <p:nvPr isPhoto="0" userDrawn="0"/>
+        <p:nvPr/>
       </p:nvGrpSpPr>
       <p:grpSpPr bwMode="auto">
         <a:xfrm>
@@ -5015,12 +5279,12 @@
       </p:grpSpPr>
       <p:sp>
         <p:nvSpPr>
-          <p:cNvPr id="4" name="Titre 1" hidden="0"/>
+          <p:cNvPr id="4" name="Titre 1"/>
           <p:cNvSpPr>
             <a:spLocks noGrp="1"/>
           </p:cNvSpPr>
-          <p:nvPr isPhoto="0" userDrawn="0">
-            <p:ph type="title" hasCustomPrompt="0"/>
+          <p:nvPr>
+            <p:ph type="title"/>
           </p:nvPr>
         </p:nvSpPr>
         <p:spPr bwMode="auto"/>
@@ -5035,21 +5299,17 @@
               <a:rPr lang="en-US"/>
               <a:t>On a real Real architecture</a:t>
             </a:r>
-            <a:r>
-              <a:rPr/>
-              <a:t> : one possible topology</a:t>
-            </a:r>
             <a:endParaRPr/>
           </a:p>
         </p:txBody>
       </p:sp>
       <p:sp>
         <p:nvSpPr>
-          <p:cNvPr id="5" name="ZoneTexte 9" hidden="0"/>
-          <p:cNvSpPr>
-            <a:spLocks noAdjustHandles="0" noChangeArrowheads="0"/>
-          </p:cNvSpPr>
-          <p:nvPr isPhoto="0" userDrawn="0"/>
+          <p:cNvPr id="5" name="ZoneTexte 9"/>
+          <p:cNvSpPr>
+            <a:spLocks/>
+          </p:cNvSpPr>
+          <p:nvPr/>
         </p:nvSpPr>
         <p:spPr bwMode="auto">
           <a:xfrm>
@@ -5080,14 +5340,14 @@
       </p:sp>
       <p:pic>
         <p:nvPicPr>
-          <p:cNvPr id="6" name="Image 10" hidden="0"/>
+          <p:cNvPr id="6" name="Image 10"/>
           <p:cNvPicPr>
             <a:picLocks noChangeAspect="1"/>
           </p:cNvPicPr>
-          <p:nvPr isPhoto="0" userDrawn="0"/>
+          <p:nvPr/>
         </p:nvPicPr>
         <p:blipFill>
-          <a:blip r:embed="rId2"/>
+          <a:blip r:embed="rId3"/>
           <a:stretch/>
         </p:blipFill>
         <p:spPr bwMode="auto">
@@ -5102,11 +5362,11 @@
       </p:pic>
       <p:sp>
         <p:nvSpPr>
-          <p:cNvPr id="7" name="ZoneTexte 11" hidden="0"/>
-          <p:cNvSpPr>
-            <a:spLocks noAdjustHandles="0" noChangeArrowheads="0"/>
-          </p:cNvSpPr>
-          <p:nvPr isPhoto="0" userDrawn="0"/>
+          <p:cNvPr id="7" name="ZoneTexte 11"/>
+          <p:cNvSpPr>
+            <a:spLocks/>
+          </p:cNvSpPr>
+          <p:nvPr/>
         </p:nvSpPr>
         <p:spPr bwMode="auto">
           <a:xfrm>
@@ -5137,9 +5397,9 @@
       </p:sp>
       <p:sp>
         <p:nvSpPr>
-          <p:cNvPr id="8" name="Rectangle 12" hidden="0"/>
+          <p:cNvPr id="8" name="Rectangle 12"/>
           <p:cNvSpPr/>
-          <p:nvPr isPhoto="0" userDrawn="0"/>
+          <p:nvPr/>
         </p:nvSpPr>
         <p:spPr bwMode="auto">
           <a:xfrm>
@@ -5187,14 +5447,211 @@
           </a:p>
         </p:txBody>
       </p:sp>
-      <p:sp>
-        <p:nvSpPr>
-          <p:cNvPr id="9" name="Rectangle 6" hidden="0"/>
+    </p:spTree>
+  </p:cSld>
+  <p:clrMapOvr>
+    <a:masterClrMapping/>
+  </p:clrMapOvr>
+</p:sld>
+</file>
+
+<file path=ppt/slides/slide12.xml><?xml version="1.0" encoding="utf-8"?>
+<p:sld xmlns:a="http://schemas.openxmlformats.org/drawingml/2006/main" xmlns:r="http://schemas.openxmlformats.org/officeDocument/2006/relationships" xmlns:p="http://schemas.openxmlformats.org/presentationml/2006/main" showMasterPhAnim="0">
+  <p:cSld>
+    <p:spTree>
+      <p:nvGrpSpPr>
+        <p:cNvPr id="1" name=""/>
+        <p:cNvGrpSpPr/>
+        <p:nvPr/>
+      </p:nvGrpSpPr>
+      <p:grpSpPr bwMode="auto">
+        <a:xfrm>
+          <a:off x="0" y="0"/>
+          <a:ext cx="0" cy="0"/>
+          <a:chOff x="0" y="0"/>
+          <a:chExt cx="0" cy="0"/>
+        </a:xfrm>
+      </p:grpSpPr>
+      <p:sp>
+        <p:nvSpPr>
+          <p:cNvPr id="4" name="Titre 1"/>
+          <p:cNvSpPr>
+            <a:spLocks noGrp="1"/>
+          </p:cNvSpPr>
+          <p:nvPr>
+            <p:ph type="title"/>
+          </p:nvPr>
+        </p:nvSpPr>
+        <p:spPr bwMode="auto"/>
+        <p:txBody>
+          <a:bodyPr/>
+          <a:lstStyle/>
+          <a:p>
+            <a:pPr>
+              <a:defRPr/>
+            </a:pPr>
+            <a:r>
+              <a:rPr lang="en-US"/>
+              <a:t>On a real Real architecture</a:t>
+            </a:r>
+            <a:r>
+              <a:t> : one possible topology</a:t>
+            </a:r>
+          </a:p>
+        </p:txBody>
+      </p:sp>
+      <p:sp>
+        <p:nvSpPr>
+          <p:cNvPr id="5" name="ZoneTexte 9"/>
+          <p:cNvSpPr>
+            <a:spLocks/>
+          </p:cNvSpPr>
+          <p:nvPr/>
+        </p:nvSpPr>
+        <p:spPr bwMode="auto">
+          <a:xfrm>
+            <a:off x="1384185" y="1762233"/>
+            <a:ext cx="2491193" cy="369331"/>
+          </a:xfrm>
+          <a:prstGeom prst="rect">
+            <a:avLst/>
+          </a:prstGeom>
+          <a:noFill/>
+        </p:spPr>
+        <p:txBody>
+          <a:bodyPr wrap="none" rtlCol="0">
+            <a:spAutoFit/>
+          </a:bodyPr>
+          <a:lstStyle/>
+          <a:p>
+            <a:pPr>
+              <a:defRPr/>
+            </a:pPr>
+            <a:r>
+              <a:rPr lang="en-US"/>
+              <a:t>Nvidia Fermi GPU (2011)</a:t>
+            </a:r>
+            <a:endParaRPr/>
+          </a:p>
+        </p:txBody>
+      </p:sp>
+      <p:pic>
+        <p:nvPicPr>
+          <p:cNvPr id="6" name="Image 10"/>
+          <p:cNvPicPr>
+            <a:picLocks noChangeAspect="1"/>
+          </p:cNvPicPr>
+          <p:nvPr/>
+        </p:nvPicPr>
+        <p:blipFill>
+          <a:blip r:embed="rId2"/>
+          <a:stretch/>
+        </p:blipFill>
+        <p:spPr bwMode="auto">
+          <a:xfrm>
+            <a:off x="416920" y="2357870"/>
+            <a:ext cx="6186102" cy="4206549"/>
+          </a:xfrm>
+          <a:prstGeom prst="rect">
+            <a:avLst/>
+          </a:prstGeom>
+        </p:spPr>
+      </p:pic>
+      <p:sp>
+        <p:nvSpPr>
+          <p:cNvPr id="7" name="ZoneTexte 11"/>
+          <p:cNvSpPr>
+            <a:spLocks/>
+          </p:cNvSpPr>
+          <p:nvPr/>
+        </p:nvSpPr>
+        <p:spPr bwMode="auto">
+          <a:xfrm>
+            <a:off x="4671185" y="1946898"/>
+            <a:ext cx="3073470" cy="914434"/>
+          </a:xfrm>
+          <a:prstGeom prst="rect">
+            <a:avLst/>
+          </a:prstGeom>
+          <a:noFill/>
+        </p:spPr>
+        <p:txBody>
+          <a:bodyPr wrap="square" rtlCol="0">
+            <a:spAutoFit/>
+          </a:bodyPr>
+          <a:lstStyle/>
+          <a:p>
+            <a:pPr>
+              <a:defRPr/>
+            </a:pPr>
+            <a:r>
+              <a:rPr lang="en-US"/>
+              <a:t>Here it is not a core, it is a "CUDA core" so not directly comparable to the CPU core</a:t>
+            </a:r>
+            <a:endParaRPr/>
+          </a:p>
+        </p:txBody>
+      </p:sp>
+      <p:sp>
+        <p:nvSpPr>
+          <p:cNvPr id="8" name="Rectangle 12"/>
           <p:cNvSpPr/>
-          <p:nvPr isPhoto="0" userDrawn="0"/>
-        </p:nvSpPr>
-        <p:spPr bwMode="auto">
-          <a:xfrm flipH="0" flipV="0">
+          <p:nvPr/>
+        </p:nvSpPr>
+        <p:spPr bwMode="auto">
+          <a:xfrm>
+            <a:off x="416920" y="6405134"/>
+            <a:ext cx="6095999" cy="461664"/>
+          </a:xfrm>
+          <a:prstGeom prst="rect">
+            <a:avLst/>
+          </a:prstGeom>
+        </p:spPr>
+        <p:txBody>
+          <a:bodyPr>
+            <a:spAutoFit/>
+          </a:bodyPr>
+          <a:lstStyle/>
+          <a:p>
+            <a:pPr>
+              <a:defRPr/>
+            </a:pPr>
+            <a:r>
+              <a:rPr lang="en-US" sz="1200" b="0" i="0">
+                <a:solidFill>
+                  <a:srgbClr val="111111"/>
+                </a:solidFill>
+                <a:latin typeface="Roboto"/>
+              </a:rPr>
+              <a:t>3D Data Denoising via Nonlocal Means Filter by Using Parallel GPU Strategies</a:t>
+            </a:r>
+            <a:endParaRPr/>
+          </a:p>
+          <a:p>
+            <a:pPr>
+              <a:defRPr/>
+            </a:pPr>
+            <a:r>
+              <a:rPr lang="en-US" sz="1200"/>
+              <a:t>DOI: 10.1155/2014/523862</a:t>
+            </a:r>
+            <a:endParaRPr lang="en-US" sz="1200" b="0" i="0">
+              <a:solidFill>
+                <a:srgbClr val="111111"/>
+              </a:solidFill>
+              <a:latin typeface="Roboto"/>
+            </a:endParaRPr>
+          </a:p>
+        </p:txBody>
+      </p:sp>
+      <p:sp>
+        <p:nvSpPr>
+          <p:cNvPr id="9" name="Rectangle 6"/>
+          <p:cNvSpPr/>
+          <p:nvPr/>
+        </p:nvSpPr>
+        <p:spPr bwMode="auto">
+          <a:xfrm>
             <a:off x="5090464" y="3850821"/>
             <a:ext cx="585106" cy="503463"/>
           </a:xfrm>
@@ -5235,12 +5692,12 @@
       </p:sp>
       <p:sp>
         <p:nvSpPr>
-          <p:cNvPr id="10" name="Rectangle 6" hidden="0"/>
+          <p:cNvPr id="10" name="Rectangle 6"/>
           <p:cNvSpPr/>
-          <p:nvPr isPhoto="0" userDrawn="0"/>
-        </p:nvSpPr>
-        <p:spPr bwMode="auto">
-          <a:xfrm flipH="0" flipV="0">
+          <p:nvPr/>
+        </p:nvSpPr>
+        <p:spPr bwMode="auto">
+          <a:xfrm>
             <a:off x="5090464" y="4354285"/>
             <a:ext cx="585106" cy="503463"/>
           </a:xfrm>
@@ -5281,12 +5738,12 @@
       </p:sp>
       <p:sp>
         <p:nvSpPr>
-          <p:cNvPr id="11" name="Rectangle 6" hidden="0"/>
+          <p:cNvPr id="11" name="Rectangle 6"/>
           <p:cNvSpPr/>
-          <p:nvPr isPhoto="0" userDrawn="0"/>
-        </p:nvSpPr>
-        <p:spPr bwMode="auto">
-          <a:xfrm flipH="0" flipV="0">
+          <p:nvPr/>
+        </p:nvSpPr>
+        <p:spPr bwMode="auto">
+          <a:xfrm>
             <a:off x="5090463" y="4857749"/>
             <a:ext cx="585106" cy="503463"/>
           </a:xfrm>
@@ -5327,12 +5784,12 @@
       </p:sp>
       <p:sp>
         <p:nvSpPr>
-          <p:cNvPr id="12" name="Rectangle 6" hidden="0"/>
+          <p:cNvPr id="12" name="Rectangle 6"/>
           <p:cNvSpPr/>
-          <p:nvPr isPhoto="0" userDrawn="0"/>
-        </p:nvSpPr>
-        <p:spPr bwMode="auto">
-          <a:xfrm flipH="0" flipV="0">
+          <p:nvPr/>
+        </p:nvSpPr>
+        <p:spPr bwMode="auto">
+          <a:xfrm>
             <a:off x="5090464" y="5361213"/>
             <a:ext cx="585106" cy="503463"/>
           </a:xfrm>
@@ -5373,12 +5830,12 @@
       </p:sp>
       <p:sp>
         <p:nvSpPr>
-          <p:cNvPr id="13" name="Rectangle 6" hidden="0"/>
+          <p:cNvPr id="13" name="Rectangle 6"/>
           <p:cNvSpPr/>
-          <p:nvPr isPhoto="0" userDrawn="0"/>
-        </p:nvSpPr>
-        <p:spPr bwMode="auto">
-          <a:xfrm flipH="0" flipV="0">
+          <p:nvPr/>
+        </p:nvSpPr>
+        <p:spPr bwMode="auto">
+          <a:xfrm>
             <a:off x="5042838" y="3850821"/>
             <a:ext cx="680357" cy="2095500"/>
           </a:xfrm>
@@ -5420,12 +5877,12 @@
       </p:sp>
       <p:sp>
         <p:nvSpPr>
-          <p:cNvPr id="14" name="Rectangle 6" hidden="0"/>
+          <p:cNvPr id="14" name="Rectangle 6"/>
           <p:cNvSpPr/>
-          <p:nvPr isPhoto="0" userDrawn="0"/>
-        </p:nvSpPr>
-        <p:spPr bwMode="auto">
-          <a:xfrm flipH="0" flipV="0">
+          <p:nvPr/>
+        </p:nvSpPr>
+        <p:spPr bwMode="auto">
+          <a:xfrm>
             <a:off x="7002266" y="3769178"/>
             <a:ext cx="680356" cy="333374"/>
           </a:xfrm>
@@ -5467,12 +5924,12 @@
       </p:sp>
       <p:sp>
         <p:nvSpPr>
-          <p:cNvPr id="15" name="Rectangle 6" hidden="0"/>
+          <p:cNvPr id="15" name="Rectangle 6"/>
           <p:cNvSpPr/>
-          <p:nvPr isPhoto="0" userDrawn="0"/>
-        </p:nvSpPr>
-        <p:spPr bwMode="auto">
-          <a:xfrm flipH="0" flipV="0">
+          <p:nvPr/>
+        </p:nvSpPr>
+        <p:spPr bwMode="auto">
+          <a:xfrm>
             <a:off x="7009071" y="4381499"/>
             <a:ext cx="674640" cy="326013"/>
           </a:xfrm>
@@ -5513,12 +5970,12 @@
       </p:sp>
       <p:sp>
         <p:nvSpPr>
-          <p:cNvPr id="16" name="" hidden="0"/>
+          <p:cNvPr id="16" name="Rectángulo 15"/>
           <p:cNvSpPr/>
-          <p:nvPr isPhoto="0" userDrawn="0"/>
-        </p:nvSpPr>
-        <p:spPr bwMode="auto">
-          <a:xfrm flipH="0" flipV="0">
+          <p:nvPr/>
+        </p:nvSpPr>
+        <p:spPr bwMode="auto">
+          <a:xfrm>
             <a:off x="7961571" y="3752967"/>
             <a:ext cx="914687" cy="365795"/>
           </a:xfrm>
@@ -5528,29 +5985,28 @@
           <a:noFill/>
         </p:spPr>
         <p:txBody>
-          <a:bodyPr vertOverflow="overflow" horzOverflow="clip" vert="horz" wrap="square" lIns="91440" tIns="45720" rIns="91440" bIns="45720" numCol="1" spcCol="0" rtlCol="0" fromWordArt="0" anchor="t" anchorCtr="0" forceAA="0" upright="0" compatLnSpc="0">
+          <a:bodyPr vertOverflow="overflow" horzOverflow="clip" vert="horz" wrap="square" lIns="91440" tIns="45720" rIns="91440" bIns="45720" numCol="1" spcCol="0" rtlCol="0" fromWordArt="0" anchor="t" anchorCtr="0" forceAA="0" compatLnSpc="0">
             <a:spAutoFit/>
           </a:bodyPr>
-          <a:p>
-            <a:pPr>
-              <a:defRPr/>
-            </a:pPr>
-            <a:r>
-              <a:rPr/>
+          <a:lstStyle/>
+          <a:p>
+            <a:pPr>
+              <a:defRPr/>
+            </a:pPr>
+            <a:r>
               <a:t>Grid</a:t>
             </a:r>
-            <a:endParaRPr/>
-          </a:p>
-        </p:txBody>
-      </p:sp>
-      <p:sp>
-        <p:nvSpPr>
-          <p:cNvPr id="17" name="" hidden="0"/>
+          </a:p>
+        </p:txBody>
+      </p:sp>
+      <p:sp>
+        <p:nvSpPr>
+          <p:cNvPr id="17" name="Rectángulo 16"/>
           <p:cNvSpPr/>
-          <p:nvPr isPhoto="0" userDrawn="0"/>
-        </p:nvSpPr>
-        <p:spPr bwMode="auto">
-          <a:xfrm flipH="0" flipV="0">
+          <p:nvPr/>
+        </p:nvSpPr>
+        <p:spPr bwMode="auto">
+          <a:xfrm>
             <a:off x="7961571" y="4381499"/>
             <a:ext cx="914974" cy="365795"/>
           </a:xfrm>
@@ -5560,9 +6016,10 @@
           <a:noFill/>
         </p:spPr>
         <p:txBody>
-          <a:bodyPr vertOverflow="overflow" horzOverflow="clip" vert="horz" wrap="square" lIns="91440" tIns="45720" rIns="91440" bIns="45720" numCol="1" spcCol="0" rtlCol="0" fromWordArt="0" anchor="t" anchorCtr="0" forceAA="0" upright="0" compatLnSpc="0">
+          <a:bodyPr vertOverflow="overflow" horzOverflow="clip" vert="horz" wrap="square" lIns="91440" tIns="45720" rIns="91440" bIns="45720" numCol="1" spcCol="0" rtlCol="0" fromWordArt="0" anchor="t" anchorCtr="0" forceAA="0" compatLnSpc="0">
             <a:spAutoFit/>
           </a:bodyPr>
+          <a:lstStyle/>
           <a:p>
             <a:pPr>
               <a:defRPr/>
@@ -5575,11 +6032,6 @@
               </a:rPr>
               <a:t>Block</a:t>
             </a:r>
-            <a:endParaRPr>
-              <a:solidFill>
-                <a:srgbClr val="FF0000"/>
-              </a:solidFill>
-            </a:endParaRPr>
           </a:p>
         </p:txBody>
       </p:sp>
@@ -5588,25 +6040,17 @@
   <p:clrMapOvr>
     <a:masterClrMapping/>
   </p:clrMapOvr>
-  <mc:AlternateContent xmlns:mc="http://schemas.openxmlformats.org/markup-compatibility/2006">
-    <mc:Choice xmlns:p14="http://schemas.microsoft.com/office/powerpoint/2010/main" Requires="p14">
-      <p:transition p14:dur="2000" advClick="1"/>
-    </mc:Choice>
-    <mc:Fallback>
-      <p:transition advClick="1"/>
-    </mc:Fallback>
-  </mc:AlternateContent>
 </p:sld>
 </file>
 
-<file path=ppt/slides/slide12.xml><?xml version="1.0" encoding="utf-8"?>
-<p:sld xmlns:a="http://schemas.openxmlformats.org/drawingml/2006/main" xmlns:r="http://schemas.openxmlformats.org/officeDocument/2006/relationships" xmlns:p="http://schemas.openxmlformats.org/presentationml/2006/main" xmlns:m="http://schemas.openxmlformats.org/officeDocument/2006/math" xmlns:w="http://schemas.openxmlformats.org/wordprocessingml/2006/main" showMasterPhAnim="0" show="1">
-  <p:cSld name="">
+<file path=ppt/slides/slide13.xml><?xml version="1.0" encoding="utf-8"?>
+<p:sld xmlns:a="http://schemas.openxmlformats.org/drawingml/2006/main" xmlns:r="http://schemas.openxmlformats.org/officeDocument/2006/relationships" xmlns:p="http://schemas.openxmlformats.org/presentationml/2006/main" showMasterPhAnim="0">
+  <p:cSld>
     <p:spTree>
       <p:nvGrpSpPr>
-        <p:cNvPr id="1" name="" hidden="0"/>
+        <p:cNvPr id="1" name=""/>
         <p:cNvGrpSpPr/>
-        <p:nvPr isPhoto="0" userDrawn="0"/>
+        <p:nvPr/>
       </p:nvGrpSpPr>
       <p:grpSpPr bwMode="auto">
         <a:xfrm>
@@ -5618,12 +6062,12 @@
       </p:grpSpPr>
       <p:sp>
         <p:nvSpPr>
-          <p:cNvPr id="4" name="Titre 1" hidden="0"/>
+          <p:cNvPr id="4" name="Titre 1"/>
           <p:cNvSpPr>
             <a:spLocks noGrp="1"/>
           </p:cNvSpPr>
-          <p:nvPr isPhoto="0" userDrawn="0">
-            <p:ph type="title" hasCustomPrompt="0"/>
+          <p:nvPr>
+            <p:ph type="title"/>
           </p:nvPr>
         </p:nvSpPr>
         <p:spPr bwMode="auto"/>
@@ -5639,20 +6083,18 @@
               <a:t>On a real Real architecture</a:t>
             </a:r>
             <a:r>
-              <a:rPr/>
               <a:t> : one possible topology</a:t>
             </a:r>
-            <a:endParaRPr/>
-          </a:p>
-        </p:txBody>
-      </p:sp>
-      <p:sp>
-        <p:nvSpPr>
-          <p:cNvPr id="5" name="ZoneTexte 9" hidden="0"/>
-          <p:cNvSpPr>
-            <a:spLocks noAdjustHandles="0" noChangeArrowheads="0"/>
-          </p:cNvSpPr>
-          <p:nvPr isPhoto="0" userDrawn="0"/>
+          </a:p>
+        </p:txBody>
+      </p:sp>
+      <p:sp>
+        <p:nvSpPr>
+          <p:cNvPr id="5" name="ZoneTexte 9"/>
+          <p:cNvSpPr>
+            <a:spLocks/>
+          </p:cNvSpPr>
+          <p:nvPr/>
         </p:nvSpPr>
         <p:spPr bwMode="auto">
           <a:xfrm>
@@ -5683,11 +6125,11 @@
       </p:sp>
       <p:pic>
         <p:nvPicPr>
-          <p:cNvPr id="6" name="Image 10" hidden="0"/>
+          <p:cNvPr id="6" name="Image 10"/>
           <p:cNvPicPr>
             <a:picLocks noChangeAspect="1"/>
           </p:cNvPicPr>
-          <p:nvPr isPhoto="0" userDrawn="0"/>
+          <p:nvPr/>
         </p:nvPicPr>
         <p:blipFill>
           <a:blip r:embed="rId2"/>
@@ -5705,11 +6147,11 @@
       </p:pic>
       <p:sp>
         <p:nvSpPr>
-          <p:cNvPr id="7" name="ZoneTexte 11" hidden="0"/>
-          <p:cNvSpPr>
-            <a:spLocks noAdjustHandles="0" noChangeArrowheads="0"/>
-          </p:cNvSpPr>
-          <p:nvPr isPhoto="0" userDrawn="0"/>
+          <p:cNvPr id="7" name="ZoneTexte 11"/>
+          <p:cNvSpPr>
+            <a:spLocks/>
+          </p:cNvSpPr>
+          <p:nvPr/>
         </p:nvSpPr>
         <p:spPr bwMode="auto">
           <a:xfrm>
@@ -5740,9 +6182,9 @@
       </p:sp>
       <p:sp>
         <p:nvSpPr>
-          <p:cNvPr id="8" name="Rectangle 12" hidden="0"/>
+          <p:cNvPr id="8" name="Rectangle 12"/>
           <p:cNvSpPr/>
-          <p:nvPr isPhoto="0" userDrawn="0"/>
+          <p:nvPr/>
         </p:nvSpPr>
         <p:spPr bwMode="auto">
           <a:xfrm>
@@ -5792,12 +6234,12 @@
       </p:sp>
       <p:sp>
         <p:nvSpPr>
-          <p:cNvPr id="9" name="Rectangle 6" hidden="0"/>
+          <p:cNvPr id="9" name="Rectangle 6"/>
           <p:cNvSpPr/>
-          <p:nvPr isPhoto="0" userDrawn="0"/>
-        </p:nvSpPr>
-        <p:spPr bwMode="auto">
-          <a:xfrm flipH="0" flipV="0">
+          <p:nvPr/>
+        </p:nvSpPr>
+        <p:spPr bwMode="auto">
+          <a:xfrm>
             <a:off x="4450928" y="3850821"/>
             <a:ext cx="1197428" cy="1986643"/>
           </a:xfrm>
@@ -5838,12 +6280,12 @@
       </p:sp>
       <p:sp>
         <p:nvSpPr>
-          <p:cNvPr id="10" name="Rectangle 6" hidden="0"/>
+          <p:cNvPr id="10" name="Rectangle 6"/>
           <p:cNvSpPr/>
-          <p:nvPr isPhoto="0" userDrawn="0"/>
-        </p:nvSpPr>
-        <p:spPr bwMode="auto">
-          <a:xfrm flipH="0" flipV="0">
+          <p:nvPr/>
+        </p:nvSpPr>
+        <p:spPr bwMode="auto">
+          <a:xfrm>
             <a:off x="7002266" y="3769177"/>
             <a:ext cx="680356" cy="333374"/>
           </a:xfrm>
@@ -5885,12 +6327,12 @@
       </p:sp>
       <p:sp>
         <p:nvSpPr>
-          <p:cNvPr id="11" name="Rectangle 6" hidden="0"/>
+          <p:cNvPr id="11" name="Rectangle 6"/>
           <p:cNvSpPr/>
-          <p:nvPr isPhoto="0" userDrawn="0"/>
-        </p:nvSpPr>
-        <p:spPr bwMode="auto">
-          <a:xfrm flipH="0" flipV="0">
+          <p:nvPr/>
+        </p:nvSpPr>
+        <p:spPr bwMode="auto">
+          <a:xfrm>
             <a:off x="7009071" y="4381498"/>
             <a:ext cx="674640" cy="326012"/>
           </a:xfrm>
@@ -5931,12 +6373,12 @@
       </p:sp>
       <p:sp>
         <p:nvSpPr>
-          <p:cNvPr id="12" name="" hidden="0"/>
+          <p:cNvPr id="12" name="Rectángulo 11"/>
           <p:cNvSpPr/>
-          <p:nvPr isPhoto="0" userDrawn="0"/>
-        </p:nvSpPr>
-        <p:spPr bwMode="auto">
-          <a:xfrm flipH="0" flipV="0">
+          <p:nvPr/>
+        </p:nvSpPr>
+        <p:spPr bwMode="auto">
+          <a:xfrm>
             <a:off x="7961571" y="3752967"/>
             <a:ext cx="914686" cy="365794"/>
           </a:xfrm>
@@ -5946,29 +6388,28 @@
           <a:noFill/>
         </p:spPr>
         <p:txBody>
-          <a:bodyPr vertOverflow="overflow" horzOverflow="clip" vert="horz" wrap="square" lIns="91440" tIns="45720" rIns="91440" bIns="45720" numCol="1" spcCol="0" rtlCol="0" fromWordArt="0" anchor="t" anchorCtr="0" forceAA="0" upright="0" compatLnSpc="0">
+          <a:bodyPr vertOverflow="overflow" horzOverflow="clip" vert="horz" wrap="square" lIns="91440" tIns="45720" rIns="91440" bIns="45720" numCol="1" spcCol="0" rtlCol="0" fromWordArt="0" anchor="t" anchorCtr="0" forceAA="0" compatLnSpc="0">
             <a:spAutoFit/>
           </a:bodyPr>
-          <a:p>
-            <a:pPr>
-              <a:defRPr/>
-            </a:pPr>
-            <a:r>
-              <a:rPr/>
+          <a:lstStyle/>
+          <a:p>
+            <a:pPr>
+              <a:defRPr/>
+            </a:pPr>
+            <a:r>
               <a:t>Grid</a:t>
             </a:r>
-            <a:endParaRPr/>
-          </a:p>
-        </p:txBody>
-      </p:sp>
-      <p:sp>
-        <p:nvSpPr>
-          <p:cNvPr id="13" name="" hidden="0"/>
+          </a:p>
+        </p:txBody>
+      </p:sp>
+      <p:sp>
+        <p:nvSpPr>
+          <p:cNvPr id="13" name="Rectángulo 12"/>
           <p:cNvSpPr/>
-          <p:nvPr isPhoto="0" userDrawn="0"/>
-        </p:nvSpPr>
-        <p:spPr bwMode="auto">
-          <a:xfrm flipH="0" flipV="0">
+          <p:nvPr/>
+        </p:nvSpPr>
+        <p:spPr bwMode="auto">
+          <a:xfrm>
             <a:off x="7961571" y="4381498"/>
             <a:ext cx="914974" cy="365794"/>
           </a:xfrm>
@@ -5978,9 +6419,10 @@
           <a:noFill/>
         </p:spPr>
         <p:txBody>
-          <a:bodyPr vertOverflow="overflow" horzOverflow="clip" vert="horz" wrap="square" lIns="91440" tIns="45720" rIns="91440" bIns="45720" numCol="1" spcCol="0" rtlCol="0" fromWordArt="0" anchor="t" anchorCtr="0" forceAA="0" upright="0" compatLnSpc="0">
+          <a:bodyPr vertOverflow="overflow" horzOverflow="clip" vert="horz" wrap="square" lIns="91440" tIns="45720" rIns="91440" bIns="45720" numCol="1" spcCol="0" rtlCol="0" fromWordArt="0" anchor="t" anchorCtr="0" forceAA="0" compatLnSpc="0">
             <a:spAutoFit/>
           </a:bodyPr>
+          <a:lstStyle/>
           <a:p>
             <a:pPr>
               <a:defRPr/>
@@ -5993,22 +6435,17 @@
               </a:rPr>
               <a:t>Block</a:t>
             </a:r>
-            <a:endParaRPr>
-              <a:solidFill>
-                <a:srgbClr val="FF0000"/>
-              </a:solidFill>
-            </a:endParaRPr>
-          </a:p>
-        </p:txBody>
-      </p:sp>
-      <p:sp>
-        <p:nvSpPr>
-          <p:cNvPr id="14" name="Rectangle 6" hidden="0"/>
+          </a:p>
+        </p:txBody>
+      </p:sp>
+      <p:sp>
+        <p:nvSpPr>
+          <p:cNvPr id="14" name="Rectangle 6"/>
           <p:cNvSpPr/>
-          <p:nvPr isPhoto="0" userDrawn="0"/>
-        </p:nvSpPr>
-        <p:spPr bwMode="auto">
-          <a:xfrm flipH="0" flipV="0">
+          <p:nvPr/>
+        </p:nvSpPr>
+        <p:spPr bwMode="auto">
+          <a:xfrm>
             <a:off x="2879301" y="4127770"/>
             <a:ext cx="1108983" cy="1110978"/>
           </a:xfrm>
@@ -6053,25 +6490,17 @@
   <p:clrMapOvr>
     <a:masterClrMapping/>
   </p:clrMapOvr>
-  <mc:AlternateContent xmlns:mc="http://schemas.openxmlformats.org/markup-compatibility/2006">
-    <mc:Choice xmlns:p14="http://schemas.microsoft.com/office/powerpoint/2010/main" Requires="p14">
-      <p:transition p14:dur="2000" advClick="1"/>
-    </mc:Choice>
-    <mc:Fallback>
-      <p:transition advClick="1"/>
-    </mc:Fallback>
-  </mc:AlternateContent>
 </p:sld>
 </file>
 
-<file path=ppt/slides/slide13.xml><?xml version="1.0" encoding="utf-8"?>
-<p:sld xmlns:a="http://schemas.openxmlformats.org/drawingml/2006/main" xmlns:r="http://schemas.openxmlformats.org/officeDocument/2006/relationships" xmlns:p="http://schemas.openxmlformats.org/presentationml/2006/main" xmlns:m="http://schemas.openxmlformats.org/officeDocument/2006/math" xmlns:w="http://schemas.openxmlformats.org/wordprocessingml/2006/main" showMasterPhAnim="0" show="1">
-  <p:cSld name="">
+<file path=ppt/slides/slide14.xml><?xml version="1.0" encoding="utf-8"?>
+<p:sld xmlns:a="http://schemas.openxmlformats.org/drawingml/2006/main" xmlns:r="http://schemas.openxmlformats.org/officeDocument/2006/relationships" xmlns:p="http://schemas.openxmlformats.org/presentationml/2006/main" showMasterPhAnim="0">
+  <p:cSld>
     <p:spTree>
       <p:nvGrpSpPr>
-        <p:cNvPr id="1" name="" hidden="0"/>
+        <p:cNvPr id="1" name=""/>
         <p:cNvGrpSpPr/>
-        <p:nvPr isPhoto="0" userDrawn="0"/>
+        <p:nvPr/>
       </p:nvGrpSpPr>
       <p:grpSpPr bwMode="auto">
         <a:xfrm>
@@ -6083,12 +6512,12 @@
       </p:grpSpPr>
       <p:sp>
         <p:nvSpPr>
-          <p:cNvPr id="4" name="Titre 1" hidden="0"/>
+          <p:cNvPr id="4" name="Titre 1"/>
           <p:cNvSpPr>
             <a:spLocks noGrp="1"/>
           </p:cNvSpPr>
-          <p:nvPr isPhoto="0" userDrawn="0">
-            <p:ph type="title" hasCustomPrompt="0"/>
+          <p:nvPr>
+            <p:ph type="title"/>
           </p:nvPr>
         </p:nvSpPr>
         <p:spPr bwMode="auto"/>
@@ -6104,20 +6533,18 @@
               <a:t>On a real Real architecture</a:t>
             </a:r>
             <a:r>
-              <a:rPr/>
               <a:t> : one possible topology</a:t>
             </a:r>
-            <a:endParaRPr/>
-          </a:p>
-        </p:txBody>
-      </p:sp>
-      <p:sp>
-        <p:nvSpPr>
-          <p:cNvPr id="5" name="ZoneTexte 9" hidden="0"/>
-          <p:cNvSpPr>
-            <a:spLocks noAdjustHandles="0" noChangeArrowheads="0"/>
-          </p:cNvSpPr>
-          <p:nvPr isPhoto="0" userDrawn="0"/>
+          </a:p>
+        </p:txBody>
+      </p:sp>
+      <p:sp>
+        <p:nvSpPr>
+          <p:cNvPr id="5" name="ZoneTexte 9"/>
+          <p:cNvSpPr>
+            <a:spLocks/>
+          </p:cNvSpPr>
+          <p:nvPr/>
         </p:nvSpPr>
         <p:spPr bwMode="auto">
           <a:xfrm>
@@ -6148,11 +6575,11 @@
       </p:sp>
       <p:pic>
         <p:nvPicPr>
-          <p:cNvPr id="6" name="Image 10" hidden="0"/>
+          <p:cNvPr id="6" name="Image 10"/>
           <p:cNvPicPr>
             <a:picLocks noChangeAspect="1"/>
           </p:cNvPicPr>
-          <p:nvPr isPhoto="0" userDrawn="0"/>
+          <p:nvPr/>
         </p:nvPicPr>
         <p:blipFill>
           <a:blip r:embed="rId2"/>
@@ -6170,11 +6597,11 @@
       </p:pic>
       <p:sp>
         <p:nvSpPr>
-          <p:cNvPr id="7" name="ZoneTexte 11" hidden="0"/>
-          <p:cNvSpPr>
-            <a:spLocks noAdjustHandles="0" noChangeArrowheads="0"/>
-          </p:cNvSpPr>
-          <p:nvPr isPhoto="0" userDrawn="0"/>
+          <p:cNvPr id="7" name="ZoneTexte 11"/>
+          <p:cNvSpPr>
+            <a:spLocks/>
+          </p:cNvSpPr>
+          <p:nvPr/>
         </p:nvSpPr>
         <p:spPr bwMode="auto">
           <a:xfrm>
@@ -6205,9 +6632,9 @@
       </p:sp>
       <p:sp>
         <p:nvSpPr>
-          <p:cNvPr id="8" name="Rectangle 12" hidden="0"/>
+          <p:cNvPr id="8" name="Rectangle 12"/>
           <p:cNvSpPr/>
-          <p:nvPr isPhoto="0" userDrawn="0"/>
+          <p:nvPr/>
         </p:nvSpPr>
         <p:spPr bwMode="auto">
           <a:xfrm>
@@ -6257,12 +6684,12 @@
       </p:sp>
       <p:sp>
         <p:nvSpPr>
-          <p:cNvPr id="9" name="Rectangle 6" hidden="0"/>
+          <p:cNvPr id="9" name="Rectangle 6"/>
           <p:cNvSpPr/>
-          <p:nvPr isPhoto="0" userDrawn="0"/>
-        </p:nvSpPr>
-        <p:spPr bwMode="auto">
-          <a:xfrm flipH="0" flipV="0">
+          <p:nvPr/>
+        </p:nvSpPr>
+        <p:spPr bwMode="auto">
+          <a:xfrm>
             <a:off x="4450928" y="3850819"/>
             <a:ext cx="1197427" cy="1986642"/>
           </a:xfrm>
@@ -6303,12 +6730,12 @@
       </p:sp>
       <p:sp>
         <p:nvSpPr>
-          <p:cNvPr id="10" name="Rectangle 6" hidden="0"/>
+          <p:cNvPr id="10" name="Rectangle 6"/>
           <p:cNvSpPr/>
-          <p:nvPr isPhoto="0" userDrawn="0"/>
-        </p:nvSpPr>
-        <p:spPr bwMode="auto">
-          <a:xfrm flipH="0" flipV="0">
+          <p:nvPr/>
+        </p:nvSpPr>
+        <p:spPr bwMode="auto">
+          <a:xfrm>
             <a:off x="7002266" y="3769177"/>
             <a:ext cx="680356" cy="333374"/>
           </a:xfrm>
@@ -6350,12 +6777,12 @@
       </p:sp>
       <p:sp>
         <p:nvSpPr>
-          <p:cNvPr id="11" name="Rectangle 6" hidden="0"/>
+          <p:cNvPr id="11" name="Rectangle 6"/>
           <p:cNvSpPr/>
-          <p:nvPr isPhoto="0" userDrawn="0"/>
-        </p:nvSpPr>
-        <p:spPr bwMode="auto">
-          <a:xfrm flipH="0" flipV="0">
+          <p:nvPr/>
+        </p:nvSpPr>
+        <p:spPr bwMode="auto">
+          <a:xfrm>
             <a:off x="7009071" y="4381498"/>
             <a:ext cx="674640" cy="326012"/>
           </a:xfrm>
@@ -6396,12 +6823,12 @@
       </p:sp>
       <p:sp>
         <p:nvSpPr>
-          <p:cNvPr id="12" name="" hidden="0"/>
+          <p:cNvPr id="12" name="Rectángulo 11"/>
           <p:cNvSpPr/>
-          <p:nvPr isPhoto="0" userDrawn="0"/>
-        </p:nvSpPr>
-        <p:spPr bwMode="auto">
-          <a:xfrm flipH="0" flipV="0">
+          <p:nvPr/>
+        </p:nvSpPr>
+        <p:spPr bwMode="auto">
+          <a:xfrm>
             <a:off x="7961571" y="3752967"/>
             <a:ext cx="914686" cy="365794"/>
           </a:xfrm>
@@ -6411,29 +6838,28 @@
           <a:noFill/>
         </p:spPr>
         <p:txBody>
-          <a:bodyPr vertOverflow="overflow" horzOverflow="clip" vert="horz" wrap="square" lIns="91440" tIns="45720" rIns="91440" bIns="45720" numCol="1" spcCol="0" rtlCol="0" fromWordArt="0" anchor="t" anchorCtr="0" forceAA="0" upright="0" compatLnSpc="0">
+          <a:bodyPr vertOverflow="overflow" horzOverflow="clip" vert="horz" wrap="square" lIns="91440" tIns="45720" rIns="91440" bIns="45720" numCol="1" spcCol="0" rtlCol="0" fromWordArt="0" anchor="t" anchorCtr="0" forceAA="0" compatLnSpc="0">
             <a:spAutoFit/>
           </a:bodyPr>
-          <a:p>
-            <a:pPr>
-              <a:defRPr/>
-            </a:pPr>
-            <a:r>
-              <a:rPr/>
+          <a:lstStyle/>
+          <a:p>
+            <a:pPr>
+              <a:defRPr/>
+            </a:pPr>
+            <a:r>
               <a:t>Grid</a:t>
             </a:r>
-            <a:endParaRPr/>
-          </a:p>
-        </p:txBody>
-      </p:sp>
-      <p:sp>
-        <p:nvSpPr>
-          <p:cNvPr id="13" name="" hidden="0"/>
+          </a:p>
+        </p:txBody>
+      </p:sp>
+      <p:sp>
+        <p:nvSpPr>
+          <p:cNvPr id="13" name="Rectángulo 12"/>
           <p:cNvSpPr/>
-          <p:nvPr isPhoto="0" userDrawn="0"/>
-        </p:nvSpPr>
-        <p:spPr bwMode="auto">
-          <a:xfrm flipH="0" flipV="0">
+          <p:nvPr/>
+        </p:nvSpPr>
+        <p:spPr bwMode="auto">
+          <a:xfrm>
             <a:off x="7961571" y="4381498"/>
             <a:ext cx="914974" cy="365794"/>
           </a:xfrm>
@@ -6443,9 +6869,10 @@
           <a:noFill/>
         </p:spPr>
         <p:txBody>
-          <a:bodyPr vertOverflow="overflow" horzOverflow="clip" vert="horz" wrap="square" lIns="91440" tIns="45720" rIns="91440" bIns="45720" numCol="1" spcCol="0" rtlCol="0" fromWordArt="0" anchor="t" anchorCtr="0" forceAA="0" upright="0" compatLnSpc="0">
+          <a:bodyPr vertOverflow="overflow" horzOverflow="clip" vert="horz" wrap="square" lIns="91440" tIns="45720" rIns="91440" bIns="45720" numCol="1" spcCol="0" rtlCol="0" fromWordArt="0" anchor="t" anchorCtr="0" forceAA="0" compatLnSpc="0">
             <a:spAutoFit/>
           </a:bodyPr>
+          <a:lstStyle/>
           <a:p>
             <a:pPr>
               <a:defRPr/>
@@ -6458,22 +6885,17 @@
               </a:rPr>
               <a:t>Block</a:t>
             </a:r>
-            <a:endParaRPr>
-              <a:solidFill>
-                <a:srgbClr val="FF0000"/>
-              </a:solidFill>
-            </a:endParaRPr>
-          </a:p>
-        </p:txBody>
-      </p:sp>
-      <p:sp>
-        <p:nvSpPr>
-          <p:cNvPr id="14" name="Rectangle 6" hidden="0"/>
+          </a:p>
+        </p:txBody>
+      </p:sp>
+      <p:sp>
+        <p:nvSpPr>
+          <p:cNvPr id="14" name="Rectangle 6"/>
           <p:cNvSpPr/>
-          <p:nvPr isPhoto="0" userDrawn="0"/>
-        </p:nvSpPr>
-        <p:spPr bwMode="auto">
-          <a:xfrm flipH="0" flipV="0">
+          <p:nvPr/>
+        </p:nvSpPr>
+        <p:spPr bwMode="auto">
+          <a:xfrm>
             <a:off x="2879300" y="4127770"/>
             <a:ext cx="1108982" cy="1110978"/>
           </a:xfrm>
@@ -6515,12 +6937,12 @@
       </p:sp>
       <p:sp>
         <p:nvSpPr>
-          <p:cNvPr id="15" name="" hidden="0"/>
+          <p:cNvPr id="15" name="Rectángulo 14"/>
           <p:cNvSpPr/>
-          <p:nvPr isPhoto="0" userDrawn="0"/>
-        </p:nvSpPr>
-        <p:spPr bwMode="auto">
-          <a:xfrm flipH="0" flipV="0">
+          <p:nvPr/>
+        </p:nvSpPr>
+        <p:spPr bwMode="auto">
+          <a:xfrm>
             <a:off x="6369535" y="4844141"/>
             <a:ext cx="5831170" cy="2269035"/>
           </a:xfrm>
@@ -6530,44 +6952,39 @@
           <a:noFill/>
         </p:spPr>
         <p:txBody>
-          <a:bodyPr vertOverflow="overflow" horzOverflow="clip" vert="horz" wrap="square" lIns="91440" tIns="45720" rIns="91440" bIns="45720" numCol="1" spcCol="0" rtlCol="0" fromWordArt="0" anchor="t" anchorCtr="0" forceAA="0" upright="0" compatLnSpc="0">
+          <a:bodyPr vertOverflow="overflow" horzOverflow="clip" vert="horz" wrap="square" lIns="91440" tIns="45720" rIns="91440" bIns="45720" numCol="1" spcCol="0" rtlCol="0" fromWordArt="0" anchor="t" anchorCtr="0" forceAA="0" compatLnSpc="0">
             <a:noAutofit/>
           </a:bodyPr>
-          <a:p>
-            <a:pPr>
-              <a:defRPr/>
-            </a:pPr>
-            <a:r>
-              <a:rPr/>
+          <a:lstStyle/>
+          <a:p>
+            <a:pPr>
+              <a:defRPr/>
+            </a:pPr>
+            <a:r>
               <a:t>A grid can encompass many SM but a block can not be larger than a SM since a block is a shared memory space.</a:t>
             </a:r>
+          </a:p>
+          <a:p>
+            <a:pPr>
+              <a:defRPr/>
+            </a:pPr>
             <a:endParaRPr/>
           </a:p>
           <a:p>
             <a:pPr>
               <a:defRPr/>
             </a:pPr>
-            <a:endParaRPr/>
-          </a:p>
-          <a:p>
-            <a:pPr>
-              <a:defRPr/>
-            </a:pPr>
-            <a:r>
-              <a:rPr/>
+            <a:r>
               <a:t>You can also set the number of threads per block:</a:t>
             </a:r>
-            <a:endParaRPr/>
-          </a:p>
-          <a:p>
-            <a:pPr>
-              <a:defRPr/>
-            </a:pPr>
-            <a:r>
-              <a:rPr/>
+          </a:p>
+          <a:p>
+            <a:pPr>
+              <a:defRPr/>
+            </a:pPr>
+            <a:r>
               <a:t>but this number is not easily linkable to the number of CUDA core. Yet a block size (number of threads per block) should be a multiple of 32 (warping : not the focus of this course)</a:t>
             </a:r>
-            <a:endParaRPr/>
           </a:p>
         </p:txBody>
       </p:sp>
@@ -6576,25 +6993,17 @@
   <p:clrMapOvr>
     <a:masterClrMapping/>
   </p:clrMapOvr>
-  <mc:AlternateContent xmlns:mc="http://schemas.openxmlformats.org/markup-compatibility/2006">
-    <mc:Choice xmlns:p14="http://schemas.microsoft.com/office/powerpoint/2010/main" Requires="p14">
-      <p:transition p14:dur="2000" advClick="1"/>
-    </mc:Choice>
-    <mc:Fallback>
-      <p:transition advClick="1"/>
-    </mc:Fallback>
-  </mc:AlternateContent>
 </p:sld>
 </file>
 
-<file path=ppt/slides/slide14.xml><?xml version="1.0" encoding="utf-8"?>
-<p:sld xmlns:a="http://schemas.openxmlformats.org/drawingml/2006/main" xmlns:r="http://schemas.openxmlformats.org/officeDocument/2006/relationships" xmlns:p="http://schemas.openxmlformats.org/presentationml/2006/main" xmlns:m="http://schemas.openxmlformats.org/officeDocument/2006/math" xmlns:w="http://schemas.openxmlformats.org/wordprocessingml/2006/main" showMasterPhAnim="0" show="1">
-  <p:cSld name="">
+<file path=ppt/slides/slide15.xml><?xml version="1.0" encoding="utf-8"?>
+<p:sld xmlns:a="http://schemas.openxmlformats.org/drawingml/2006/main" xmlns:r="http://schemas.openxmlformats.org/officeDocument/2006/relationships" xmlns:p="http://schemas.openxmlformats.org/presentationml/2006/main" showMasterPhAnim="0">
+  <p:cSld>
     <p:spTree>
       <p:nvGrpSpPr>
-        <p:cNvPr id="1" name="" hidden="0"/>
+        <p:cNvPr id="1" name=""/>
         <p:cNvGrpSpPr/>
-        <p:nvPr isPhoto="0" userDrawn="0"/>
+        <p:nvPr/>
       </p:nvGrpSpPr>
       <p:grpSpPr bwMode="auto">
         <a:xfrm>
@@ -6606,12 +7015,12 @@
       </p:grpSpPr>
       <p:sp>
         <p:nvSpPr>
-          <p:cNvPr id="4" name="Titre 1" hidden="0"/>
+          <p:cNvPr id="4" name="Titre 1"/>
           <p:cNvSpPr>
             <a:spLocks noGrp="1"/>
           </p:cNvSpPr>
-          <p:nvPr isPhoto="0" userDrawn="0">
-            <p:ph type="title" hasCustomPrompt="0"/>
+          <p:nvPr>
+            <p:ph type="title"/>
           </p:nvPr>
         </p:nvSpPr>
         <p:spPr bwMode="auto">
@@ -6637,11 +7046,11 @@
       </p:sp>
       <p:pic>
         <p:nvPicPr>
-          <p:cNvPr id="5" name="Image 3" hidden="0"/>
+          <p:cNvPr id="5" name="Image 3"/>
           <p:cNvPicPr>
             <a:picLocks noChangeAspect="1"/>
           </p:cNvPicPr>
-          <p:nvPr isPhoto="0" userDrawn="0"/>
+          <p:nvPr/>
         </p:nvPicPr>
         <p:blipFill>
           <a:blip r:embed="rId3"/>
@@ -6659,9 +7068,9 @@
       </p:pic>
       <p:sp>
         <p:nvSpPr>
-          <p:cNvPr id="6" name="Rectangle 4" hidden="0"/>
+          <p:cNvPr id="6" name="Rectangle 4"/>
           <p:cNvSpPr/>
-          <p:nvPr isPhoto="0" userDrawn="0"/>
+          <p:nvPr/>
         </p:nvSpPr>
         <p:spPr bwMode="auto">
           <a:xfrm>
@@ -6683,7 +7092,7 @@
             </a:pPr>
             <a:r>
               <a:rPr lang="en-US" sz="1200" u="sng">
-                <a:hlinkClick r:id="rId4" tooltip=""/>
+                <a:hlinkClick r:id="rId4"/>
               </a:rPr>
               <a:t>https://cvw.cac.cornell.edu/GPU/structure</a:t>
             </a:r>
@@ -6696,25 +7105,17 @@
   <p:clrMapOvr>
     <a:masterClrMapping/>
   </p:clrMapOvr>
-  <mc:AlternateContent xmlns:mc="http://schemas.openxmlformats.org/markup-compatibility/2006">
-    <mc:Choice xmlns:p14="http://schemas.microsoft.com/office/powerpoint/2010/main" Requires="p14">
-      <p:transition p14:dur="2000" advClick="1"/>
-    </mc:Choice>
-    <mc:Fallback>
-      <p:transition advClick="1"/>
-    </mc:Fallback>
-  </mc:AlternateContent>
 </p:sld>
 </file>
 
-<file path=ppt/slides/slide15.xml><?xml version="1.0" encoding="utf-8"?>
-<p:sld xmlns:a="http://schemas.openxmlformats.org/drawingml/2006/main" xmlns:r="http://schemas.openxmlformats.org/officeDocument/2006/relationships" xmlns:p="http://schemas.openxmlformats.org/presentationml/2006/main" xmlns:m="http://schemas.openxmlformats.org/officeDocument/2006/math" xmlns:w="http://schemas.openxmlformats.org/wordprocessingml/2006/main" showMasterPhAnim="0" show="1">
-  <p:cSld name="">
+<file path=ppt/slides/slide16.xml><?xml version="1.0" encoding="utf-8"?>
+<p:sld xmlns:a="http://schemas.openxmlformats.org/drawingml/2006/main" xmlns:r="http://schemas.openxmlformats.org/officeDocument/2006/relationships" xmlns:p="http://schemas.openxmlformats.org/presentationml/2006/main" showMasterPhAnim="0">
+  <p:cSld>
     <p:spTree>
       <p:nvGrpSpPr>
-        <p:cNvPr id="1" name="" hidden="0"/>
+        <p:cNvPr id="1" name=""/>
         <p:cNvGrpSpPr/>
-        <p:nvPr isPhoto="0" userDrawn="0"/>
+        <p:nvPr/>
       </p:nvGrpSpPr>
       <p:grpSpPr bwMode="auto">
         <a:xfrm>
@@ -6726,16 +7127,16 @@
       </p:grpSpPr>
       <p:sp>
         <p:nvSpPr>
-          <p:cNvPr id="4" name="Titre 1" hidden="0"/>
+          <p:cNvPr id="4" name="Titre 1"/>
           <p:cNvSpPr>
             <a:spLocks noGrp="1"/>
           </p:cNvSpPr>
-          <p:nvPr isPhoto="0" userDrawn="0">
-            <p:ph type="title" hasCustomPrompt="0"/>
+          <p:nvPr>
+            <p:ph type="title"/>
           </p:nvPr>
         </p:nvSpPr>
         <p:spPr bwMode="auto">
-          <a:xfrm flipH="0" flipV="0">
+          <a:xfrm>
             <a:off x="171450" y="198437"/>
             <a:ext cx="11783643" cy="1325562"/>
           </a:xfrm>
@@ -6748,27 +7149,25 @@
               <a:defRPr/>
             </a:pPr>
             <a:r>
-              <a:rPr/>
               <a:t>Writing your kernel : GPU technologies programming</a:t>
             </a:r>
-            <a:endParaRPr/>
           </a:p>
         </p:txBody>
       </p:sp>
       <p:pic>
         <p:nvPicPr>
-          <p:cNvPr id="5" name="" hidden="0"/>
+          <p:cNvPr id="5" name="Imagen 4"/>
           <p:cNvPicPr>
             <a:picLocks noChangeAspect="1"/>
           </p:cNvPicPr>
-          <p:nvPr isPhoto="0" userDrawn="0"/>
+          <p:nvPr/>
         </p:nvPicPr>
         <p:blipFill>
           <a:blip r:embed="rId2"/>
           <a:stretch/>
         </p:blipFill>
         <p:spPr bwMode="auto">
-          <a:xfrm flipH="0" flipV="0">
+          <a:xfrm>
             <a:off x="2030795" y="1478716"/>
             <a:ext cx="2016896" cy="1221304"/>
           </a:xfrm>
@@ -6779,18 +7178,18 @@
       </p:pic>
       <p:pic>
         <p:nvPicPr>
-          <p:cNvPr id="6" name="" hidden="0"/>
+          <p:cNvPr id="6" name="Imagen 5"/>
           <p:cNvPicPr>
             <a:picLocks noChangeAspect="1"/>
           </p:cNvPicPr>
-          <p:nvPr isPhoto="0" userDrawn="0"/>
+          <p:nvPr/>
         </p:nvPicPr>
         <p:blipFill>
           <a:blip r:embed="rId3"/>
           <a:stretch/>
         </p:blipFill>
         <p:spPr bwMode="auto">
-          <a:xfrm flipH="0" flipV="0">
+          <a:xfrm>
             <a:off x="7315656" y="4333498"/>
             <a:ext cx="1781226" cy="1334200"/>
           </a:xfrm>
@@ -6801,12 +7200,12 @@
       </p:pic>
       <p:sp>
         <p:nvSpPr>
-          <p:cNvPr id="7" name="" hidden="0"/>
+          <p:cNvPr id="7" name="Rectángulo 6"/>
           <p:cNvSpPr/>
-          <p:nvPr isPhoto="0" userDrawn="0"/>
-        </p:nvSpPr>
-        <p:spPr bwMode="auto">
-          <a:xfrm flipH="0" flipV="0">
+          <p:nvPr/>
+        </p:nvSpPr>
+        <p:spPr bwMode="auto">
+          <a:xfrm>
             <a:off x="6915787" y="4110928"/>
             <a:ext cx="1502756" cy="365795"/>
           </a:xfrm>
@@ -6816,29 +7215,28 @@
           <a:noFill/>
         </p:spPr>
         <p:txBody>
-          <a:bodyPr vertOverflow="overflow" horzOverflow="clip" vert="horz" wrap="square" lIns="91440" tIns="45720" rIns="91440" bIns="45720" numCol="1" spcCol="0" rtlCol="0" fromWordArt="0" anchor="t" anchorCtr="0" forceAA="0" upright="0" compatLnSpc="0">
+          <a:bodyPr vertOverflow="overflow" horzOverflow="clip" vert="horz" wrap="square" lIns="91440" tIns="45720" rIns="91440" bIns="45720" numCol="1" spcCol="0" rtlCol="0" fromWordArt="0" anchor="t" anchorCtr="0" forceAA="0" compatLnSpc="0">
             <a:spAutoFit/>
           </a:bodyPr>
-          <a:p>
-            <a:pPr>
-              <a:defRPr/>
-            </a:pPr>
-            <a:r>
-              <a:rPr/>
+          <a:lstStyle/>
+          <a:p>
+            <a:pPr>
+              <a:defRPr/>
+            </a:pPr>
+            <a:r>
               <a:t>numba.cuda</a:t>
             </a:r>
-            <a:endParaRPr/>
-          </a:p>
-        </p:txBody>
-      </p:sp>
-      <p:sp>
-        <p:nvSpPr>
-          <p:cNvPr id="8" name="" hidden="0"/>
+          </a:p>
+        </p:txBody>
+      </p:sp>
+      <p:sp>
+        <p:nvSpPr>
+          <p:cNvPr id="8" name="Rectángulo 7"/>
           <p:cNvSpPr/>
-          <p:nvPr isPhoto="0" userDrawn="0"/>
-        </p:nvSpPr>
-        <p:spPr bwMode="auto">
-          <a:xfrm flipH="0" flipV="0">
+          <p:nvPr/>
+        </p:nvSpPr>
+        <p:spPr bwMode="auto">
+          <a:xfrm>
             <a:off x="2126741" y="4232867"/>
             <a:ext cx="1188529" cy="487715"/>
           </a:xfrm>
@@ -6848,9 +7246,10 @@
           <a:noFill/>
         </p:spPr>
         <p:txBody>
-          <a:bodyPr vertOverflow="overflow" horzOverflow="clip" vert="horz" wrap="square" lIns="91440" tIns="45720" rIns="91440" bIns="45720" numCol="1" spcCol="0" rtlCol="0" fromWordArt="0" anchor="t" anchorCtr="0" forceAA="0" upright="0" compatLnSpc="0">
+          <a:bodyPr vertOverflow="overflow" horzOverflow="clip" vert="horz" wrap="square" lIns="91440" tIns="45720" rIns="91440" bIns="45720" numCol="1" spcCol="0" rtlCol="0" fromWordArt="0" anchor="t" anchorCtr="0" forceAA="0" compatLnSpc="0">
             <a:spAutoFit/>
           </a:bodyPr>
+          <a:lstStyle/>
           <a:p>
             <a:pPr>
               <a:defRPr/>
@@ -6865,12 +7264,12 @@
       </p:sp>
       <p:sp>
         <p:nvSpPr>
-          <p:cNvPr id="9" name="" hidden="0"/>
+          <p:cNvPr id="9" name="Rectángulo 8"/>
           <p:cNvSpPr/>
-          <p:nvPr isPhoto="0" userDrawn="0"/>
-        </p:nvSpPr>
-        <p:spPr bwMode="auto">
-          <a:xfrm flipH="0" flipV="0">
+          <p:nvPr/>
+        </p:nvSpPr>
+        <p:spPr bwMode="auto">
+          <a:xfrm>
             <a:off x="469925" y="4118809"/>
             <a:ext cx="1602979" cy="429377"/>
           </a:xfrm>
@@ -6880,9 +7279,10 @@
           <a:noFill/>
         </p:spPr>
         <p:txBody>
-          <a:bodyPr vertOverflow="overflow" horzOverflow="clip" vert="horz" wrap="square" lIns="91440" tIns="45720" rIns="91440" bIns="45720" numCol="1" spcCol="0" rtlCol="0" fromWordArt="0" anchor="t" anchorCtr="0" forceAA="0" upright="0" compatLnSpc="0">
+          <a:bodyPr vertOverflow="overflow" horzOverflow="clip" vert="horz" wrap="square" lIns="91440" tIns="45720" rIns="91440" bIns="45720" numCol="1" spcCol="0" rtlCol="0" fromWordArt="0" anchor="t" anchorCtr="0" forceAA="0" compatLnSpc="0">
             <a:noAutofit/>
           </a:bodyPr>
+          <a:lstStyle/>
           <a:p>
             <a:pPr>
               <a:defRPr/>
@@ -6891,18 +7291,17 @@
               <a:rPr sz="2600"/>
               <a:t>CUDA C++</a:t>
             </a:r>
-            <a:endParaRPr sz="2600"/>
-          </a:p>
-        </p:txBody>
-      </p:sp>
-      <p:sp>
-        <p:nvSpPr>
-          <p:cNvPr id="10" name="" hidden="0"/>
+          </a:p>
+        </p:txBody>
+      </p:sp>
+      <p:sp>
+        <p:nvSpPr>
+          <p:cNvPr id="10" name="Flecha: a la derecha 9"/>
           <p:cNvSpPr/>
-          <p:nvPr isPhoto="0" userDrawn="0"/>
-        </p:nvSpPr>
-        <p:spPr bwMode="auto">
-          <a:xfrm rot="7623512" flipH="0" flipV="0">
+          <p:nvPr/>
+        </p:nvSpPr>
+        <p:spPr bwMode="auto">
+          <a:xfrm rot="7623512">
             <a:off x="1199620" y="3266787"/>
             <a:ext cx="1387711" cy="229290"/>
           </a:xfrm>
@@ -6942,12 +7341,12 @@
       </p:sp>
       <p:sp>
         <p:nvSpPr>
-          <p:cNvPr id="11" name="" hidden="0"/>
+          <p:cNvPr id="11" name="Flecha: a la derecha 10"/>
           <p:cNvSpPr/>
-          <p:nvPr isPhoto="0" userDrawn="0"/>
-        </p:nvSpPr>
-        <p:spPr bwMode="auto">
-          <a:xfrm rot="5399977" flipH="0" flipV="0">
+          <p:nvPr/>
+        </p:nvSpPr>
+        <p:spPr bwMode="auto">
+          <a:xfrm rot="5399977">
             <a:off x="1999024" y="3440385"/>
             <a:ext cx="1387710" cy="229289"/>
           </a:xfrm>
@@ -6987,12 +7386,12 @@
       </p:sp>
       <p:sp>
         <p:nvSpPr>
-          <p:cNvPr id="12" name="" hidden="0"/>
+          <p:cNvPr id="12" name="Flecha: a la derecha 11"/>
           <p:cNvSpPr/>
-          <p:nvPr isPhoto="0" userDrawn="0"/>
-        </p:nvSpPr>
-        <p:spPr bwMode="auto">
-          <a:xfrm rot="3784236" flipH="0" flipV="0">
+          <p:nvPr/>
+        </p:nvSpPr>
+        <p:spPr bwMode="auto">
+          <a:xfrm rot="3784236">
             <a:off x="4618313" y="3417069"/>
             <a:ext cx="1387710" cy="229289"/>
           </a:xfrm>
@@ -7032,18 +7431,18 @@
       </p:sp>
       <p:pic>
         <p:nvPicPr>
-          <p:cNvPr id="13" name="" hidden="0"/>
+          <p:cNvPr id="13" name="Imagen 12"/>
           <p:cNvPicPr>
             <a:picLocks noChangeAspect="1"/>
           </p:cNvPicPr>
-          <p:nvPr isPhoto="0" userDrawn="0"/>
+          <p:nvPr/>
         </p:nvPicPr>
         <p:blipFill>
           <a:blip r:embed="rId4"/>
           <a:stretch/>
         </p:blipFill>
         <p:spPr bwMode="auto">
-          <a:xfrm flipH="0" flipV="0">
+          <a:xfrm>
             <a:off x="9210472" y="1315757"/>
             <a:ext cx="1284721" cy="1284721"/>
           </a:xfrm>
@@ -7054,12 +7453,12 @@
       </p:pic>
       <p:sp>
         <p:nvSpPr>
-          <p:cNvPr id="14" name="" hidden="0"/>
+          <p:cNvPr id="14" name="Rectángulo 13"/>
           <p:cNvSpPr/>
-          <p:nvPr isPhoto="0" userDrawn="0"/>
-        </p:nvSpPr>
-        <p:spPr bwMode="auto">
-          <a:xfrm flipH="0" flipV="0">
+          <p:nvPr/>
+        </p:nvSpPr>
+        <p:spPr bwMode="auto">
+          <a:xfrm>
             <a:off x="9118502" y="2412018"/>
             <a:ext cx="2120499" cy="704829"/>
           </a:xfrm>
@@ -7069,20 +7468,17 @@
           <a:noFill/>
         </p:spPr>
         <p:txBody>
-          <a:bodyPr vertOverflow="overflow" horzOverflow="clip" vert="horz" wrap="square" lIns="91440" tIns="45720" rIns="91440" bIns="45720" numCol="1" spcCol="0" rtlCol="0" fromWordArt="0" anchor="t" anchorCtr="0" forceAA="0" upright="0" compatLnSpc="0">
+          <a:bodyPr vertOverflow="overflow" horzOverflow="clip" vert="horz" wrap="square" lIns="91440" tIns="45720" rIns="91440" bIns="45720" numCol="1" spcCol="0" rtlCol="0" fromWordArt="0" anchor="t" anchorCtr="0" forceAA="0" compatLnSpc="0">
             <a:noAutofit/>
           </a:bodyPr>
+          <a:lstStyle/>
           <a:p>
             <a:pPr>
               <a:defRPr/>
             </a:pPr>
             <a:r>
               <a:rPr sz="2600"/>
-              <a:t>AMD </a:t>
-            </a:r>
-            <a:r>
-              <a:rPr sz="2600"/>
-              <a:t>GPU</a:t>
+              <a:t>AMD GPU</a:t>
             </a:r>
             <a:endParaRPr sz="3600"/>
           </a:p>
@@ -7090,12 +7486,12 @@
       </p:sp>
       <p:sp>
         <p:nvSpPr>
-          <p:cNvPr id="15" name="" hidden="0"/>
+          <p:cNvPr id="15" name="Flecha: a la derecha 14"/>
           <p:cNvSpPr/>
-          <p:nvPr isPhoto="0" userDrawn="0"/>
-        </p:nvSpPr>
-        <p:spPr bwMode="auto">
-          <a:xfrm rot="3530909" flipH="0" flipV="0">
+          <p:nvPr/>
+        </p:nvSpPr>
+        <p:spPr bwMode="auto">
+          <a:xfrm rot="3530909">
             <a:off x="9801338" y="3281028"/>
             <a:ext cx="1387710" cy="229289"/>
           </a:xfrm>
@@ -7135,12 +7531,12 @@
       </p:sp>
       <p:sp>
         <p:nvSpPr>
-          <p:cNvPr id="16" name="" hidden="0"/>
+          <p:cNvPr id="16" name="Flecha: a la derecha 15"/>
           <p:cNvSpPr/>
-          <p:nvPr isPhoto="0" userDrawn="0"/>
-        </p:nvSpPr>
-        <p:spPr bwMode="auto">
-          <a:xfrm rot="7623512" flipH="0" flipV="0">
+          <p:nvPr/>
+        </p:nvSpPr>
+        <p:spPr bwMode="auto">
+          <a:xfrm rot="7623512">
             <a:off x="8581495" y="3266786"/>
             <a:ext cx="1387710" cy="229289"/>
           </a:xfrm>
@@ -7180,12 +7576,12 @@
       </p:sp>
       <p:sp>
         <p:nvSpPr>
-          <p:cNvPr id="17" name="" hidden="0"/>
+          <p:cNvPr id="17" name="Rectángulo 16"/>
           <p:cNvSpPr/>
-          <p:nvPr isPhoto="0" userDrawn="0"/>
-        </p:nvSpPr>
-        <p:spPr bwMode="auto">
-          <a:xfrm flipH="0" flipV="0">
+          <p:nvPr/>
+        </p:nvSpPr>
+        <p:spPr bwMode="auto">
+          <a:xfrm>
             <a:off x="8099031" y="3925231"/>
             <a:ext cx="1502971" cy="365795"/>
           </a:xfrm>
@@ -7195,29 +7591,28 @@
           <a:noFill/>
         </p:spPr>
         <p:txBody>
-          <a:bodyPr vertOverflow="overflow" horzOverflow="clip" vert="horz" wrap="square" lIns="91440" tIns="45720" rIns="91440" bIns="45720" numCol="1" spcCol="0" rtlCol="0" fromWordArt="0" anchor="t" anchorCtr="0" forceAA="0" upright="0" compatLnSpc="0">
+          <a:bodyPr vertOverflow="overflow" horzOverflow="clip" vert="horz" wrap="square" lIns="91440" tIns="45720" rIns="91440" bIns="45720" numCol="1" spcCol="0" rtlCol="0" fromWordArt="0" anchor="t" anchorCtr="0" forceAA="0" compatLnSpc="0">
             <a:spAutoFit/>
           </a:bodyPr>
-          <a:p>
-            <a:pPr>
-              <a:defRPr/>
-            </a:pPr>
-            <a:r>
-              <a:rPr/>
+          <a:lstStyle/>
+          <a:p>
+            <a:pPr>
+              <a:defRPr/>
+            </a:pPr>
+            <a:r>
               <a:t>numba.roc</a:t>
             </a:r>
-            <a:endParaRPr/>
-          </a:p>
-        </p:txBody>
-      </p:sp>
-      <p:sp>
-        <p:nvSpPr>
-          <p:cNvPr id="18" name="" hidden="0"/>
+          </a:p>
+        </p:txBody>
+      </p:sp>
+      <p:sp>
+        <p:nvSpPr>
+          <p:cNvPr id="18" name="Rectángulo 17"/>
           <p:cNvSpPr/>
-          <p:nvPr isPhoto="0" userDrawn="0"/>
-        </p:nvSpPr>
-        <p:spPr bwMode="auto">
-          <a:xfrm flipH="0" flipV="0">
+          <p:nvPr/>
+        </p:nvSpPr>
+        <p:spPr bwMode="auto">
+          <a:xfrm>
             <a:off x="10038150" y="4118809"/>
             <a:ext cx="1682749" cy="793749"/>
           </a:xfrm>
@@ -7227,9 +7622,10 @@
           <a:noFill/>
         </p:spPr>
         <p:txBody>
-          <a:bodyPr vertOverflow="overflow" horzOverflow="clip" vert="horz" wrap="square" lIns="91440" tIns="45720" rIns="91440" bIns="45720" numCol="1" spcCol="0" rtlCol="0" fromWordArt="0" anchor="t" anchorCtr="0" forceAA="0" upright="0" compatLnSpc="0">
+          <a:bodyPr vertOverflow="overflow" horzOverflow="clip" vert="horz" wrap="square" lIns="91440" tIns="45720" rIns="91440" bIns="45720" numCol="1" spcCol="0" rtlCol="0" fromWordArt="0" anchor="t" anchorCtr="0" forceAA="0" compatLnSpc="0">
             <a:noAutofit/>
           </a:bodyPr>
+          <a:lstStyle/>
           <a:p>
             <a:pPr>
               <a:defRPr/>
@@ -7244,14 +7640,14 @@
       </p:sp>
       <p:cxnSp>
         <p:nvCxnSpPr>
-          <p:cNvPr id="19" name="" hidden="0"/>
+          <p:cNvPr id="19" name="Conector: angular 18"/>
           <p:cNvCxnSpPr>
             <a:cxnSpLocks/>
           </p:cNvCxnSpPr>
-          <p:nvPr isPhoto="0" userDrawn="0"/>
+          <p:nvPr/>
         </p:nvCxnSpPr>
         <p:spPr bwMode="auto">
-          <a:xfrm flipH="0" flipV="0">
+          <a:xfrm>
             <a:off x="4157249" y="2182090"/>
             <a:ext cx="5880899" cy="2250360"/>
           </a:xfrm>
@@ -7285,12 +7681,12 @@
       </p:cxnSp>
       <p:sp>
         <p:nvSpPr>
-          <p:cNvPr id="20" name="" hidden="0"/>
+          <p:cNvPr id="20" name="Flecha: a la derecha 19"/>
           <p:cNvSpPr/>
-          <p:nvPr isPhoto="0" userDrawn="0"/>
-        </p:nvSpPr>
-        <p:spPr bwMode="auto">
-          <a:xfrm rot="2131299" flipH="0" flipV="0">
+          <p:nvPr/>
+        </p:nvSpPr>
+        <p:spPr bwMode="auto">
+          <a:xfrm rot="2131299">
             <a:off x="5598351" y="3351338"/>
             <a:ext cx="1949932" cy="176170"/>
           </a:xfrm>
@@ -7330,12 +7726,12 @@
       </p:sp>
       <p:sp>
         <p:nvSpPr>
-          <p:cNvPr id="21" name="" hidden="0"/>
+          <p:cNvPr id="21" name="Flecha: a la derecha 20"/>
           <p:cNvSpPr/>
-          <p:nvPr isPhoto="0" userDrawn="0"/>
-        </p:nvSpPr>
-        <p:spPr bwMode="auto">
-          <a:xfrm rot="4403375" flipH="0" flipV="0">
+          <p:nvPr/>
+        </p:nvSpPr>
+        <p:spPr bwMode="auto">
+          <a:xfrm rot="4403375">
             <a:off x="3203109" y="3401975"/>
             <a:ext cx="1387710" cy="229289"/>
           </a:xfrm>
@@ -7375,18 +7771,18 @@
       </p:sp>
       <p:pic>
         <p:nvPicPr>
-          <p:cNvPr id="22" name="" hidden="0"/>
+          <p:cNvPr id="22" name="Imagen 21"/>
           <p:cNvPicPr>
             <a:picLocks noChangeAspect="1"/>
           </p:cNvPicPr>
-          <p:nvPr isPhoto="0" userDrawn="0"/>
+          <p:nvPr/>
         </p:nvPicPr>
         <p:blipFill>
           <a:blip r:embed="rId5"/>
           <a:stretch/>
         </p:blipFill>
         <p:spPr bwMode="auto">
-          <a:xfrm flipH="0" flipV="0">
+          <a:xfrm>
             <a:off x="3375312" y="4415302"/>
             <a:ext cx="1659710" cy="541209"/>
           </a:xfrm>
@@ -7397,12 +7793,12 @@
       </p:pic>
       <p:sp>
         <p:nvSpPr>
-          <p:cNvPr id="23" name="" hidden="0"/>
+          <p:cNvPr id="23" name="Rectángulo 22"/>
           <p:cNvSpPr/>
-          <p:nvPr isPhoto="0" userDrawn="0"/>
-        </p:nvSpPr>
-        <p:spPr bwMode="auto">
-          <a:xfrm flipH="0" flipV="0">
+          <p:nvPr/>
+        </p:nvSpPr>
+        <p:spPr bwMode="auto">
+          <a:xfrm>
             <a:off x="5404159" y="4286249"/>
             <a:ext cx="1575954" cy="640115"/>
           </a:xfrm>
@@ -7412,9 +7808,10 @@
           <a:noFill/>
         </p:spPr>
         <p:txBody>
-          <a:bodyPr vertOverflow="overflow" horzOverflow="clip" vert="horz" wrap="square" lIns="91440" tIns="45720" rIns="91440" bIns="45720" numCol="1" spcCol="0" rtlCol="0" fromWordArt="0" anchor="t" anchorCtr="0" forceAA="0" upright="0" compatLnSpc="0">
+          <a:bodyPr vertOverflow="overflow" horzOverflow="clip" vert="horz" wrap="square" lIns="91440" tIns="45720" rIns="91440" bIns="45720" numCol="1" spcCol="0" rtlCol="0" fromWordArt="0" anchor="t" anchorCtr="0" forceAA="0" compatLnSpc="0">
             <a:noAutofit/>
           </a:bodyPr>
+          <a:lstStyle/>
           <a:p>
             <a:pPr>
               <a:defRPr/>
@@ -7423,7 +7820,6 @@
               <a:rPr sz="2600"/>
               <a:t>openACC</a:t>
             </a:r>
-            <a:endParaRPr sz="2600"/>
           </a:p>
         </p:txBody>
       </p:sp>
@@ -7432,25 +7828,17 @@
   <p:clrMapOvr>
     <a:masterClrMapping/>
   </p:clrMapOvr>
-  <mc:AlternateContent xmlns:mc="http://schemas.openxmlformats.org/markup-compatibility/2006">
-    <mc:Choice xmlns:p14="http://schemas.microsoft.com/office/powerpoint/2010/main" Requires="p14">
-      <p:transition p14:dur="2000" advClick="1"/>
-    </mc:Choice>
-    <mc:Fallback>
-      <p:transition advClick="1"/>
-    </mc:Fallback>
-  </mc:AlternateContent>
 </p:sld>
 </file>
 
-<file path=ppt/slides/slide16.xml><?xml version="1.0" encoding="utf-8"?>
-<p:sld xmlns:a="http://schemas.openxmlformats.org/drawingml/2006/main" xmlns:r="http://schemas.openxmlformats.org/officeDocument/2006/relationships" xmlns:p="http://schemas.openxmlformats.org/presentationml/2006/main" xmlns:m="http://schemas.openxmlformats.org/officeDocument/2006/math" xmlns:w="http://schemas.openxmlformats.org/wordprocessingml/2006/main" showMasterPhAnim="0" show="1">
-  <p:cSld name="">
+<file path=ppt/slides/slide17.xml><?xml version="1.0" encoding="utf-8"?>
+<p:sld xmlns:a="http://schemas.openxmlformats.org/drawingml/2006/main" xmlns:r="http://schemas.openxmlformats.org/officeDocument/2006/relationships" xmlns:p="http://schemas.openxmlformats.org/presentationml/2006/main" showMasterPhAnim="0">
+  <p:cSld>
     <p:spTree>
       <p:nvGrpSpPr>
-        <p:cNvPr id="1" name="" hidden="0"/>
+        <p:cNvPr id="1" name=""/>
         <p:cNvGrpSpPr/>
-        <p:nvPr isPhoto="0" userDrawn="0"/>
+        <p:nvPr/>
       </p:nvGrpSpPr>
       <p:grpSpPr bwMode="auto">
         <a:xfrm>
@@ -7462,18 +7850,18 @@
       </p:grpSpPr>
       <p:pic>
         <p:nvPicPr>
-          <p:cNvPr id="4" name="" hidden="0"/>
+          <p:cNvPr id="4" name="Imagen 3"/>
           <p:cNvPicPr>
             <a:picLocks noChangeAspect="1"/>
           </p:cNvPicPr>
-          <p:nvPr isPhoto="0" userDrawn="0"/>
+          <p:nvPr/>
         </p:nvPicPr>
         <p:blipFill>
           <a:blip r:embed="rId2"/>
           <a:stretch/>
         </p:blipFill>
         <p:spPr bwMode="auto">
-          <a:xfrm flipH="0" flipV="0">
+          <a:xfrm>
             <a:off x="7315656" y="4333498"/>
             <a:ext cx="1781226" cy="1334200"/>
           </a:xfrm>
@@ -7484,12 +7872,12 @@
       </p:pic>
       <p:sp>
         <p:nvSpPr>
-          <p:cNvPr id="5" name="" hidden="0"/>
+          <p:cNvPr id="5" name="Rectángulo 4"/>
           <p:cNvSpPr/>
-          <p:nvPr isPhoto="0" userDrawn="0"/>
-        </p:nvSpPr>
-        <p:spPr bwMode="auto">
-          <a:xfrm flipH="0" flipV="0">
+          <p:nvPr/>
+        </p:nvSpPr>
+        <p:spPr bwMode="auto">
+          <a:xfrm>
             <a:off x="3176083" y="4159249"/>
             <a:ext cx="5810249" cy="1904999"/>
           </a:xfrm>
@@ -7526,16 +7914,16 @@
       </p:sp>
       <p:sp>
         <p:nvSpPr>
-          <p:cNvPr id="6" name="Titre 1" hidden="0"/>
+          <p:cNvPr id="6" name="Titre 1"/>
           <p:cNvSpPr>
             <a:spLocks noGrp="1"/>
           </p:cNvSpPr>
-          <p:nvPr isPhoto="0" userDrawn="0">
-            <p:ph type="title" hasCustomPrompt="0"/>
+          <p:nvPr>
+            <p:ph type="title"/>
           </p:nvPr>
         </p:nvSpPr>
         <p:spPr bwMode="auto">
-          <a:xfrm flipH="0" flipV="0">
+          <a:xfrm>
             <a:off x="171450" y="198437"/>
             <a:ext cx="11783643" cy="1325562"/>
           </a:xfrm>
@@ -7548,27 +7936,25 @@
               <a:defRPr/>
             </a:pPr>
             <a:r>
-              <a:rPr/>
               <a:t>Writing your kernel : GPU technologies programming</a:t>
             </a:r>
-            <a:endParaRPr/>
           </a:p>
         </p:txBody>
       </p:sp>
       <p:pic>
         <p:nvPicPr>
-          <p:cNvPr id="7" name="" hidden="0"/>
+          <p:cNvPr id="7" name="Imagen 6"/>
           <p:cNvPicPr>
             <a:picLocks noChangeAspect="1"/>
           </p:cNvPicPr>
-          <p:nvPr isPhoto="0" userDrawn="0"/>
+          <p:nvPr/>
         </p:nvPicPr>
         <p:blipFill>
           <a:blip r:embed="rId3"/>
           <a:stretch/>
         </p:blipFill>
         <p:spPr bwMode="auto">
-          <a:xfrm flipH="0" flipV="0">
+          <a:xfrm>
             <a:off x="2030795" y="1478716"/>
             <a:ext cx="2016896" cy="1221304"/>
           </a:xfrm>
@@ -7579,12 +7965,12 @@
       </p:pic>
       <p:sp>
         <p:nvSpPr>
-          <p:cNvPr id="8" name="" hidden="0"/>
+          <p:cNvPr id="8" name="Rectángulo 7"/>
           <p:cNvSpPr/>
-          <p:nvPr isPhoto="0" userDrawn="0"/>
-        </p:nvSpPr>
-        <p:spPr bwMode="auto">
-          <a:xfrm flipH="0" flipV="0">
+          <p:nvPr/>
+        </p:nvSpPr>
+        <p:spPr bwMode="auto">
+          <a:xfrm>
             <a:off x="6915787" y="4110928"/>
             <a:ext cx="1502756" cy="365795"/>
           </a:xfrm>
@@ -7594,29 +7980,28 @@
           <a:noFill/>
         </p:spPr>
         <p:txBody>
-          <a:bodyPr vertOverflow="overflow" horzOverflow="clip" vert="horz" wrap="square" lIns="91440" tIns="45720" rIns="91440" bIns="45720" numCol="1" spcCol="0" rtlCol="0" fromWordArt="0" anchor="t" anchorCtr="0" forceAA="0" upright="0" compatLnSpc="0">
+          <a:bodyPr vertOverflow="overflow" horzOverflow="clip" vert="horz" wrap="square" lIns="91440" tIns="45720" rIns="91440" bIns="45720" numCol="1" spcCol="0" rtlCol="0" fromWordArt="0" anchor="t" anchorCtr="0" forceAA="0" compatLnSpc="0">
             <a:spAutoFit/>
           </a:bodyPr>
-          <a:p>
-            <a:pPr>
-              <a:defRPr/>
-            </a:pPr>
-            <a:r>
-              <a:rPr/>
+          <a:lstStyle/>
+          <a:p>
+            <a:pPr>
+              <a:defRPr/>
+            </a:pPr>
+            <a:r>
               <a:t>numba.cuda</a:t>
             </a:r>
-            <a:endParaRPr/>
-          </a:p>
-        </p:txBody>
-      </p:sp>
-      <p:sp>
-        <p:nvSpPr>
-          <p:cNvPr id="9" name="" hidden="0"/>
+          </a:p>
+        </p:txBody>
+      </p:sp>
+      <p:sp>
+        <p:nvSpPr>
+          <p:cNvPr id="9" name="Rectángulo 8"/>
           <p:cNvSpPr/>
-          <p:nvPr isPhoto="0" userDrawn="0"/>
-        </p:nvSpPr>
-        <p:spPr bwMode="auto">
-          <a:xfrm flipH="0" flipV="0">
+          <p:nvPr/>
+        </p:nvSpPr>
+        <p:spPr bwMode="auto">
+          <a:xfrm>
             <a:off x="2126741" y="4232867"/>
             <a:ext cx="1188529" cy="487715"/>
           </a:xfrm>
@@ -7626,9 +8011,10 @@
           <a:noFill/>
         </p:spPr>
         <p:txBody>
-          <a:bodyPr vertOverflow="overflow" horzOverflow="clip" vert="horz" wrap="square" lIns="91440" tIns="45720" rIns="91440" bIns="45720" numCol="1" spcCol="0" rtlCol="0" fromWordArt="0" anchor="t" anchorCtr="0" forceAA="0" upright="0" compatLnSpc="0">
+          <a:bodyPr vertOverflow="overflow" horzOverflow="clip" vert="horz" wrap="square" lIns="91440" tIns="45720" rIns="91440" bIns="45720" numCol="1" spcCol="0" rtlCol="0" fromWordArt="0" anchor="t" anchorCtr="0" forceAA="0" compatLnSpc="0">
             <a:spAutoFit/>
           </a:bodyPr>
+          <a:lstStyle/>
           <a:p>
             <a:pPr>
               <a:defRPr/>
@@ -7643,12 +8029,12 @@
       </p:sp>
       <p:sp>
         <p:nvSpPr>
-          <p:cNvPr id="10" name="" hidden="0"/>
+          <p:cNvPr id="10" name="Rectángulo 9"/>
           <p:cNvSpPr/>
-          <p:nvPr isPhoto="0" userDrawn="0"/>
-        </p:nvSpPr>
-        <p:spPr bwMode="auto">
-          <a:xfrm flipH="0" flipV="0">
+          <p:nvPr/>
+        </p:nvSpPr>
+        <p:spPr bwMode="auto">
+          <a:xfrm>
             <a:off x="469925" y="4118809"/>
             <a:ext cx="1602979" cy="429377"/>
           </a:xfrm>
@@ -7658,9 +8044,10 @@
           <a:noFill/>
         </p:spPr>
         <p:txBody>
-          <a:bodyPr vertOverflow="overflow" horzOverflow="clip" vert="horz" wrap="square" lIns="91440" tIns="45720" rIns="91440" bIns="45720" numCol="1" spcCol="0" rtlCol="0" fromWordArt="0" anchor="t" anchorCtr="0" forceAA="0" upright="0" compatLnSpc="0">
+          <a:bodyPr vertOverflow="overflow" horzOverflow="clip" vert="horz" wrap="square" lIns="91440" tIns="45720" rIns="91440" bIns="45720" numCol="1" spcCol="0" rtlCol="0" fromWordArt="0" anchor="t" anchorCtr="0" forceAA="0" compatLnSpc="0">
             <a:noAutofit/>
           </a:bodyPr>
+          <a:lstStyle/>
           <a:p>
             <a:pPr>
               <a:defRPr/>
@@ -7669,18 +8056,17 @@
               <a:rPr sz="2600"/>
               <a:t>CUDA C++</a:t>
             </a:r>
-            <a:endParaRPr sz="2600"/>
-          </a:p>
-        </p:txBody>
-      </p:sp>
-      <p:sp>
-        <p:nvSpPr>
-          <p:cNvPr id="11" name="" hidden="0"/>
+          </a:p>
+        </p:txBody>
+      </p:sp>
+      <p:sp>
+        <p:nvSpPr>
+          <p:cNvPr id="11" name="Flecha: a la derecha 10"/>
           <p:cNvSpPr/>
-          <p:nvPr isPhoto="0" userDrawn="0"/>
-        </p:nvSpPr>
-        <p:spPr bwMode="auto">
-          <a:xfrm rot="7623512" flipH="0" flipV="0">
+          <p:nvPr/>
+        </p:nvSpPr>
+        <p:spPr bwMode="auto">
+          <a:xfrm rot="7623512">
             <a:off x="1199620" y="3266787"/>
             <a:ext cx="1387711" cy="229290"/>
           </a:xfrm>
@@ -7720,12 +8106,12 @@
       </p:sp>
       <p:sp>
         <p:nvSpPr>
-          <p:cNvPr id="12" name="" hidden="0"/>
+          <p:cNvPr id="12" name="Flecha: a la derecha 11"/>
           <p:cNvSpPr/>
-          <p:nvPr isPhoto="0" userDrawn="0"/>
-        </p:nvSpPr>
-        <p:spPr bwMode="auto">
-          <a:xfrm rot="5399977" flipH="0" flipV="0">
+          <p:nvPr/>
+        </p:nvSpPr>
+        <p:spPr bwMode="auto">
+          <a:xfrm rot="5399977">
             <a:off x="1999024" y="3440385"/>
             <a:ext cx="1387710" cy="229289"/>
           </a:xfrm>
@@ -7765,12 +8151,12 @@
       </p:sp>
       <p:sp>
         <p:nvSpPr>
-          <p:cNvPr id="13" name="" hidden="0"/>
+          <p:cNvPr id="13" name="Flecha: a la derecha 12"/>
           <p:cNvSpPr/>
-          <p:nvPr isPhoto="0" userDrawn="0"/>
-        </p:nvSpPr>
-        <p:spPr bwMode="auto">
-          <a:xfrm rot="3784236" flipH="0" flipV="0">
+          <p:nvPr/>
+        </p:nvSpPr>
+        <p:spPr bwMode="auto">
+          <a:xfrm rot="3784236">
             <a:off x="4618313" y="3417069"/>
             <a:ext cx="1387710" cy="229289"/>
           </a:xfrm>
@@ -7810,18 +8196,18 @@
       </p:sp>
       <p:pic>
         <p:nvPicPr>
-          <p:cNvPr id="14" name="" hidden="0"/>
+          <p:cNvPr id="14" name="Imagen 13"/>
           <p:cNvPicPr>
             <a:picLocks noChangeAspect="1"/>
           </p:cNvPicPr>
-          <p:nvPr isPhoto="0" userDrawn="0"/>
+          <p:nvPr/>
         </p:nvPicPr>
         <p:blipFill>
           <a:blip r:embed="rId4"/>
           <a:stretch/>
         </p:blipFill>
         <p:spPr bwMode="auto">
-          <a:xfrm flipH="0" flipV="0">
+          <a:xfrm>
             <a:off x="9210472" y="1315757"/>
             <a:ext cx="1284721" cy="1284721"/>
           </a:xfrm>
@@ -7832,12 +8218,12 @@
       </p:pic>
       <p:sp>
         <p:nvSpPr>
-          <p:cNvPr id="15" name="" hidden="0"/>
+          <p:cNvPr id="15" name="Rectángulo 14"/>
           <p:cNvSpPr/>
-          <p:nvPr isPhoto="0" userDrawn="0"/>
-        </p:nvSpPr>
-        <p:spPr bwMode="auto">
-          <a:xfrm flipH="0" flipV="0">
+          <p:nvPr/>
+        </p:nvSpPr>
+        <p:spPr bwMode="auto">
+          <a:xfrm>
             <a:off x="9118502" y="2412018"/>
             <a:ext cx="2120499" cy="704829"/>
           </a:xfrm>
@@ -7847,20 +8233,17 @@
           <a:noFill/>
         </p:spPr>
         <p:txBody>
-          <a:bodyPr vertOverflow="overflow" horzOverflow="clip" vert="horz" wrap="square" lIns="91440" tIns="45720" rIns="91440" bIns="45720" numCol="1" spcCol="0" rtlCol="0" fromWordArt="0" anchor="t" anchorCtr="0" forceAA="0" upright="0" compatLnSpc="0">
+          <a:bodyPr vertOverflow="overflow" horzOverflow="clip" vert="horz" wrap="square" lIns="91440" tIns="45720" rIns="91440" bIns="45720" numCol="1" spcCol="0" rtlCol="0" fromWordArt="0" anchor="t" anchorCtr="0" forceAA="0" compatLnSpc="0">
             <a:noAutofit/>
           </a:bodyPr>
+          <a:lstStyle/>
           <a:p>
             <a:pPr>
               <a:defRPr/>
             </a:pPr>
             <a:r>
               <a:rPr sz="2600"/>
-              <a:t>AMD </a:t>
-            </a:r>
-            <a:r>
-              <a:rPr sz="2600"/>
-              <a:t>GPU</a:t>
+              <a:t>AMD GPU</a:t>
             </a:r>
             <a:endParaRPr sz="3600"/>
           </a:p>
@@ -7868,12 +8251,12 @@
       </p:sp>
       <p:sp>
         <p:nvSpPr>
-          <p:cNvPr id="16" name="" hidden="0"/>
+          <p:cNvPr id="16" name="Flecha: a la derecha 15"/>
           <p:cNvSpPr/>
-          <p:nvPr isPhoto="0" userDrawn="0"/>
-        </p:nvSpPr>
-        <p:spPr bwMode="auto">
-          <a:xfrm rot="3530909" flipH="0" flipV="0">
+          <p:nvPr/>
+        </p:nvSpPr>
+        <p:spPr bwMode="auto">
+          <a:xfrm rot="3530909">
             <a:off x="9801338" y="3281028"/>
             <a:ext cx="1387710" cy="229289"/>
           </a:xfrm>
@@ -7913,12 +8296,12 @@
       </p:sp>
       <p:sp>
         <p:nvSpPr>
-          <p:cNvPr id="17" name="" hidden="0"/>
+          <p:cNvPr id="17" name="Flecha: a la derecha 16"/>
           <p:cNvSpPr/>
-          <p:nvPr isPhoto="0" userDrawn="0"/>
-        </p:nvSpPr>
-        <p:spPr bwMode="auto">
-          <a:xfrm rot="7623512" flipH="0" flipV="0">
+          <p:nvPr/>
+        </p:nvSpPr>
+        <p:spPr bwMode="auto">
+          <a:xfrm rot="7623512">
             <a:off x="8581495" y="3266786"/>
             <a:ext cx="1387710" cy="229289"/>
           </a:xfrm>
@@ -7958,12 +8341,12 @@
       </p:sp>
       <p:sp>
         <p:nvSpPr>
-          <p:cNvPr id="18" name="" hidden="0"/>
+          <p:cNvPr id="18" name="Rectángulo 17"/>
           <p:cNvSpPr/>
-          <p:nvPr isPhoto="0" userDrawn="0"/>
-        </p:nvSpPr>
-        <p:spPr bwMode="auto">
-          <a:xfrm flipH="0" flipV="0">
+          <p:nvPr/>
+        </p:nvSpPr>
+        <p:spPr bwMode="auto">
+          <a:xfrm>
             <a:off x="8204864" y="3819398"/>
             <a:ext cx="1502971" cy="365795"/>
           </a:xfrm>
@@ -7973,29 +8356,28 @@
           <a:noFill/>
         </p:spPr>
         <p:txBody>
-          <a:bodyPr vertOverflow="overflow" horzOverflow="clip" vert="horz" wrap="square" lIns="91440" tIns="45720" rIns="91440" bIns="45720" numCol="1" spcCol="0" rtlCol="0" fromWordArt="0" anchor="t" anchorCtr="0" forceAA="0" upright="0" compatLnSpc="0">
+          <a:bodyPr vertOverflow="overflow" horzOverflow="clip" vert="horz" wrap="square" lIns="91440" tIns="45720" rIns="91440" bIns="45720" numCol="1" spcCol="0" rtlCol="0" fromWordArt="0" anchor="t" anchorCtr="0" forceAA="0" compatLnSpc="0">
             <a:spAutoFit/>
           </a:bodyPr>
-          <a:p>
-            <a:pPr>
-              <a:defRPr/>
-            </a:pPr>
-            <a:r>
-              <a:rPr/>
+          <a:lstStyle/>
+          <a:p>
+            <a:pPr>
+              <a:defRPr/>
+            </a:pPr>
+            <a:r>
               <a:t>numba.roc</a:t>
             </a:r>
-            <a:endParaRPr/>
-          </a:p>
-        </p:txBody>
-      </p:sp>
-      <p:sp>
-        <p:nvSpPr>
-          <p:cNvPr id="19" name="" hidden="0"/>
+          </a:p>
+        </p:txBody>
+      </p:sp>
+      <p:sp>
+        <p:nvSpPr>
+          <p:cNvPr id="19" name="Rectángulo 18"/>
           <p:cNvSpPr/>
-          <p:nvPr isPhoto="0" userDrawn="0"/>
-        </p:nvSpPr>
-        <p:spPr bwMode="auto">
-          <a:xfrm flipH="0" flipV="0">
+          <p:nvPr/>
+        </p:nvSpPr>
+        <p:spPr bwMode="auto">
+          <a:xfrm>
             <a:off x="10038150" y="4118809"/>
             <a:ext cx="1682749" cy="793749"/>
           </a:xfrm>
@@ -8005,9 +8387,10 @@
           <a:noFill/>
         </p:spPr>
         <p:txBody>
-          <a:bodyPr vertOverflow="overflow" horzOverflow="clip" vert="horz" wrap="square" lIns="91440" tIns="45720" rIns="91440" bIns="45720" numCol="1" spcCol="0" rtlCol="0" fromWordArt="0" anchor="t" anchorCtr="0" forceAA="0" upright="0" compatLnSpc="0">
+          <a:bodyPr vertOverflow="overflow" horzOverflow="clip" vert="horz" wrap="square" lIns="91440" tIns="45720" rIns="91440" bIns="45720" numCol="1" spcCol="0" rtlCol="0" fromWordArt="0" anchor="t" anchorCtr="0" forceAA="0" compatLnSpc="0">
             <a:noAutofit/>
           </a:bodyPr>
+          <a:lstStyle/>
           <a:p>
             <a:pPr>
               <a:defRPr/>
@@ -8022,14 +8405,14 @@
       </p:sp>
       <p:cxnSp>
         <p:nvCxnSpPr>
-          <p:cNvPr id="20" name="" hidden="0"/>
+          <p:cNvPr id="20" name="Conector: angular 19"/>
           <p:cNvCxnSpPr>
             <a:cxnSpLocks/>
           </p:cNvCxnSpPr>
-          <p:nvPr isPhoto="0" userDrawn="0"/>
+          <p:nvPr/>
         </p:nvCxnSpPr>
         <p:spPr bwMode="auto">
-          <a:xfrm flipH="0" flipV="0">
+          <a:xfrm>
             <a:off x="4157249" y="2182090"/>
             <a:ext cx="5880899" cy="2250360"/>
           </a:xfrm>
@@ -8063,12 +8446,12 @@
       </p:cxnSp>
       <p:sp>
         <p:nvSpPr>
-          <p:cNvPr id="21" name="" hidden="0"/>
+          <p:cNvPr id="21" name="Flecha: a la derecha 20"/>
           <p:cNvSpPr/>
-          <p:nvPr isPhoto="0" userDrawn="0"/>
-        </p:nvSpPr>
-        <p:spPr bwMode="auto">
-          <a:xfrm rot="2131299" flipH="0" flipV="0">
+          <p:nvPr/>
+        </p:nvSpPr>
+        <p:spPr bwMode="auto">
+          <a:xfrm rot="2131299">
             <a:off x="5598351" y="3351338"/>
             <a:ext cx="1949932" cy="176170"/>
           </a:xfrm>
@@ -8108,12 +8491,12 @@
       </p:sp>
       <p:sp>
         <p:nvSpPr>
-          <p:cNvPr id="22" name="" hidden="0"/>
+          <p:cNvPr id="22" name="Flecha: a la derecha 21"/>
           <p:cNvSpPr/>
-          <p:nvPr isPhoto="0" userDrawn="0"/>
-        </p:nvSpPr>
-        <p:spPr bwMode="auto">
-          <a:xfrm rot="4403375" flipH="0" flipV="0">
+          <p:nvPr/>
+        </p:nvSpPr>
+        <p:spPr bwMode="auto">
+          <a:xfrm rot="4403375">
             <a:off x="3203109" y="3401975"/>
             <a:ext cx="1387710" cy="229289"/>
           </a:xfrm>
@@ -8153,18 +8536,18 @@
       </p:sp>
       <p:pic>
         <p:nvPicPr>
-          <p:cNvPr id="23" name="" hidden="0"/>
+          <p:cNvPr id="23" name="Imagen 22"/>
           <p:cNvPicPr>
             <a:picLocks noChangeAspect="1"/>
           </p:cNvPicPr>
-          <p:nvPr isPhoto="0" userDrawn="0"/>
+          <p:nvPr/>
         </p:nvPicPr>
         <p:blipFill>
           <a:blip r:embed="rId5"/>
           <a:stretch/>
         </p:blipFill>
         <p:spPr bwMode="auto">
-          <a:xfrm flipH="0" flipV="0">
+          <a:xfrm>
             <a:off x="3375312" y="4415302"/>
             <a:ext cx="1659710" cy="541209"/>
           </a:xfrm>
@@ -8175,12 +8558,12 @@
       </p:pic>
       <p:sp>
         <p:nvSpPr>
-          <p:cNvPr id="24" name="" hidden="0"/>
+          <p:cNvPr id="24" name="Rectángulo 23"/>
           <p:cNvSpPr/>
-          <p:nvPr isPhoto="0" userDrawn="0"/>
-        </p:nvSpPr>
-        <p:spPr bwMode="auto">
-          <a:xfrm flipH="0" flipV="0">
+          <p:nvPr/>
+        </p:nvSpPr>
+        <p:spPr bwMode="auto">
+          <a:xfrm>
             <a:off x="5404159" y="4286249"/>
             <a:ext cx="1575954" cy="640115"/>
           </a:xfrm>
@@ -8190,9 +8573,10 @@
           <a:noFill/>
         </p:spPr>
         <p:txBody>
-          <a:bodyPr vertOverflow="overflow" horzOverflow="clip" vert="horz" wrap="square" lIns="91440" tIns="45720" rIns="91440" bIns="45720" numCol="1" spcCol="0" rtlCol="0" fromWordArt="0" anchor="t" anchorCtr="0" forceAA="0" upright="0" compatLnSpc="0">
+          <a:bodyPr vertOverflow="overflow" horzOverflow="clip" vert="horz" wrap="square" lIns="91440" tIns="45720" rIns="91440" bIns="45720" numCol="1" spcCol="0" rtlCol="0" fromWordArt="0" anchor="t" anchorCtr="0" forceAA="0" compatLnSpc="0">
             <a:noAutofit/>
           </a:bodyPr>
+          <a:lstStyle/>
           <a:p>
             <a:pPr>
               <a:defRPr/>
@@ -8201,18 +8585,17 @@
               <a:rPr sz="2600"/>
               <a:t>openACC</a:t>
             </a:r>
-            <a:endParaRPr sz="2600"/>
-          </a:p>
-        </p:txBody>
-      </p:sp>
-      <p:sp>
-        <p:nvSpPr>
-          <p:cNvPr id="25" name="" hidden="0"/>
+          </a:p>
+        </p:txBody>
+      </p:sp>
+      <p:sp>
+        <p:nvSpPr>
+          <p:cNvPr id="25" name="Rectángulo 24"/>
           <p:cNvSpPr/>
-          <p:nvPr isPhoto="0" userDrawn="0"/>
-        </p:nvSpPr>
-        <p:spPr bwMode="auto">
-          <a:xfrm flipH="0" flipV="0">
+          <p:nvPr/>
+        </p:nvSpPr>
+        <p:spPr bwMode="auto">
+          <a:xfrm>
             <a:off x="4128583" y="5545666"/>
             <a:ext cx="4181496" cy="457235"/>
           </a:xfrm>
@@ -8222,9 +8605,10 @@
           <a:noFill/>
         </p:spPr>
         <p:txBody>
-          <a:bodyPr vertOverflow="overflow" horzOverflow="clip" vert="horz" wrap="square" lIns="91440" tIns="45720" rIns="91440" bIns="45720" numCol="1" spcCol="0" rtlCol="0" fromWordArt="0" anchor="t" anchorCtr="0" forceAA="0" upright="0" compatLnSpc="0">
+          <a:bodyPr vertOverflow="overflow" horzOverflow="clip" vert="horz" wrap="square" lIns="91440" tIns="45720" rIns="91440" bIns="45720" numCol="1" spcCol="0" rtlCol="0" fromWordArt="0" anchor="t" anchorCtr="0" forceAA="0" compatLnSpc="0">
             <a:spAutoFit/>
           </a:bodyPr>
+          <a:lstStyle/>
           <a:p>
             <a:pPr>
               <a:defRPr/>
@@ -8242,25 +8626,17 @@
   <p:clrMapOvr>
     <a:masterClrMapping/>
   </p:clrMapOvr>
-  <mc:AlternateContent xmlns:mc="http://schemas.openxmlformats.org/markup-compatibility/2006">
-    <mc:Choice xmlns:p14="http://schemas.microsoft.com/office/powerpoint/2010/main" Requires="p14">
-      <p:transition p14:dur="2000" advClick="1"/>
-    </mc:Choice>
-    <mc:Fallback>
-      <p:transition advClick="1"/>
-    </mc:Fallback>
-  </mc:AlternateContent>
 </p:sld>
 </file>
 
-<file path=ppt/slides/slide17.xml><?xml version="1.0" encoding="utf-8"?>
-<p:sld xmlns:a="http://schemas.openxmlformats.org/drawingml/2006/main" xmlns:r="http://schemas.openxmlformats.org/officeDocument/2006/relationships" xmlns:p="http://schemas.openxmlformats.org/presentationml/2006/main" xmlns:m="http://schemas.openxmlformats.org/officeDocument/2006/math" xmlns:w="http://schemas.openxmlformats.org/wordprocessingml/2006/main" showMasterPhAnim="0" show="1">
-  <p:cSld name="">
+<file path=ppt/slides/slide18.xml><?xml version="1.0" encoding="utf-8"?>
+<p:sld xmlns:a="http://schemas.openxmlformats.org/drawingml/2006/main" xmlns:r="http://schemas.openxmlformats.org/officeDocument/2006/relationships" xmlns:p="http://schemas.openxmlformats.org/presentationml/2006/main" showMasterPhAnim="0">
+  <p:cSld>
     <p:spTree>
       <p:nvGrpSpPr>
-        <p:cNvPr id="1" name="" hidden="0"/>
+        <p:cNvPr id="1" name=""/>
         <p:cNvGrpSpPr/>
-        <p:nvPr isPhoto="0" userDrawn="0"/>
+        <p:nvPr/>
       </p:nvGrpSpPr>
       <p:grpSpPr bwMode="auto">
         <a:xfrm>
@@ -8272,12 +8648,12 @@
       </p:grpSpPr>
       <p:sp>
         <p:nvSpPr>
-          <p:cNvPr id="4" name="Titre 1" hidden="0"/>
+          <p:cNvPr id="4" name="Titre 1"/>
           <p:cNvSpPr>
             <a:spLocks noGrp="1"/>
           </p:cNvSpPr>
-          <p:nvPr isPhoto="0" userDrawn="0">
-            <p:ph type="title" hasCustomPrompt="0"/>
+          <p:nvPr>
+            <p:ph type="title"/>
           </p:nvPr>
         </p:nvSpPr>
         <p:spPr bwMode="auto"/>
@@ -8289,10 +8665,8 @@
               <a:defRPr/>
             </a:pPr>
             <a:r>
-              <a:rPr/>
               <a:t>GPU computing at SCICORE</a:t>
             </a:r>
-            <a:endParaRPr/>
           </a:p>
         </p:txBody>
       </p:sp>
@@ -8301,25 +8675,17 @@
   <p:clrMapOvr>
     <a:masterClrMapping/>
   </p:clrMapOvr>
-  <mc:AlternateContent xmlns:mc="http://schemas.openxmlformats.org/markup-compatibility/2006">
-    <mc:Choice xmlns:p14="http://schemas.microsoft.com/office/powerpoint/2010/main" Requires="p14">
-      <p:transition p14:dur="2000" advClick="1"/>
-    </mc:Choice>
-    <mc:Fallback>
-      <p:transition advClick="1"/>
-    </mc:Fallback>
-  </mc:AlternateContent>
 </p:sld>
 </file>
 
 <file path=ppt/slides/slide2.xml><?xml version="1.0" encoding="utf-8"?>
-<p:sld xmlns:a="http://schemas.openxmlformats.org/drawingml/2006/main" xmlns:r="http://schemas.openxmlformats.org/officeDocument/2006/relationships" xmlns:p="http://schemas.openxmlformats.org/presentationml/2006/main" xmlns:m="http://schemas.openxmlformats.org/officeDocument/2006/math" xmlns:w="http://schemas.openxmlformats.org/wordprocessingml/2006/main" showMasterPhAnim="0" show="1">
-  <p:cSld name="">
+<p:sld xmlns:a="http://schemas.openxmlformats.org/drawingml/2006/main" xmlns:r="http://schemas.openxmlformats.org/officeDocument/2006/relationships" xmlns:p="http://schemas.openxmlformats.org/presentationml/2006/main" showMasterPhAnim="0">
+  <p:cSld>
     <p:spTree>
       <p:nvGrpSpPr>
-        <p:cNvPr id="1" name="" hidden="0"/>
+        <p:cNvPr id="1" name=""/>
         <p:cNvGrpSpPr/>
-        <p:nvPr isPhoto="0" userDrawn="0"/>
+        <p:nvPr/>
       </p:nvGrpSpPr>
       <p:grpSpPr bwMode="auto">
         <a:xfrm>
@@ -8331,12 +8697,92 @@
       </p:grpSpPr>
       <p:sp>
         <p:nvSpPr>
-          <p:cNvPr id="4" name="Titre 1" hidden="0"/>
+          <p:cNvPr id="5" name="Sous-titre 2"/>
           <p:cNvSpPr>
             <a:spLocks noGrp="1"/>
           </p:cNvSpPr>
-          <p:nvPr isPhoto="0" userDrawn="0">
-            <p:ph type="title" hasCustomPrompt="0"/>
+          <p:nvPr>
+            <p:ph type="subTitle" idx="1"/>
+          </p:nvPr>
+        </p:nvSpPr>
+        <p:spPr bwMode="auto">
+          <a:xfrm>
+            <a:off x="1415480" y="1412776"/>
+            <a:ext cx="9144000" cy="1655762"/>
+          </a:xfrm>
+        </p:spPr>
+        <p:txBody>
+          <a:bodyPr>
+            <a:normAutofit fontScale="92500" lnSpcReduction="20000"/>
+          </a:bodyPr>
+          <a:lstStyle/>
+          <a:p>
+            <a:pPr>
+              <a:defRPr/>
+            </a:pPr>
+            <a:r>
+              <a:rPr lang="en-US" dirty="0"/>
+              <a:t>Maybe add some photos of a GPU vs a CPU to ease the entry to the slides, so that the first slide is not a graph directly.</a:t>
+            </a:r>
+          </a:p>
+          <a:p>
+            <a:pPr>
+              <a:defRPr/>
+            </a:pPr>
+            <a:r>
+              <a:rPr lang="en-US" dirty="0"/>
+              <a:t>I bet that some people haven’t ever seen a GPU!</a:t>
+            </a:r>
+          </a:p>
+          <a:p>
+            <a:pPr>
+              <a:defRPr/>
+            </a:pPr>
+            <a:r>
+              <a:rPr lang="en-US" dirty="0"/>
+              <a:t>Maybe also mention that they have been (and still are) being used for gaming, but since early 2000s they are getting more common in research.</a:t>
+            </a:r>
+          </a:p>
+        </p:txBody>
+      </p:sp>
+    </p:spTree>
+    <p:extLst>
+      <p:ext uri="{BB962C8B-B14F-4D97-AF65-F5344CB8AC3E}">
+        <p14:creationId xmlns:p14="http://schemas.microsoft.com/office/powerpoint/2010/main" val="837272109"/>
+      </p:ext>
+    </p:extLst>
+  </p:cSld>
+  <p:clrMapOvr>
+    <a:masterClrMapping/>
+  </p:clrMapOvr>
+</p:sld>
+</file>
+
+<file path=ppt/slides/slide3.xml><?xml version="1.0" encoding="utf-8"?>
+<p:sld xmlns:a="http://schemas.openxmlformats.org/drawingml/2006/main" xmlns:r="http://schemas.openxmlformats.org/officeDocument/2006/relationships" xmlns:p="http://schemas.openxmlformats.org/presentationml/2006/main" showMasterPhAnim="0">
+  <p:cSld>
+    <p:spTree>
+      <p:nvGrpSpPr>
+        <p:cNvPr id="1" name=""/>
+        <p:cNvGrpSpPr/>
+        <p:nvPr/>
+      </p:nvGrpSpPr>
+      <p:grpSpPr bwMode="auto">
+        <a:xfrm>
+          <a:off x="0" y="0"/>
+          <a:ext cx="0" cy="0"/>
+          <a:chOff x="0" y="0"/>
+          <a:chExt cx="0" cy="0"/>
+        </a:xfrm>
+      </p:grpSpPr>
+      <p:sp>
+        <p:nvSpPr>
+          <p:cNvPr id="4" name="Titre 1"/>
+          <p:cNvSpPr>
+            <a:spLocks noGrp="1"/>
+          </p:cNvSpPr>
+          <p:nvPr>
+            <p:ph type="title"/>
           </p:nvPr>
         </p:nvSpPr>
         <p:spPr bwMode="auto"/>
@@ -8357,11 +8803,11 @@
       </p:sp>
       <p:pic>
         <p:nvPicPr>
-          <p:cNvPr id="5" name="Image 3" descr="Une image contenant carte, texte&#10;&#10;Description générée automatiquement" hidden="0"/>
+          <p:cNvPr id="5" name="Image 3" descr="Une image contenant carte, texte&#10;&#10;Description générée automatiquement"/>
           <p:cNvPicPr>
             <a:picLocks noChangeAspect="1"/>
           </p:cNvPicPr>
-          <p:nvPr isPhoto="0" userDrawn="0"/>
+          <p:nvPr/>
         </p:nvPicPr>
         <p:blipFill>
           <a:blip r:embed="rId3"/>
@@ -8379,9 +8825,9 @@
       </p:pic>
       <p:sp>
         <p:nvSpPr>
-          <p:cNvPr id="6" name="Rectangle 4" hidden="0"/>
+          <p:cNvPr id="6" name="Rectangle 4"/>
           <p:cNvSpPr/>
-          <p:nvPr isPhoto="0" userDrawn="0"/>
+          <p:nvPr/>
         </p:nvSpPr>
         <p:spPr bwMode="auto">
           <a:xfrm>
@@ -8403,7 +8849,7 @@
             </a:pPr>
             <a:r>
               <a:rPr lang="en-US" u="sng">
-                <a:hlinkClick r:id="rId4" tooltip=""/>
+                <a:hlinkClick r:id="rId4"/>
               </a:rPr>
               <a:t>https://docs.nvidia.com/cuda/cuda-c-programming-guide/</a:t>
             </a:r>
@@ -8416,25 +8862,17 @@
   <p:clrMapOvr>
     <a:masterClrMapping/>
   </p:clrMapOvr>
-  <mc:AlternateContent xmlns:mc="http://schemas.openxmlformats.org/markup-compatibility/2006">
-    <mc:Choice xmlns:p14="http://schemas.microsoft.com/office/powerpoint/2010/main" Requires="p14">
-      <p:transition p14:dur="2000" advClick="1"/>
-    </mc:Choice>
-    <mc:Fallback>
-      <p:transition advClick="1"/>
-    </mc:Fallback>
-  </mc:AlternateContent>
 </p:sld>
 </file>
 
-<file path=ppt/slides/slide3.xml><?xml version="1.0" encoding="utf-8"?>
-<p:sld xmlns:a="http://schemas.openxmlformats.org/drawingml/2006/main" xmlns:r="http://schemas.openxmlformats.org/officeDocument/2006/relationships" xmlns:p="http://schemas.openxmlformats.org/presentationml/2006/main" xmlns:m="http://schemas.openxmlformats.org/officeDocument/2006/math" xmlns:w="http://schemas.openxmlformats.org/wordprocessingml/2006/main" showMasterPhAnim="0" show="1">
-  <p:cSld name="">
+<file path=ppt/slides/slide4.xml><?xml version="1.0" encoding="utf-8"?>
+<p:sld xmlns:a="http://schemas.openxmlformats.org/drawingml/2006/main" xmlns:r="http://schemas.openxmlformats.org/officeDocument/2006/relationships" xmlns:p="http://schemas.openxmlformats.org/presentationml/2006/main" showMasterPhAnim="0">
+  <p:cSld>
     <p:spTree>
       <p:nvGrpSpPr>
-        <p:cNvPr id="1" name="" hidden="0"/>
+        <p:cNvPr id="1" name=""/>
         <p:cNvGrpSpPr/>
-        <p:nvPr isPhoto="0" userDrawn="0"/>
+        <p:nvPr/>
       </p:nvGrpSpPr>
       <p:grpSpPr bwMode="auto">
         <a:xfrm>
@@ -8446,11 +8884,11 @@
       </p:grpSpPr>
       <p:pic>
         <p:nvPicPr>
-          <p:cNvPr id="4" name="Image 4" descr="Une image contenant texte, carte&#10;&#10;Description générée automatiquement" hidden="0"/>
+          <p:cNvPr id="4" name="Image 4" descr="Une image contenant texte, carte&#10;&#10;Description générée automatiquement"/>
           <p:cNvPicPr>
             <a:picLocks noChangeAspect="1"/>
           </p:cNvPicPr>
-          <p:nvPr isPhoto="0" userDrawn="0"/>
+          <p:nvPr/>
         </p:nvPicPr>
         <p:blipFill>
           <a:blip r:embed="rId3"/>
@@ -8468,9 +8906,9 @@
       </p:pic>
       <p:sp>
         <p:nvSpPr>
-          <p:cNvPr id="5" name="Rectangle 7" hidden="0"/>
+          <p:cNvPr id="5" name="Rectangle 7"/>
           <p:cNvSpPr/>
-          <p:nvPr isPhoto="0" userDrawn="0"/>
+          <p:nvPr/>
         </p:nvSpPr>
         <p:spPr bwMode="auto">
           <a:xfrm>
@@ -8492,7 +8930,7 @@
             </a:pPr>
             <a:r>
               <a:rPr lang="en-US" u="sng">
-                <a:hlinkClick r:id="rId4" tooltip=""/>
+                <a:hlinkClick r:id="rId4"/>
               </a:rPr>
               <a:t>https://docs.nvidia.com/cuda/cuda-c-programming-guide/</a:t>
             </a:r>
@@ -8505,25 +8943,17 @@
   <p:clrMapOvr>
     <a:masterClrMapping/>
   </p:clrMapOvr>
-  <mc:AlternateContent xmlns:mc="http://schemas.openxmlformats.org/markup-compatibility/2006">
-    <mc:Choice xmlns:p14="http://schemas.microsoft.com/office/powerpoint/2010/main" Requires="p14">
-      <p:transition p14:dur="2000" advClick="1"/>
-    </mc:Choice>
-    <mc:Fallback>
-      <p:transition advClick="1"/>
-    </mc:Fallback>
-  </mc:AlternateContent>
 </p:sld>
 </file>
 
-<file path=ppt/slides/slide4.xml><?xml version="1.0" encoding="utf-8"?>
-<p:sld xmlns:a="http://schemas.openxmlformats.org/drawingml/2006/main" xmlns:r="http://schemas.openxmlformats.org/officeDocument/2006/relationships" xmlns:p="http://schemas.openxmlformats.org/presentationml/2006/main" xmlns:m="http://schemas.openxmlformats.org/officeDocument/2006/math" xmlns:w="http://schemas.openxmlformats.org/wordprocessingml/2006/main" showMasterPhAnim="0" show="1">
-  <p:cSld name="">
+<file path=ppt/slides/slide5.xml><?xml version="1.0" encoding="utf-8"?>
+<p:sld xmlns:a="http://schemas.openxmlformats.org/drawingml/2006/main" xmlns:r="http://schemas.openxmlformats.org/officeDocument/2006/relationships" xmlns:p="http://schemas.openxmlformats.org/presentationml/2006/main" showMasterPhAnim="0">
+  <p:cSld>
     <p:spTree>
       <p:nvGrpSpPr>
-        <p:cNvPr id="1" name="" hidden="0"/>
+        <p:cNvPr id="1" name=""/>
         <p:cNvGrpSpPr/>
-        <p:nvPr isPhoto="0" userDrawn="0"/>
+        <p:nvPr/>
       </p:nvGrpSpPr>
       <p:grpSpPr bwMode="auto">
         <a:xfrm>
@@ -8535,11 +8965,11 @@
       </p:grpSpPr>
       <p:pic>
         <p:nvPicPr>
-          <p:cNvPr id="4" name="Image 3" hidden="0"/>
+          <p:cNvPr id="4" name="Image 3"/>
           <p:cNvPicPr>
             <a:picLocks noChangeAspect="1"/>
           </p:cNvPicPr>
-          <p:nvPr isPhoto="0" userDrawn="0"/>
+          <p:nvPr/>
         </p:nvPicPr>
         <p:blipFill>
           <a:blip r:embed="rId3"/>
@@ -8557,11 +8987,11 @@
       </p:pic>
       <p:pic>
         <p:nvPicPr>
-          <p:cNvPr id="5" name="Image 6" descr="Une image contenant capture d’écran&#10;&#10;Description générée automatiquement" hidden="0"/>
+          <p:cNvPr id="5" name="Image 6" descr="Une image contenant capture d’écran&#10;&#10;Description générée automatiquement"/>
           <p:cNvPicPr>
             <a:picLocks noChangeAspect="1"/>
           </p:cNvPicPr>
-          <p:nvPr isPhoto="0" userDrawn="0"/>
+          <p:nvPr/>
         </p:nvPicPr>
         <p:blipFill>
           <a:blip r:embed="rId4"/>
@@ -8579,11 +9009,11 @@
       </p:pic>
       <p:sp>
         <p:nvSpPr>
-          <p:cNvPr id="6" name="ZoneTexte 9" hidden="0"/>
-          <p:cNvSpPr>
-            <a:spLocks noAdjustHandles="0" noChangeArrowheads="0"/>
-          </p:cNvSpPr>
-          <p:nvPr isPhoto="0" userDrawn="0"/>
+          <p:cNvPr id="6" name="ZoneTexte 9"/>
+          <p:cNvSpPr>
+            <a:spLocks/>
+          </p:cNvSpPr>
+          <p:nvPr/>
         </p:nvSpPr>
         <p:spPr bwMode="auto">
           <a:xfrm>
@@ -8606,31 +9036,18 @@
             </a:pPr>
             <a:r>
               <a:rPr lang="en-US"/>
-              <a:t>Single GPU using </a:t>
-            </a:r>
-            <a:r>
-              <a:rPr lang="en-US"/>
-              <a:t>CuPy</a:t>
-            </a:r>
-            <a:r>
-              <a:rPr lang="en-US"/>
-              <a:t> library (GPU optimized library) compared to </a:t>
-            </a:r>
-            <a:r>
-              <a:rPr lang="en-US"/>
-              <a:t>numpy</a:t>
-            </a:r>
-            <a:endParaRPr lang="en-US"/>
-          </a:p>
-        </p:txBody>
-      </p:sp>
-      <p:sp>
-        <p:nvSpPr>
-          <p:cNvPr id="7" name="ZoneTexte 10" hidden="0"/>
-          <p:cNvSpPr>
-            <a:spLocks noAdjustHandles="0" noChangeArrowheads="0"/>
-          </p:cNvSpPr>
-          <p:nvPr isPhoto="0" userDrawn="0"/>
+              <a:t>Single GPU using CuPy library (GPU optimized library) compared to numpy</a:t>
+            </a:r>
+          </a:p>
+        </p:txBody>
+      </p:sp>
+      <p:sp>
+        <p:nvSpPr>
+          <p:cNvPr id="7" name="ZoneTexte 10"/>
+          <p:cNvSpPr>
+            <a:spLocks/>
+          </p:cNvSpPr>
+          <p:nvPr/>
         </p:nvSpPr>
         <p:spPr bwMode="auto">
           <a:xfrm>
@@ -8653,7 +9070,7 @@
             </a:pPr>
             <a:r>
               <a:rPr lang="en-US" sz="1200" u="sng">
-                <a:hlinkClick r:id="rId5" tooltip=""/>
+                <a:hlinkClick r:id="rId5"/>
               </a:rPr>
               <a:t>https://blog.dask.org/2019/06/27/single-gpu-cupy-benchmarks</a:t>
             </a:r>
@@ -8663,11 +9080,11 @@
       </p:sp>
       <p:sp>
         <p:nvSpPr>
-          <p:cNvPr id="8" name="ZoneTexte 11" hidden="0"/>
-          <p:cNvSpPr>
-            <a:spLocks noAdjustHandles="0" noChangeArrowheads="0"/>
-          </p:cNvSpPr>
-          <p:nvPr isPhoto="0" userDrawn="0"/>
+          <p:cNvPr id="8" name="ZoneTexte 11"/>
+          <p:cNvSpPr>
+            <a:spLocks/>
+          </p:cNvSpPr>
+          <p:nvPr/>
         </p:nvSpPr>
         <p:spPr bwMode="auto">
           <a:xfrm>
@@ -8690,15 +9107,7 @@
             </a:pPr>
             <a:r>
               <a:rPr lang="en-US"/>
-              <a:t>Comparison between </a:t>
-            </a:r>
-            <a:r>
-              <a:rPr lang="en-US"/>
-              <a:t>cuRAND</a:t>
-            </a:r>
-            <a:r>
-              <a:rPr lang="en-US"/>
-              <a:t> library (GPU optimize) and MKL library (CPU optimize)</a:t>
+              <a:t>Comparison between cuRAND library (GPU optimize) and MKL library (CPU optimize)</a:t>
             </a:r>
             <a:endParaRPr/>
           </a:p>
@@ -8706,11 +9115,11 @@
       </p:sp>
       <p:sp>
         <p:nvSpPr>
-          <p:cNvPr id="9" name="ZoneTexte 12" hidden="0"/>
-          <p:cNvSpPr>
-            <a:spLocks noAdjustHandles="0" noChangeArrowheads="0"/>
-          </p:cNvSpPr>
-          <p:nvPr isPhoto="0" userDrawn="0"/>
+          <p:cNvPr id="9" name="ZoneTexte 12"/>
+          <p:cNvSpPr>
+            <a:spLocks/>
+          </p:cNvSpPr>
+          <p:nvPr/>
         </p:nvSpPr>
         <p:spPr bwMode="auto">
           <a:xfrm>
@@ -8741,9 +9150,9 @@
       </p:sp>
       <p:sp>
         <p:nvSpPr>
-          <p:cNvPr id="10" name="Rectangle 13" hidden="0"/>
+          <p:cNvPr id="10" name="Rectangle 13"/>
           <p:cNvSpPr/>
-          <p:nvPr isPhoto="0" userDrawn="0"/>
+          <p:nvPr/>
         </p:nvSpPr>
         <p:spPr bwMode="auto">
           <a:xfrm>
@@ -8765,7 +9174,7 @@
             </a:pPr>
             <a:r>
               <a:rPr lang="en-US" sz="1200" u="sng">
-                <a:hlinkClick r:id="rId6" tooltip=""/>
+                <a:hlinkClick r:id="rId6"/>
               </a:rPr>
               <a:t>http://www.eurorisksystems.com/documents/speed_up_of_numeric_calculations_using_GPU.pdf</a:t>
             </a:r>
@@ -8778,25 +9187,17 @@
   <p:clrMapOvr>
     <a:masterClrMapping/>
   </p:clrMapOvr>
-  <mc:AlternateContent xmlns:mc="http://schemas.openxmlformats.org/markup-compatibility/2006">
-    <mc:Choice xmlns:p14="http://schemas.microsoft.com/office/powerpoint/2010/main" Requires="p14">
-      <p:transition p14:dur="2000" advClick="1"/>
-    </mc:Choice>
-    <mc:Fallback>
-      <p:transition advClick="1"/>
-    </mc:Fallback>
-  </mc:AlternateContent>
 </p:sld>
 </file>
 
-<file path=ppt/slides/slide5.xml><?xml version="1.0" encoding="utf-8"?>
-<p:sld xmlns:a="http://schemas.openxmlformats.org/drawingml/2006/main" xmlns:r="http://schemas.openxmlformats.org/officeDocument/2006/relationships" xmlns:p="http://schemas.openxmlformats.org/presentationml/2006/main" xmlns:m="http://schemas.openxmlformats.org/officeDocument/2006/math" xmlns:w="http://schemas.openxmlformats.org/wordprocessingml/2006/main" showMasterPhAnim="0" show="1">
-  <p:cSld name="">
+<file path=ppt/slides/slide6.xml><?xml version="1.0" encoding="utf-8"?>
+<p:sld xmlns:a="http://schemas.openxmlformats.org/drawingml/2006/main" xmlns:r="http://schemas.openxmlformats.org/officeDocument/2006/relationships" xmlns:p="http://schemas.openxmlformats.org/presentationml/2006/main" showMasterPhAnim="0">
+  <p:cSld>
     <p:spTree>
       <p:nvGrpSpPr>
-        <p:cNvPr id="1" name="" hidden="0"/>
+        <p:cNvPr id="1" name=""/>
         <p:cNvGrpSpPr/>
-        <p:nvPr isPhoto="0" userDrawn="0"/>
+        <p:nvPr/>
       </p:nvGrpSpPr>
       <p:grpSpPr bwMode="auto">
         <a:xfrm>
@@ -8808,12 +9209,12 @@
       </p:grpSpPr>
       <p:sp>
         <p:nvSpPr>
-          <p:cNvPr id="4" name="Titre 1" hidden="0"/>
+          <p:cNvPr id="4" name="Titre 1"/>
           <p:cNvSpPr>
             <a:spLocks noGrp="1"/>
           </p:cNvSpPr>
-          <p:nvPr isPhoto="0" userDrawn="0">
-            <p:ph type="title" hasCustomPrompt="0"/>
+          <p:nvPr>
+            <p:ph type="title"/>
           </p:nvPr>
         </p:nvSpPr>
         <p:spPr bwMode="auto">
@@ -8839,11 +9240,11 @@
       </p:sp>
       <p:pic>
         <p:nvPicPr>
-          <p:cNvPr id="5" name="Image 5" descr="Une image contenant en bois&#10;&#10;Description générée automatiquement" hidden="0"/>
+          <p:cNvPr id="5" name="Image 5" descr="Une image contenant en bois&#10;&#10;Description générée automatiquement"/>
           <p:cNvPicPr>
             <a:picLocks noChangeAspect="1"/>
           </p:cNvPicPr>
-          <p:nvPr isPhoto="0" userDrawn="0"/>
+          <p:nvPr/>
         </p:nvPicPr>
         <p:blipFill>
           <a:blip r:embed="rId3"/>
@@ -8861,9 +9262,9 @@
       </p:pic>
       <p:sp>
         <p:nvSpPr>
-          <p:cNvPr id="6" name="Rectangle 6" hidden="0"/>
+          <p:cNvPr id="6" name="Rectangle 6"/>
           <p:cNvSpPr/>
-          <p:nvPr isPhoto="0" userDrawn="0"/>
+          <p:nvPr/>
         </p:nvSpPr>
         <p:spPr bwMode="auto">
           <a:xfrm>
@@ -8911,11 +9312,11 @@
       </p:sp>
       <p:sp>
         <p:nvSpPr>
-          <p:cNvPr id="7" name="ZoneTexte 7" hidden="0"/>
-          <p:cNvSpPr>
-            <a:spLocks noAdjustHandles="0" noChangeArrowheads="0"/>
-          </p:cNvSpPr>
-          <p:nvPr isPhoto="0" userDrawn="0"/>
+          <p:cNvPr id="7" name="ZoneTexte 7"/>
+          <p:cNvSpPr>
+            <a:spLocks/>
+          </p:cNvSpPr>
+          <p:nvPr/>
         </p:nvSpPr>
         <p:spPr bwMode="auto">
           <a:xfrm>
@@ -8946,11 +9347,11 @@
       </p:sp>
       <p:cxnSp>
         <p:nvCxnSpPr>
-          <p:cNvPr id="8" name="Connecteur droit avec flèche 9" hidden="0"/>
+          <p:cNvPr id="8" name="Connecteur droit avec flèche 9"/>
           <p:cNvCxnSpPr>
             <a:cxnSpLocks/>
           </p:cNvCxnSpPr>
-          <p:nvPr isPhoto="0" userDrawn="0"/>
+          <p:nvPr/>
         </p:nvCxnSpPr>
         <p:spPr bwMode="auto">
           <a:xfrm flipH="1">
@@ -8984,11 +9385,11 @@
       </p:cxnSp>
       <p:cxnSp>
         <p:nvCxnSpPr>
-          <p:cNvPr id="9" name="Connecteur droit avec flèche 11" hidden="0"/>
+          <p:cNvPr id="9" name="Connecteur droit avec flèche 11"/>
           <p:cNvCxnSpPr>
             <a:cxnSpLocks/>
           </p:cNvCxnSpPr>
-          <p:nvPr isPhoto="0" userDrawn="0"/>
+          <p:nvPr/>
         </p:nvCxnSpPr>
         <p:spPr bwMode="auto">
           <a:xfrm flipV="1">
@@ -9022,11 +9423,11 @@
       </p:cxnSp>
       <p:sp>
         <p:nvSpPr>
-          <p:cNvPr id="10" name="ZoneTexte 13" hidden="0"/>
-          <p:cNvSpPr>
-            <a:spLocks noAdjustHandles="0" noChangeArrowheads="0"/>
-          </p:cNvSpPr>
-          <p:nvPr isPhoto="0" userDrawn="0"/>
+          <p:cNvPr id="10" name="ZoneTexte 13"/>
+          <p:cNvSpPr>
+            <a:spLocks/>
+          </p:cNvSpPr>
+          <p:nvPr/>
         </p:nvSpPr>
         <p:spPr bwMode="auto">
           <a:xfrm>
@@ -9057,9 +9458,9 @@
       </p:sp>
       <p:sp>
         <p:nvSpPr>
-          <p:cNvPr id="11" name="Rectangle 16" hidden="0"/>
+          <p:cNvPr id="11" name="Rectangle 16"/>
           <p:cNvSpPr/>
-          <p:nvPr isPhoto="0" userDrawn="0"/>
+          <p:nvPr/>
         </p:nvSpPr>
         <p:spPr bwMode="auto">
           <a:xfrm>
@@ -9135,11 +9536,11 @@
       </p:sp>
       <p:cxnSp>
         <p:nvCxnSpPr>
-          <p:cNvPr id="12" name="Connecteur droit avec flèche 9" hidden="0"/>
+          <p:cNvPr id="12" name="Connecteur droit avec flèche 9"/>
           <p:cNvCxnSpPr>
             <a:cxnSpLocks/>
           </p:cNvCxnSpPr>
-          <p:nvPr isPhoto="0" userDrawn="0"/>
+          <p:nvPr/>
         </p:nvCxnSpPr>
         <p:spPr bwMode="auto">
           <a:xfrm flipH="1">
@@ -9173,14 +9574,14 @@
       </p:cxnSp>
       <p:cxnSp>
         <p:nvCxnSpPr>
-          <p:cNvPr id="13" name="" hidden="0"/>
+          <p:cNvPr id="13" name="Conector recto 12"/>
           <p:cNvCxnSpPr>
             <a:cxnSpLocks/>
           </p:cNvCxnSpPr>
-          <p:nvPr isPhoto="0" userDrawn="0"/>
+          <p:nvPr/>
         </p:nvCxnSpPr>
         <p:spPr bwMode="auto">
-          <a:xfrm rot="0" flipH="0" flipV="0">
+          <a:xfrm>
             <a:off x="2029615" y="1440961"/>
             <a:ext cx="610576" cy="512884"/>
           </a:xfrm>
@@ -9215,12 +9616,12 @@
       </p:cxnSp>
       <p:sp>
         <p:nvSpPr>
-          <p:cNvPr id="14" name="" hidden="0"/>
+          <p:cNvPr id="14" name="Rectángulo 13"/>
           <p:cNvSpPr/>
-          <p:nvPr isPhoto="0" userDrawn="0"/>
-        </p:nvSpPr>
-        <p:spPr bwMode="auto">
-          <a:xfrm flipH="0" flipV="0">
+          <p:nvPr/>
+        </p:nvSpPr>
+        <p:spPr bwMode="auto">
+          <a:xfrm>
             <a:off x="429903" y="760205"/>
             <a:ext cx="3199422" cy="561730"/>
           </a:xfrm>
@@ -9230,18 +9631,17 @@
           <a:noFill/>
         </p:spPr>
         <p:txBody>
-          <a:bodyPr vertOverflow="overflow" horzOverflow="clip" vert="horz" wrap="square" lIns="91440" tIns="45720" rIns="91440" bIns="45720" numCol="1" spcCol="0" rtlCol="0" fromWordArt="0" anchor="t" anchorCtr="0" forceAA="0" upright="0" compatLnSpc="0">
+          <a:bodyPr vertOverflow="overflow" horzOverflow="clip" vert="horz" wrap="square" lIns="91440" tIns="45720" rIns="91440" bIns="45720" numCol="1" spcCol="0" rtlCol="0" fromWordArt="0" anchor="t" anchorCtr="0" forceAA="0" compatLnSpc="0">
             <a:noAutofit/>
           </a:bodyPr>
-          <a:p>
-            <a:pPr>
-              <a:defRPr/>
-            </a:pPr>
-            <a:r>
-              <a:rPr/>
+          <a:lstStyle/>
+          <a:p>
+            <a:pPr>
+              <a:defRPr/>
+            </a:pPr>
+            <a:r>
               <a:t>Arithmetic  Logic Unit :  brick component of processing unit</a:t>
             </a:r>
-            <a:endParaRPr/>
           </a:p>
         </p:txBody>
       </p:sp>
@@ -9250,25 +9650,17 @@
   <p:clrMapOvr>
     <a:masterClrMapping/>
   </p:clrMapOvr>
-  <mc:AlternateContent xmlns:mc="http://schemas.openxmlformats.org/markup-compatibility/2006">
-    <mc:Choice xmlns:p14="http://schemas.microsoft.com/office/powerpoint/2010/main" Requires="p14">
-      <p:transition p14:dur="2000" advClick="1"/>
-    </mc:Choice>
-    <mc:Fallback>
-      <p:transition advClick="1"/>
-    </mc:Fallback>
-  </mc:AlternateContent>
 </p:sld>
 </file>
 
-<file path=ppt/slides/slide6.xml><?xml version="1.0" encoding="utf-8"?>
-<p:sld xmlns:a="http://schemas.openxmlformats.org/drawingml/2006/main" xmlns:r="http://schemas.openxmlformats.org/officeDocument/2006/relationships" xmlns:p="http://schemas.openxmlformats.org/presentationml/2006/main" xmlns:m="http://schemas.openxmlformats.org/officeDocument/2006/math" xmlns:w="http://schemas.openxmlformats.org/wordprocessingml/2006/main" showMasterPhAnim="0" show="1">
-  <p:cSld name="">
+<file path=ppt/slides/slide7.xml><?xml version="1.0" encoding="utf-8"?>
+<p:sld xmlns:a="http://schemas.openxmlformats.org/drawingml/2006/main" xmlns:r="http://schemas.openxmlformats.org/officeDocument/2006/relationships" xmlns:p="http://schemas.openxmlformats.org/presentationml/2006/main" showMasterPhAnim="0">
+  <p:cSld>
     <p:spTree>
       <p:nvGrpSpPr>
-        <p:cNvPr id="1" name="" hidden="0"/>
+        <p:cNvPr id="1" name=""/>
         <p:cNvGrpSpPr/>
-        <p:nvPr isPhoto="0" userDrawn="0"/>
+        <p:nvPr/>
       </p:nvGrpSpPr>
       <p:grpSpPr bwMode="auto">
         <a:xfrm>
@@ -9280,12 +9672,12 @@
       </p:grpSpPr>
       <p:sp>
         <p:nvSpPr>
-          <p:cNvPr id="4" name="Titre 1" hidden="0"/>
+          <p:cNvPr id="4" name="Titre 1"/>
           <p:cNvSpPr>
             <a:spLocks noGrp="1"/>
           </p:cNvSpPr>
-          <p:nvPr isPhoto="0" userDrawn="0">
-            <p:ph type="title" hasCustomPrompt="0"/>
+          <p:nvPr>
+            <p:ph type="title"/>
           </p:nvPr>
         </p:nvSpPr>
         <p:spPr bwMode="auto">
@@ -9311,11 +9703,11 @@
       </p:sp>
       <p:pic>
         <p:nvPicPr>
-          <p:cNvPr id="5" name="Image 5" descr="Une image contenant en bois&#10;&#10;Description générée automatiquement" hidden="0"/>
+          <p:cNvPr id="5" name="Image 5" descr="Une image contenant en bois&#10;&#10;Description générée automatiquement"/>
           <p:cNvPicPr>
             <a:picLocks noChangeAspect="1"/>
           </p:cNvPicPr>
-          <p:nvPr isPhoto="0" userDrawn="0"/>
+          <p:nvPr/>
         </p:nvPicPr>
         <p:blipFill>
           <a:blip r:embed="rId3"/>
@@ -9333,9 +9725,9 @@
       </p:pic>
       <p:sp>
         <p:nvSpPr>
-          <p:cNvPr id="6" name="Rectangle 6" hidden="0"/>
+          <p:cNvPr id="6" name="Rectangle 6"/>
           <p:cNvSpPr/>
-          <p:nvPr isPhoto="0" userDrawn="0"/>
+          <p:nvPr/>
         </p:nvSpPr>
         <p:spPr bwMode="auto">
           <a:xfrm>
@@ -9383,11 +9775,11 @@
       </p:sp>
       <p:sp>
         <p:nvSpPr>
-          <p:cNvPr id="7" name="ZoneTexte 7" hidden="0"/>
-          <p:cNvSpPr>
-            <a:spLocks noAdjustHandles="0" noChangeArrowheads="0"/>
-          </p:cNvSpPr>
-          <p:nvPr isPhoto="0" userDrawn="0"/>
+          <p:cNvPr id="7" name="ZoneTexte 7"/>
+          <p:cNvSpPr>
+            <a:spLocks/>
+          </p:cNvSpPr>
+          <p:nvPr/>
         </p:nvSpPr>
         <p:spPr bwMode="auto">
           <a:xfrm>
@@ -9418,11 +9810,11 @@
       </p:sp>
       <p:cxnSp>
         <p:nvCxnSpPr>
-          <p:cNvPr id="8" name="Connecteur droit avec flèche 9" hidden="0"/>
+          <p:cNvPr id="8" name="Connecteur droit avec flèche 9"/>
           <p:cNvCxnSpPr>
             <a:cxnSpLocks/>
           </p:cNvCxnSpPr>
-          <p:nvPr isPhoto="0" userDrawn="0"/>
+          <p:nvPr/>
         </p:nvCxnSpPr>
         <p:spPr bwMode="auto">
           <a:xfrm flipH="1">
@@ -9456,11 +9848,11 @@
       </p:cxnSp>
       <p:cxnSp>
         <p:nvCxnSpPr>
-          <p:cNvPr id="9" name="Connecteur droit avec flèche 11" hidden="0"/>
+          <p:cNvPr id="9" name="Connecteur droit avec flèche 11"/>
           <p:cNvCxnSpPr>
             <a:cxnSpLocks/>
           </p:cNvCxnSpPr>
-          <p:nvPr isPhoto="0" userDrawn="0"/>
+          <p:nvPr/>
         </p:nvCxnSpPr>
         <p:spPr bwMode="auto">
           <a:xfrm flipV="1">
@@ -9494,11 +9886,11 @@
       </p:cxnSp>
       <p:sp>
         <p:nvSpPr>
-          <p:cNvPr id="10" name="ZoneTexte 13" hidden="0"/>
-          <p:cNvSpPr>
-            <a:spLocks noAdjustHandles="0" noChangeArrowheads="0"/>
-          </p:cNvSpPr>
-          <p:nvPr isPhoto="0" userDrawn="0"/>
+          <p:cNvPr id="10" name="ZoneTexte 13"/>
+          <p:cNvSpPr>
+            <a:spLocks/>
+          </p:cNvSpPr>
+          <p:nvPr/>
         </p:nvSpPr>
         <p:spPr bwMode="auto">
           <a:xfrm>
@@ -9529,11 +9921,11 @@
       </p:sp>
       <p:sp>
         <p:nvSpPr>
-          <p:cNvPr id="11" name="ZoneTexte 14" hidden="0"/>
-          <p:cNvSpPr>
-            <a:spLocks noAdjustHandles="0" noChangeArrowheads="0"/>
-          </p:cNvSpPr>
-          <p:nvPr isPhoto="0" userDrawn="0"/>
+          <p:cNvPr id="11" name="ZoneTexte 14"/>
+          <p:cNvSpPr>
+            <a:spLocks/>
+          </p:cNvSpPr>
+          <p:nvPr/>
         </p:nvSpPr>
         <p:spPr bwMode="auto">
           <a:xfrm>
@@ -9564,11 +9956,11 @@
       </p:sp>
       <p:sp>
         <p:nvSpPr>
-          <p:cNvPr id="12" name="ZoneTexte 15" hidden="0"/>
-          <p:cNvSpPr>
-            <a:spLocks noAdjustHandles="0" noChangeArrowheads="0"/>
-          </p:cNvSpPr>
-          <p:nvPr isPhoto="0" userDrawn="0"/>
+          <p:cNvPr id="12" name="ZoneTexte 15"/>
+          <p:cNvSpPr>
+            <a:spLocks/>
+          </p:cNvSpPr>
+          <p:nvPr/>
         </p:nvSpPr>
         <p:spPr bwMode="auto">
           <a:xfrm>
@@ -9599,9 +9991,9 @@
       </p:sp>
       <p:sp>
         <p:nvSpPr>
-          <p:cNvPr id="13" name="Rectangle 16" hidden="0"/>
+          <p:cNvPr id="13" name="Rectangle 16"/>
           <p:cNvSpPr/>
-          <p:nvPr isPhoto="0" userDrawn="0"/>
+          <p:nvPr/>
         </p:nvSpPr>
         <p:spPr bwMode="auto">
           <a:xfrm>
@@ -9680,25 +10072,17 @@
   <p:clrMapOvr>
     <a:masterClrMapping/>
   </p:clrMapOvr>
-  <mc:AlternateContent xmlns:mc="http://schemas.openxmlformats.org/markup-compatibility/2006">
-    <mc:Choice xmlns:p14="http://schemas.microsoft.com/office/powerpoint/2010/main" Requires="p14">
-      <p:transition p14:dur="2000" advClick="1"/>
-    </mc:Choice>
-    <mc:Fallback>
-      <p:transition advClick="1"/>
-    </mc:Fallback>
-  </mc:AlternateContent>
 </p:sld>
 </file>
 
-<file path=ppt/slides/slide7.xml><?xml version="1.0" encoding="utf-8"?>
-<p:sld xmlns:a="http://schemas.openxmlformats.org/drawingml/2006/main" xmlns:r="http://schemas.openxmlformats.org/officeDocument/2006/relationships" xmlns:p="http://schemas.openxmlformats.org/presentationml/2006/main" xmlns:m="http://schemas.openxmlformats.org/officeDocument/2006/math" xmlns:w="http://schemas.openxmlformats.org/wordprocessingml/2006/main" showMasterPhAnim="0" show="1">
-  <p:cSld name="">
+<file path=ppt/slides/slide8.xml><?xml version="1.0" encoding="utf-8"?>
+<p:sld xmlns:a="http://schemas.openxmlformats.org/drawingml/2006/main" xmlns:r="http://schemas.openxmlformats.org/officeDocument/2006/relationships" xmlns:p="http://schemas.openxmlformats.org/presentationml/2006/main" showMasterPhAnim="0">
+  <p:cSld>
     <p:spTree>
       <p:nvGrpSpPr>
-        <p:cNvPr id="1" name="" hidden="0"/>
+        <p:cNvPr id="1" name=""/>
         <p:cNvGrpSpPr/>
-        <p:nvPr isPhoto="0" userDrawn="0"/>
+        <p:nvPr/>
       </p:nvGrpSpPr>
       <p:grpSpPr bwMode="auto">
         <a:xfrm>
@@ -9710,12 +10094,12 @@
       </p:grpSpPr>
       <p:sp>
         <p:nvSpPr>
-          <p:cNvPr id="4" name="Titre 1" hidden="0"/>
+          <p:cNvPr id="4" name="Titre 1"/>
           <p:cNvSpPr>
             <a:spLocks noGrp="1"/>
           </p:cNvSpPr>
-          <p:nvPr isPhoto="0" userDrawn="0">
-            <p:ph type="title" hasCustomPrompt="0"/>
+          <p:nvPr>
+            <p:ph type="title"/>
           </p:nvPr>
         </p:nvSpPr>
         <p:spPr bwMode="auto">
@@ -9767,11 +10151,11 @@
       </p:sp>
       <p:pic>
         <p:nvPicPr>
-          <p:cNvPr id="5" name="Image 3" hidden="0"/>
+          <p:cNvPr id="5" name="Image 3"/>
           <p:cNvPicPr>
             <a:picLocks noChangeAspect="1"/>
           </p:cNvPicPr>
-          <p:nvPr isPhoto="0" userDrawn="0"/>
+          <p:nvPr/>
         </p:nvPicPr>
         <p:blipFill>
           <a:blip r:embed="rId3"/>
@@ -9789,14 +10173,14 @@
       </p:pic>
       <p:sp>
         <p:nvSpPr>
-          <p:cNvPr id="6" name="ZoneTexte 4" hidden="0"/>
-          <p:cNvSpPr>
-            <a:spLocks noAdjustHandles="0" noChangeArrowheads="0"/>
-          </p:cNvSpPr>
-          <p:nvPr isPhoto="0" userDrawn="0"/>
-        </p:nvSpPr>
-        <p:spPr bwMode="auto">
-          <a:xfrm flipH="0" flipV="0">
+          <p:cNvPr id="6" name="ZoneTexte 4"/>
+          <p:cNvSpPr>
+            <a:spLocks/>
+          </p:cNvSpPr>
+          <p:nvPr/>
+        </p:nvSpPr>
+        <p:spPr bwMode="auto">
+          <a:xfrm>
             <a:off x="2249690" y="1806804"/>
             <a:ext cx="8376108" cy="653055"/>
           </a:xfrm>
@@ -9860,11 +10244,11 @@
       </p:sp>
       <p:sp>
         <p:nvSpPr>
-          <p:cNvPr id="7" name="ZoneTexte 5" hidden="0"/>
-          <p:cNvSpPr>
-            <a:spLocks noAdjustHandles="0" noChangeArrowheads="0"/>
-          </p:cNvSpPr>
-          <p:nvPr isPhoto="0" userDrawn="0"/>
+          <p:cNvPr id="7" name="ZoneTexte 5"/>
+          <p:cNvSpPr>
+            <a:spLocks/>
+          </p:cNvSpPr>
+          <p:nvPr/>
         </p:nvSpPr>
         <p:spPr bwMode="auto">
           <a:xfrm>
@@ -9895,9 +10279,9 @@
       </p:sp>
       <p:sp>
         <p:nvSpPr>
-          <p:cNvPr id="8" name="Rectangle 6" hidden="0"/>
+          <p:cNvPr id="8" name="Rectangle 6"/>
           <p:cNvSpPr/>
-          <p:nvPr isPhoto="0" userDrawn="0"/>
+          <p:nvPr/>
         </p:nvSpPr>
         <p:spPr bwMode="auto">
           <a:xfrm>
@@ -9941,9 +10325,9 @@
       </p:sp>
       <p:sp>
         <p:nvSpPr>
-          <p:cNvPr id="9" name="Rectangle 7" hidden="0"/>
+          <p:cNvPr id="9" name="Rectangle 7"/>
           <p:cNvSpPr/>
-          <p:nvPr isPhoto="0" userDrawn="0"/>
+          <p:nvPr/>
         </p:nvSpPr>
         <p:spPr bwMode="auto">
           <a:xfrm>
@@ -9987,9 +10371,9 @@
       </p:sp>
       <p:sp>
         <p:nvSpPr>
-          <p:cNvPr id="10" name="Rectangle 8" hidden="0"/>
+          <p:cNvPr id="10" name="Rectangle 8"/>
           <p:cNvSpPr/>
-          <p:nvPr isPhoto="0" userDrawn="0"/>
+          <p:nvPr/>
         </p:nvSpPr>
         <p:spPr bwMode="auto">
           <a:xfrm>
@@ -10033,14 +10417,14 @@
       </p:sp>
       <p:sp>
         <p:nvSpPr>
-          <p:cNvPr id="11" name="ZoneTexte 9" hidden="0"/>
-          <p:cNvSpPr>
-            <a:spLocks noAdjustHandles="0" noChangeArrowheads="0"/>
-          </p:cNvSpPr>
-          <p:nvPr isPhoto="0" userDrawn="0"/>
-        </p:nvSpPr>
-        <p:spPr bwMode="auto">
-          <a:xfrm flipH="0" flipV="0">
+          <p:cNvPr id="11" name="ZoneTexte 9"/>
+          <p:cNvSpPr>
+            <a:spLocks/>
+          </p:cNvSpPr>
+          <p:nvPr/>
+        </p:nvSpPr>
+        <p:spPr bwMode="auto">
+          <a:xfrm>
             <a:off x="452706" y="3553440"/>
             <a:ext cx="2071932" cy="640115"/>
           </a:xfrm>
@@ -10072,11 +10456,11 @@
       </p:sp>
       <p:sp>
         <p:nvSpPr>
-          <p:cNvPr id="12" name="ZoneTexte 10" hidden="0"/>
-          <p:cNvSpPr>
-            <a:spLocks noAdjustHandles="0" noChangeArrowheads="0"/>
-          </p:cNvSpPr>
-          <p:nvPr isPhoto="0" userDrawn="0"/>
+          <p:cNvPr id="12" name="ZoneTexte 10"/>
+          <p:cNvSpPr>
+            <a:spLocks/>
+          </p:cNvSpPr>
+          <p:nvPr/>
         </p:nvSpPr>
         <p:spPr bwMode="auto">
           <a:xfrm>
@@ -10111,11 +10495,11 @@
       </p:sp>
       <p:sp>
         <p:nvSpPr>
-          <p:cNvPr id="13" name="ZoneTexte 11" hidden="0"/>
-          <p:cNvSpPr>
-            <a:spLocks noAdjustHandles="0" noChangeArrowheads="0"/>
-          </p:cNvSpPr>
-          <p:nvPr isPhoto="0" userDrawn="0"/>
+          <p:cNvPr id="13" name="ZoneTexte 11"/>
+          <p:cNvSpPr>
+            <a:spLocks/>
+          </p:cNvSpPr>
+          <p:nvPr/>
         </p:nvSpPr>
         <p:spPr bwMode="auto">
           <a:xfrm>
@@ -10150,11 +10534,11 @@
       </p:sp>
       <p:sp>
         <p:nvSpPr>
-          <p:cNvPr id="14" name="ZoneTexte 12" hidden="0"/>
-          <p:cNvSpPr>
-            <a:spLocks noAdjustHandles="0" noChangeArrowheads="0"/>
-          </p:cNvSpPr>
-          <p:nvPr isPhoto="0" userDrawn="0"/>
+          <p:cNvPr id="14" name="ZoneTexte 12"/>
+          <p:cNvSpPr>
+            <a:spLocks/>
+          </p:cNvSpPr>
+          <p:nvPr/>
         </p:nvSpPr>
         <p:spPr bwMode="auto">
           <a:xfrm>
@@ -10189,11 +10573,11 @@
       </p:sp>
       <p:sp>
         <p:nvSpPr>
-          <p:cNvPr id="15" name="ZoneTexte 13" hidden="0"/>
-          <p:cNvSpPr>
-            <a:spLocks noAdjustHandles="0" noChangeArrowheads="0"/>
-          </p:cNvSpPr>
-          <p:nvPr isPhoto="0" userDrawn="0"/>
+          <p:cNvPr id="15" name="ZoneTexte 13"/>
+          <p:cNvSpPr>
+            <a:spLocks/>
+          </p:cNvSpPr>
+          <p:nvPr/>
         </p:nvSpPr>
         <p:spPr bwMode="auto">
           <a:xfrm rot="5400000">
@@ -10224,11 +10608,11 @@
       </p:sp>
       <p:sp>
         <p:nvSpPr>
-          <p:cNvPr id="16" name="ZoneTexte 14" hidden="0"/>
-          <p:cNvSpPr>
-            <a:spLocks noAdjustHandles="0" noChangeArrowheads="0"/>
-          </p:cNvSpPr>
-          <p:nvPr isPhoto="0" userDrawn="0"/>
+          <p:cNvPr id="16" name="ZoneTexte 14"/>
+          <p:cNvSpPr>
+            <a:spLocks/>
+          </p:cNvSpPr>
+          <p:nvPr/>
         </p:nvSpPr>
         <p:spPr bwMode="auto">
           <a:xfrm>
@@ -10272,11 +10656,11 @@
       </p:sp>
       <p:sp>
         <p:nvSpPr>
-          <p:cNvPr id="17" name="Rectangle 1" hidden="0"/>
+          <p:cNvPr id="17" name="Rectangle 1"/>
           <p:cNvSpPr>
             <a:spLocks noChangeArrowheads="1"/>
           </p:cNvSpPr>
-          <p:nvPr isPhoto="0" userDrawn="0"/>
+          <p:nvPr/>
         </p:nvSpPr>
         <p:spPr bwMode="auto">
           <a:xfrm>
@@ -10295,7 +10679,9 @@
         </p:spPr>
         <p:txBody>
           <a:bodyPr vert="horz" wrap="square" lIns="91440" tIns="45720" rIns="91440" bIns="45720" numCol="1" anchor="ctr" anchorCtr="0" compatLnSpc="1">
-            <a:prstTxWarp prst="textNoShape"/>
+            <a:prstTxWarp prst="textNoShape">
+              <a:avLst/>
+            </a:prstTxWarp>
             <a:spAutoFit/>
           </a:bodyPr>
           <a:lstStyle/>
@@ -10326,7 +10712,7 @@
                 </a:solidFill>
                 <a:latin typeface="Arial"/>
                 <a:cs typeface="Arial"/>
-                <a:hlinkClick r:id="rId4" tooltip=""/>
+                <a:hlinkClick r:id="rId4"/>
               </a:rPr>
               <a:t>https://www.cvg.ethz.ch/teaching/2011spring/gpgpu/Lec1-intro.pdf</a:t>
             </a:r>
@@ -10358,25 +10744,17 @@
   <p:clrMapOvr>
     <a:masterClrMapping/>
   </p:clrMapOvr>
-  <mc:AlternateContent xmlns:mc="http://schemas.openxmlformats.org/markup-compatibility/2006">
-    <mc:Choice xmlns:p14="http://schemas.microsoft.com/office/powerpoint/2010/main" Requires="p14">
-      <p:transition p14:dur="2000" advClick="1"/>
-    </mc:Choice>
-    <mc:Fallback>
-      <p:transition advClick="1"/>
-    </mc:Fallback>
-  </mc:AlternateContent>
 </p:sld>
 </file>
 
-<file path=ppt/slides/slide8.xml><?xml version="1.0" encoding="utf-8"?>
-<p:sld xmlns:a="http://schemas.openxmlformats.org/drawingml/2006/main" xmlns:r="http://schemas.openxmlformats.org/officeDocument/2006/relationships" xmlns:p="http://schemas.openxmlformats.org/presentationml/2006/main" xmlns:m="http://schemas.openxmlformats.org/officeDocument/2006/math" xmlns:w="http://schemas.openxmlformats.org/wordprocessingml/2006/main" showMasterPhAnim="0" show="1">
-  <p:cSld name="">
+<file path=ppt/slides/slide9.xml><?xml version="1.0" encoding="utf-8"?>
+<p:sld xmlns:a="http://schemas.openxmlformats.org/drawingml/2006/main" xmlns:r="http://schemas.openxmlformats.org/officeDocument/2006/relationships" xmlns:p="http://schemas.openxmlformats.org/presentationml/2006/main" showMasterPhAnim="0">
+  <p:cSld>
     <p:spTree>
       <p:nvGrpSpPr>
-        <p:cNvPr id="1" name="" hidden="0"/>
+        <p:cNvPr id="1" name=""/>
         <p:cNvGrpSpPr/>
-        <p:nvPr isPhoto="0" userDrawn="0"/>
+        <p:nvPr/>
       </p:nvGrpSpPr>
       <p:grpSpPr bwMode="auto">
         <a:xfrm>
@@ -10388,12 +10766,12 @@
       </p:grpSpPr>
       <p:sp>
         <p:nvSpPr>
-          <p:cNvPr id="4" name="Titre 1" hidden="0"/>
+          <p:cNvPr id="4" name="Titre 1"/>
           <p:cNvSpPr>
             <a:spLocks noGrp="1"/>
           </p:cNvSpPr>
-          <p:nvPr isPhoto="0" userDrawn="0">
-            <p:ph type="title" hasCustomPrompt="0"/>
+          <p:nvPr>
+            <p:ph type="title"/>
           </p:nvPr>
         </p:nvSpPr>
         <p:spPr bwMode="auto">
@@ -10411,11 +10789,7 @@
             </a:pPr>
             <a:r>
               <a:rPr lang="en-US"/>
-              <a:t>GPU : Not MISD or </a:t>
-            </a:r>
-            <a:r>
-              <a:rPr lang="en-US"/>
-              <a:t>MIMD oriented </a:t>
+              <a:t>GPU : Not MISD or MIMD oriented </a:t>
             </a:r>
             <a:r>
               <a:rPr lang="en-US" sz="4400" b="0" i="0" u="none" strike="noStrike" cap="none" spc="0">
@@ -10434,11 +10808,11 @@
       </p:sp>
       <p:sp>
         <p:nvSpPr>
-          <p:cNvPr id="5" name="Rectangle 1" hidden="0"/>
+          <p:cNvPr id="5" name="Rectangle 1"/>
           <p:cNvSpPr>
             <a:spLocks noChangeArrowheads="1"/>
           </p:cNvSpPr>
-          <p:nvPr isPhoto="0" userDrawn="0"/>
+          <p:nvPr/>
         </p:nvSpPr>
         <p:spPr bwMode="auto">
           <a:xfrm>
@@ -10457,7 +10831,9 @@
         </p:spPr>
         <p:txBody>
           <a:bodyPr vert="horz" wrap="square" lIns="91440" tIns="45720" rIns="91440" bIns="45720" numCol="1" anchor="ctr" anchorCtr="0" compatLnSpc="1">
-            <a:prstTxWarp prst="textNoShape"/>
+            <a:prstTxWarp prst="textNoShape">
+              <a:avLst/>
+            </a:prstTxWarp>
             <a:spAutoFit/>
           </a:bodyPr>
           <a:lstStyle/>
@@ -10488,7 +10864,7 @@
                 </a:solidFill>
                 <a:latin typeface="Arial"/>
                 <a:cs typeface="Arial"/>
-                <a:hlinkClick r:id="rId2" tooltip=""/>
+                <a:hlinkClick r:id="rId2"/>
               </a:rPr>
               <a:t>https://www.cvg.ethz.ch/teaching/2011spring/gpgpu/Lec1-intro.pdf</a:t>
             </a:r>
@@ -10517,18 +10893,18 @@
       </p:sp>
       <p:pic>
         <p:nvPicPr>
-          <p:cNvPr id="6" name="" hidden="0"/>
+          <p:cNvPr id="6" name="Imagen 5"/>
           <p:cNvPicPr>
             <a:picLocks noChangeAspect="1"/>
           </p:cNvPicPr>
-          <p:nvPr isPhoto="0" userDrawn="0"/>
+          <p:nvPr/>
         </p:nvPicPr>
         <p:blipFill>
           <a:blip r:embed="rId3"/>
           <a:stretch/>
         </p:blipFill>
         <p:spPr bwMode="auto">
-          <a:xfrm flipH="0" flipV="0">
+          <a:xfrm>
             <a:off x="537307" y="2613269"/>
             <a:ext cx="5403467" cy="3101730"/>
           </a:xfrm>
@@ -10539,18 +10915,18 @@
       </p:pic>
       <p:pic>
         <p:nvPicPr>
-          <p:cNvPr id="7" name="" hidden="0"/>
+          <p:cNvPr id="7" name="Imagen 6"/>
           <p:cNvPicPr>
             <a:picLocks noChangeAspect="1"/>
           </p:cNvPicPr>
-          <p:nvPr isPhoto="0" userDrawn="0"/>
+          <p:nvPr/>
         </p:nvPicPr>
         <p:blipFill>
           <a:blip r:embed="rId4"/>
           <a:stretch/>
         </p:blipFill>
         <p:spPr bwMode="auto">
-          <a:xfrm flipH="0" flipV="0">
+          <a:xfrm>
             <a:off x="6185005" y="2787320"/>
             <a:ext cx="5277884" cy="3427904"/>
           </a:xfrm>
@@ -10561,14 +10937,14 @@
       </p:pic>
       <p:cxnSp>
         <p:nvCxnSpPr>
-          <p:cNvPr id="8" name="" hidden="0"/>
+          <p:cNvPr id="8" name="Conector recto 7"/>
           <p:cNvCxnSpPr>
             <a:cxnSpLocks/>
           </p:cNvCxnSpPr>
-          <p:nvPr isPhoto="0" userDrawn="0"/>
+          <p:nvPr/>
         </p:nvCxnSpPr>
         <p:spPr bwMode="auto">
-          <a:xfrm rot="10799989" flipH="0" flipV="1">
+          <a:xfrm rot="10799989" flipV="1">
             <a:off x="11711899" y="3039207"/>
             <a:ext cx="0" cy="2724638"/>
           </a:xfrm>
@@ -10603,14 +10979,14 @@
       </p:cxnSp>
       <p:sp>
         <p:nvSpPr>
-          <p:cNvPr id="9" name="ZoneTexte 4" hidden="0"/>
-          <p:cNvSpPr>
-            <a:spLocks noAdjustHandles="0" noChangeArrowheads="0"/>
-          </p:cNvSpPr>
-          <p:nvPr isPhoto="0" userDrawn="0"/>
-        </p:nvSpPr>
-        <p:spPr bwMode="auto">
-          <a:xfrm flipH="0" flipV="0">
+          <p:cNvPr id="9" name="ZoneTexte 4"/>
+          <p:cNvSpPr>
+            <a:spLocks/>
+          </p:cNvSpPr>
+          <p:nvPr/>
+        </p:nvSpPr>
+        <p:spPr bwMode="auto">
+          <a:xfrm>
             <a:off x="720923" y="1635842"/>
             <a:ext cx="4933194" cy="977426"/>
           </a:xfrm>
@@ -10674,12 +11050,12 @@
       </p:sp>
       <p:sp>
         <p:nvSpPr>
-          <p:cNvPr id="10" name="Rectangle 6" hidden="0"/>
+          <p:cNvPr id="10" name="Rectangle 6"/>
           <p:cNvSpPr/>
-          <p:nvPr isPhoto="0" userDrawn="0"/>
-        </p:nvSpPr>
-        <p:spPr bwMode="auto">
-          <a:xfrm flipH="0" flipV="0">
+          <p:nvPr/>
+        </p:nvSpPr>
+        <p:spPr bwMode="auto">
+          <a:xfrm>
             <a:off x="2493653" y="3858846"/>
             <a:ext cx="1485353" cy="441569"/>
           </a:xfrm>
@@ -10720,12 +11096,12 @@
       </p:sp>
       <p:sp>
         <p:nvSpPr>
-          <p:cNvPr id="11" name="Rectangle 6" hidden="0"/>
+          <p:cNvPr id="11" name="Rectangle 6"/>
           <p:cNvSpPr/>
-          <p:nvPr isPhoto="0" userDrawn="0"/>
-        </p:nvSpPr>
-        <p:spPr bwMode="auto">
-          <a:xfrm flipH="0" flipV="0">
+          <p:nvPr/>
+        </p:nvSpPr>
+        <p:spPr bwMode="auto">
+          <a:xfrm>
             <a:off x="4447499" y="3858845"/>
             <a:ext cx="1485352" cy="441568"/>
           </a:xfrm>
@@ -10766,12 +11142,12 @@
       </p:sp>
       <p:sp>
         <p:nvSpPr>
-          <p:cNvPr id="12" name="Rectangle 6" hidden="0"/>
+          <p:cNvPr id="12" name="Rectangle 6"/>
           <p:cNvSpPr/>
-          <p:nvPr isPhoto="0" userDrawn="0"/>
-        </p:nvSpPr>
-        <p:spPr bwMode="auto">
-          <a:xfrm flipH="0" flipV="0">
+          <p:nvPr/>
+        </p:nvSpPr>
+        <p:spPr bwMode="auto">
+          <a:xfrm>
             <a:off x="661921" y="3858845"/>
             <a:ext cx="1485352" cy="441568"/>
           </a:xfrm>
@@ -10812,14 +11188,14 @@
       </p:sp>
       <p:sp>
         <p:nvSpPr>
-          <p:cNvPr id="13" name="ZoneTexte 4" hidden="0"/>
-          <p:cNvSpPr>
-            <a:spLocks noAdjustHandles="0" noChangeArrowheads="0"/>
-          </p:cNvSpPr>
-          <p:nvPr isPhoto="0" userDrawn="0"/>
-        </p:nvSpPr>
-        <p:spPr bwMode="auto">
-          <a:xfrm flipH="0" flipV="0">
+          <p:cNvPr id="13" name="ZoneTexte 4"/>
+          <p:cNvSpPr>
+            <a:spLocks/>
+          </p:cNvSpPr>
+          <p:nvPr/>
+        </p:nvSpPr>
+        <p:spPr bwMode="auto">
+          <a:xfrm>
             <a:off x="6185005" y="1684688"/>
             <a:ext cx="5582730" cy="977425"/>
           </a:xfrm>
@@ -10883,12 +11259,12 @@
       </p:sp>
       <p:sp>
         <p:nvSpPr>
-          <p:cNvPr id="14" name="Rectangle 6" hidden="0"/>
+          <p:cNvPr id="14" name="Rectangle 6"/>
           <p:cNvSpPr/>
-          <p:nvPr isPhoto="0" userDrawn="0"/>
-        </p:nvSpPr>
-        <p:spPr bwMode="auto">
-          <a:xfrm flipH="0" flipV="0">
+          <p:nvPr/>
+        </p:nvSpPr>
+        <p:spPr bwMode="auto">
+          <a:xfrm>
             <a:off x="6401345" y="2955192"/>
             <a:ext cx="1392116" cy="2833076"/>
           </a:xfrm>
@@ -10929,12 +11305,12 @@
       </p:sp>
       <p:sp>
         <p:nvSpPr>
-          <p:cNvPr id="15" name="Rectangle 6" hidden="0"/>
+          <p:cNvPr id="15" name="Rectangle 6"/>
           <p:cNvSpPr/>
-          <p:nvPr isPhoto="0" userDrawn="0"/>
-        </p:nvSpPr>
-        <p:spPr bwMode="auto">
-          <a:xfrm flipH="0" flipV="0">
+          <p:nvPr/>
+        </p:nvSpPr>
+        <p:spPr bwMode="auto">
+          <a:xfrm>
             <a:off x="8110960" y="2955191"/>
             <a:ext cx="1392115" cy="2833075"/>
           </a:xfrm>
@@ -10975,12 +11351,12 @@
       </p:sp>
       <p:sp>
         <p:nvSpPr>
-          <p:cNvPr id="16" name="Rectangle 6" hidden="0"/>
+          <p:cNvPr id="16" name="Rectangle 6"/>
           <p:cNvSpPr/>
-          <p:nvPr isPhoto="0" userDrawn="0"/>
-        </p:nvSpPr>
-        <p:spPr bwMode="auto">
-          <a:xfrm flipH="0" flipV="0">
+          <p:nvPr/>
+        </p:nvSpPr>
+        <p:spPr bwMode="auto">
+          <a:xfrm>
             <a:off x="9942690" y="2955191"/>
             <a:ext cx="1392115" cy="2833075"/>
           </a:xfrm>
@@ -11024,384 +11400,11 @@
   <p:clrMapOvr>
     <a:masterClrMapping/>
   </p:clrMapOvr>
-  <mc:AlternateContent xmlns:mc="http://schemas.openxmlformats.org/markup-compatibility/2006">
-    <mc:Choice xmlns:p14="http://schemas.microsoft.com/office/powerpoint/2010/main" Requires="p14">
-      <p:transition p14:dur="2000" advClick="1"/>
-    </mc:Choice>
-    <mc:Fallback>
-      <p:transition advClick="1"/>
-    </mc:Fallback>
-  </mc:AlternateContent>
-</p:sld>
-</file>
-
-<file path=ppt/slides/slide9.xml><?xml version="1.0" encoding="utf-8"?>
-<p:sld xmlns:a="http://schemas.openxmlformats.org/drawingml/2006/main" xmlns:r="http://schemas.openxmlformats.org/officeDocument/2006/relationships" xmlns:p="http://schemas.openxmlformats.org/presentationml/2006/main" xmlns:m="http://schemas.openxmlformats.org/officeDocument/2006/math" xmlns:w="http://schemas.openxmlformats.org/wordprocessingml/2006/main" showMasterPhAnim="0" show="1">
-  <p:cSld name="">
-    <p:spTree>
-      <p:nvGrpSpPr>
-        <p:cNvPr id="1" name="" hidden="0"/>
-        <p:cNvGrpSpPr/>
-        <p:nvPr isPhoto="0" userDrawn="0"/>
-      </p:nvGrpSpPr>
-      <p:grpSpPr bwMode="auto">
-        <a:xfrm>
-          <a:off x="0" y="0"/>
-          <a:ext cx="0" cy="0"/>
-          <a:chOff x="0" y="0"/>
-          <a:chExt cx="0" cy="0"/>
-        </a:xfrm>
-      </p:grpSpPr>
-      <p:sp>
-        <p:nvSpPr>
-          <p:cNvPr id="4" name="Titre 1" hidden="0"/>
-          <p:cNvSpPr>
-            <a:spLocks noGrp="1"/>
-          </p:cNvSpPr>
-          <p:nvPr isPhoto="0" userDrawn="0">
-            <p:ph type="title" hasCustomPrompt="0"/>
-          </p:nvPr>
-        </p:nvSpPr>
-        <p:spPr bwMode="auto">
-          <a:xfrm>
-            <a:off x="211665" y="156156"/>
-            <a:ext cx="10515600" cy="1325562"/>
-          </a:xfrm>
-        </p:spPr>
-        <p:txBody>
-          <a:bodyPr/>
-          <a:lstStyle/>
-          <a:p>
-            <a:pPr>
-              <a:defRPr/>
-            </a:pPr>
-            <a:r>
-              <a:rPr lang="en-US"/>
-              <a:t>Mapping the hardware architecture to the programming architecture</a:t>
-            </a:r>
-            <a:endParaRPr/>
-          </a:p>
-        </p:txBody>
-      </p:sp>
-      <p:pic>
-        <p:nvPicPr>
-          <p:cNvPr id="5" name="Image 4" descr="Une image contenant capture d’écran&#10;&#10;Description générée automatiquement" hidden="0"/>
-          <p:cNvPicPr>
-            <a:picLocks noChangeAspect="1"/>
-          </p:cNvPicPr>
-          <p:nvPr isPhoto="0" userDrawn="0"/>
-        </p:nvPicPr>
-        <p:blipFill>
-          <a:blip r:embed="rId3"/>
-          <a:stretch/>
-        </p:blipFill>
-        <p:spPr bwMode="auto">
-          <a:xfrm flipH="0" flipV="0">
-            <a:off x="1866772" y="3641775"/>
-            <a:ext cx="4070534" cy="3173315"/>
-          </a:xfrm>
-          <a:prstGeom prst="rect">
-            <a:avLst/>
-          </a:prstGeom>
-        </p:spPr>
-      </p:pic>
-      <p:sp>
-        <p:nvSpPr>
-          <p:cNvPr id="6" name="ZoneTexte 7" hidden="0"/>
-          <p:cNvSpPr>
-            <a:spLocks noAdjustHandles="0" noChangeArrowheads="0"/>
-          </p:cNvSpPr>
-          <p:nvPr isPhoto="0" userDrawn="0"/>
-        </p:nvSpPr>
-        <p:spPr bwMode="auto">
-          <a:xfrm>
-            <a:off x="338949" y="1407566"/>
-            <a:ext cx="11729432" cy="2255555"/>
-          </a:xfrm>
-          <a:prstGeom prst="rect">
-            <a:avLst/>
-          </a:prstGeom>
-          <a:noFill/>
-        </p:spPr>
-        <p:txBody>
-          <a:bodyPr wrap="square" rtlCol="0">
-            <a:spAutoFit/>
-          </a:bodyPr>
-          <a:lstStyle/>
-          <a:p>
-            <a:pPr>
-              <a:defRPr/>
-            </a:pPr>
-            <a:r>
-              <a:rPr lang="en-US"/>
-              <a:t>As a GPU programmer you will :</a:t>
-            </a:r>
-            <a:endParaRPr lang="en-US"/>
-          </a:p>
-          <a:p>
-            <a:pPr>
-              <a:defRPr/>
-            </a:pPr>
-            <a:r>
-              <a:rPr lang="en-US"/>
-              <a:t> * define an arithmetic instruction applied on an element of an array : </a:t>
-            </a:r>
-            <a:r>
-              <a:rPr lang="en-US" b="1"/>
-              <a:t>thread</a:t>
-            </a:r>
-            <a:r>
-              <a:rPr lang="en-US"/>
-              <a:t>.</a:t>
-            </a:r>
-            <a:endParaRPr/>
-          </a:p>
-          <a:p>
-            <a:pPr>
-              <a:defRPr/>
-            </a:pPr>
-            <a:r>
-              <a:rPr lang="en-US"/>
-              <a:t> * run many threads in parallel  within a shared memory environment  : </a:t>
-            </a:r>
-            <a:r>
-              <a:rPr lang="en-US" b="1"/>
-              <a:t>block</a:t>
-            </a:r>
-            <a:r>
-              <a:rPr lang="en-US"/>
-              <a:t>s.</a:t>
-            </a:r>
-            <a:endParaRPr lang="en-US"/>
-          </a:p>
-          <a:p>
-            <a:pPr>
-              <a:defRPr/>
-            </a:pPr>
-            <a:r>
-              <a:rPr lang="en-US"/>
-              <a:t>	</a:t>
-            </a:r>
-            <a:r>
-              <a:rPr lang="en-US" sz="1600"/>
-              <a:t>( block = doing the same operation in parallel on a subset of elements of your array ).</a:t>
-            </a:r>
-            <a:endParaRPr/>
-          </a:p>
-          <a:p>
-            <a:pPr>
-              <a:defRPr/>
-            </a:pPr>
-            <a:endParaRPr lang="en-US"/>
-          </a:p>
-          <a:p>
-            <a:pPr>
-              <a:defRPr/>
-            </a:pPr>
-            <a:endParaRPr lang="en-US"/>
-          </a:p>
-          <a:p>
-            <a:pPr>
-              <a:defRPr/>
-            </a:pPr>
-            <a:r>
-              <a:rPr lang="en-US"/>
-              <a:t> * manage many blocks in parallel (many blocks on the same SM, or many SM), </a:t>
-            </a:r>
-            <a:endParaRPr lang="en-US"/>
-          </a:p>
-          <a:p>
-            <a:pPr>
-              <a:defRPr/>
-            </a:pPr>
-            <a:r>
-              <a:rPr lang="en-US"/>
-              <a:t>	                         or sequentially if your array exceed your GPU capacity.</a:t>
-            </a:r>
-            <a:endParaRPr/>
-          </a:p>
-        </p:txBody>
-      </p:sp>
-      <p:sp>
-        <p:nvSpPr>
-          <p:cNvPr id="7" name="ZoneTexte 8" hidden="0"/>
-          <p:cNvSpPr>
-            <a:spLocks noAdjustHandles="0" noChangeArrowheads="0"/>
-          </p:cNvSpPr>
-          <p:nvPr isPhoto="0" userDrawn="0"/>
-        </p:nvSpPr>
-        <p:spPr bwMode="auto">
-          <a:xfrm rot="16199998">
-            <a:off x="2000282" y="5630333"/>
-            <a:ext cx="649537" cy="369332"/>
-          </a:xfrm>
-          <a:prstGeom prst="rect">
-            <a:avLst/>
-          </a:prstGeom>
-          <a:noFill/>
-        </p:spPr>
-        <p:txBody>
-          <a:bodyPr wrap="none" rtlCol="0">
-            <a:spAutoFit/>
-          </a:bodyPr>
-          <a:lstStyle/>
-          <a:p>
-            <a:pPr>
-              <a:defRPr/>
-            </a:pPr>
-            <a:r>
-              <a:rPr lang="en-US"/>
-              <a:t>Time</a:t>
-            </a:r>
-            <a:endParaRPr/>
-          </a:p>
-        </p:txBody>
-      </p:sp>
-      <p:sp>
-        <p:nvSpPr>
-          <p:cNvPr id="8" name="Rectangle 9" hidden="0"/>
-          <p:cNvSpPr/>
-          <p:nvPr isPhoto="0" userDrawn="0"/>
-        </p:nvSpPr>
-        <p:spPr bwMode="auto">
-          <a:xfrm>
-            <a:off x="6203666" y="6492874"/>
-            <a:ext cx="6096000" cy="461665"/>
-          </a:xfrm>
-          <a:prstGeom prst="rect">
-            <a:avLst/>
-          </a:prstGeom>
-        </p:spPr>
-        <p:txBody>
-          <a:bodyPr>
-            <a:spAutoFit/>
-          </a:bodyPr>
-          <a:lstStyle/>
-          <a:p>
-            <a:pPr>
-              <a:defRPr/>
-            </a:pPr>
-            <a:r>
-              <a:rPr lang="en-US" sz="1200" u="sng">
-                <a:hlinkClick r:id="rId4" tooltip=""/>
-              </a:rPr>
-              <a:t>http://developer.download.nvidia.com/compute/cuda/3_1/toolkit/docs/NVIDIA_CUDA_C_ProgrammingGuide_3.1.pdf</a:t>
-            </a:r>
-            <a:endParaRPr lang="en-US" sz="1200"/>
-          </a:p>
-        </p:txBody>
-      </p:sp>
-      <p:sp>
-        <p:nvSpPr>
-          <p:cNvPr id="9" name="ZoneTexte 7" hidden="0"/>
-          <p:cNvSpPr>
-            <a:spLocks noAdjustHandles="0" noChangeArrowheads="0"/>
-          </p:cNvSpPr>
-          <p:nvPr isPhoto="0" userDrawn="0"/>
-        </p:nvSpPr>
-        <p:spPr bwMode="auto">
-          <a:xfrm>
-            <a:off x="12403949" y="156156"/>
-            <a:ext cx="11726155" cy="1463076"/>
-          </a:xfrm>
-          <a:prstGeom prst="rect">
-            <a:avLst/>
-          </a:prstGeom>
-          <a:noFill/>
-        </p:spPr>
-        <p:txBody>
-          <a:bodyPr wrap="square" rtlCol="0">
-            <a:spAutoFit/>
-          </a:bodyPr>
-          <a:lstStyle/>
-          <a:p>
-            <a:pPr>
-              <a:defRPr/>
-            </a:pPr>
-            <a:r>
-              <a:rPr lang="en-US"/>
-              <a:t>As a GPU programmer you will define an arithmetic instruction applied on an element of an array: </a:t>
-            </a:r>
-            <a:r>
-              <a:rPr lang="en-US" b="1"/>
-              <a:t>thread</a:t>
-            </a:r>
-            <a:r>
-              <a:rPr lang="en-US"/>
-              <a:t>.</a:t>
-            </a:r>
-            <a:endParaRPr/>
-          </a:p>
-          <a:p>
-            <a:pPr>
-              <a:defRPr/>
-            </a:pPr>
-            <a:r>
-              <a:rPr lang="en-US"/>
-              <a:t>You will run many threads in parallel  within a shared memory environment called </a:t>
-            </a:r>
-            <a:r>
-              <a:rPr lang="en-US" b="1"/>
-              <a:t>block</a:t>
-            </a:r>
-            <a:r>
-              <a:rPr lang="en-US"/>
-              <a:t>s ( A block is then you doing the same operation parallelly on a subset of elements of your array ).</a:t>
-            </a:r>
-            <a:endParaRPr/>
-          </a:p>
-          <a:p>
-            <a:pPr>
-              <a:defRPr/>
-            </a:pPr>
-            <a:r>
-              <a:rPr lang="en-US"/>
-              <a:t>You will manage many blocks parallelly (if many blocks can sit on the same SM, or if you have many SM), or sequentially if your array exceed your GPU capacity.</a:t>
-            </a:r>
-            <a:endParaRPr/>
-          </a:p>
-        </p:txBody>
-      </p:sp>
-      <p:pic>
-        <p:nvPicPr>
-          <p:cNvPr id="10" name="" hidden="0"/>
-          <p:cNvPicPr>
-            <a:picLocks noChangeAspect="1"/>
-          </p:cNvPicPr>
-          <p:nvPr isPhoto="0" userDrawn="0"/>
-        </p:nvPicPr>
-        <p:blipFill>
-          <a:blip r:embed="rId5"/>
-          <a:stretch/>
-        </p:blipFill>
-        <p:spPr bwMode="auto">
-          <a:xfrm>
-            <a:off x="8024812" y="857250"/>
-            <a:ext cx="3857625" cy="5143500"/>
-          </a:xfrm>
-          <a:prstGeom prst="rect">
-            <a:avLst/>
-          </a:prstGeom>
-        </p:spPr>
-      </p:pic>
-    </p:spTree>
-  </p:cSld>
-  <p:clrMapOvr>
-    <a:masterClrMapping/>
-  </p:clrMapOvr>
-  <mc:AlternateContent xmlns:mc="http://schemas.openxmlformats.org/markup-compatibility/2006">
-    <mc:Choice xmlns:p14="http://schemas.microsoft.com/office/powerpoint/2010/main" Requires="p14">
-      <p:transition p14:dur="2000" advClick="1"/>
-    </mc:Choice>
-    <mc:Fallback>
-      <p:transition advClick="1"/>
-    </mc:Fallback>
-  </mc:AlternateContent>
 </p:sld>
 </file>
 
 <file path=ppt/theme/theme1.xml><?xml version="1.0" encoding="utf-8"?>
-<a:theme xmlns:a="http://schemas.openxmlformats.org/drawingml/2006/main" xmlns:r="http://schemas.openxmlformats.org/officeDocument/2006/relationships" xmlns:p="http://schemas.openxmlformats.org/presentationml/2006/main" name="Thème Office">
+<a:theme xmlns:a="http://schemas.openxmlformats.org/drawingml/2006/main" name="Thème Office">
   <a:themeElements>
     <a:clrScheme name="Office">
       <a:dk1>
@@ -11604,11 +11607,12 @@
     </a:fmtScheme>
   </a:themeElements>
   <a:objectDefaults/>
+  <a:extraClrSchemeLst/>
 </a:theme>
 </file>
 
 <file path=ppt/theme/theme2.xml><?xml version="1.0" encoding="utf-8"?>
-<a:theme xmlns:a="http://schemas.openxmlformats.org/drawingml/2006/main" xmlns:r="http://schemas.openxmlformats.org/officeDocument/2006/relationships" xmlns:p="http://schemas.openxmlformats.org/presentationml/2006/main" name="Thème Office">
+<a:theme xmlns:a="http://schemas.openxmlformats.org/drawingml/2006/main" name="Thème Office">
   <a:themeElements>
     <a:clrScheme name="Office">
       <a:dk1>
@@ -11811,5 +11815,6 @@
     </a:fmtScheme>
   </a:themeElements>
   <a:objectDefaults/>
+  <a:extraClrSchemeLst/>
 </a:theme>
 </file>